--- a/rapiscan-image-viewer.pptx
+++ b/rapiscan-image-viewer.pptx
@@ -5,22 +5,24 @@
     <p:sldMasterId id="2147483648" r:id="rId1"/>
   </p:sldMasterIdLst>
   <p:notesMasterIdLst>
-    <p:notesMasterId r:id="rId12"/>
+    <p:notesMasterId r:id="rId14"/>
   </p:notesMasterIdLst>
   <p:handoutMasterIdLst>
-    <p:handoutMasterId r:id="rId13"/>
+    <p:handoutMasterId r:id="rId15"/>
   </p:handoutMasterIdLst>
   <p:sldIdLst>
     <p:sldId id="256" r:id="rId2"/>
     <p:sldId id="479" r:id="rId3"/>
     <p:sldId id="596" r:id="rId4"/>
     <p:sldId id="597" r:id="rId5"/>
-    <p:sldId id="598" r:id="rId6"/>
-    <p:sldId id="599" r:id="rId7"/>
-    <p:sldId id="600" r:id="rId8"/>
-    <p:sldId id="570" r:id="rId9"/>
-    <p:sldId id="595" r:id="rId10"/>
-    <p:sldId id="381" r:id="rId11"/>
+    <p:sldId id="601" r:id="rId6"/>
+    <p:sldId id="602" r:id="rId7"/>
+    <p:sldId id="598" r:id="rId8"/>
+    <p:sldId id="599" r:id="rId9"/>
+    <p:sldId id="600" r:id="rId10"/>
+    <p:sldId id="570" r:id="rId11"/>
+    <p:sldId id="595" r:id="rId12"/>
+    <p:sldId id="381" r:id="rId13"/>
   </p:sldIdLst>
   <p:sldSz cx="10080625" cy="7559675"/>
   <p:notesSz cx="7559675" cy="10691813"/>
@@ -131,6 +133,7 @@
 <p1510:revInfo xmlns:a="http://schemas.openxmlformats.org/drawingml/2006/main" xmlns:r="http://schemas.openxmlformats.org/officeDocument/2006/relationships" xmlns:p1510="http://schemas.microsoft.com/office/powerpoint/2015/10/main">
   <p1510:revLst>
     <p1510:client id="{8EEE3B1E-7D1A-4352-AF5F-2DFC015927AD}" v="10" dt="2022-07-03T12:11:33.593"/>
+    <p1510:client id="{C5863B7E-759C-4CC8-AB41-D4F721E96184}" v="8" dt="2022-07-04T02:32:04.111"/>
   </p1510:revLst>
 </p1510:revInfo>
 </file>
@@ -978,6 +981,61 @@
       </pc:sldMasterChg>
     </pc:docChg>
   </pc:docChgLst>
+  <pc:docChgLst>
+    <pc:chgData name="Graphics Guru" userId="d850d2d1f9c44abc" providerId="LiveId" clId="{C5863B7E-759C-4CC8-AB41-D4F721E96184}"/>
+    <pc:docChg chg="custSel addSld modSld sldOrd">
+      <pc:chgData name="Graphics Guru" userId="d850d2d1f9c44abc" providerId="LiveId" clId="{C5863B7E-759C-4CC8-AB41-D4F721E96184}" dt="2022-07-04T02:32:56.168" v="510" actId="404"/>
+      <pc:docMkLst>
+        <pc:docMk/>
+      </pc:docMkLst>
+      <pc:sldChg chg="modSp add mod ord">
+        <pc:chgData name="Graphics Guru" userId="d850d2d1f9c44abc" providerId="LiveId" clId="{C5863B7E-759C-4CC8-AB41-D4F721E96184}" dt="2022-07-04T02:08:59.245" v="410" actId="20577"/>
+        <pc:sldMkLst>
+          <pc:docMk/>
+          <pc:sldMk cId="4208619168" sldId="601"/>
+        </pc:sldMkLst>
+        <pc:spChg chg="mod">
+          <ac:chgData name="Graphics Guru" userId="d850d2d1f9c44abc" providerId="LiveId" clId="{C5863B7E-759C-4CC8-AB41-D4F721E96184}" dt="2022-07-04T01:24:58.437" v="33" actId="20577"/>
+          <ac:spMkLst>
+            <pc:docMk/>
+            <pc:sldMk cId="4208619168" sldId="601"/>
+            <ac:spMk id="68609" creationId="{00000000-0000-0000-0000-000000000000}"/>
+          </ac:spMkLst>
+        </pc:spChg>
+        <pc:spChg chg="mod">
+          <ac:chgData name="Graphics Guru" userId="d850d2d1f9c44abc" providerId="LiveId" clId="{C5863B7E-759C-4CC8-AB41-D4F721E96184}" dt="2022-07-04T02:08:59.245" v="410" actId="20577"/>
+          <ac:spMkLst>
+            <pc:docMk/>
+            <pc:sldMk cId="4208619168" sldId="601"/>
+            <ac:spMk id="68610" creationId="{00000000-0000-0000-0000-000000000000}"/>
+          </ac:spMkLst>
+        </pc:spChg>
+      </pc:sldChg>
+      <pc:sldChg chg="addSp modSp add mod">
+        <pc:chgData name="Graphics Guru" userId="d850d2d1f9c44abc" providerId="LiveId" clId="{C5863B7E-759C-4CC8-AB41-D4F721E96184}" dt="2022-07-04T02:32:56.168" v="510" actId="404"/>
+        <pc:sldMkLst>
+          <pc:docMk/>
+          <pc:sldMk cId="2964868944" sldId="602"/>
+        </pc:sldMkLst>
+        <pc:spChg chg="mod">
+          <ac:chgData name="Graphics Guru" userId="d850d2d1f9c44abc" providerId="LiveId" clId="{C5863B7E-759C-4CC8-AB41-D4F721E96184}" dt="2022-07-04T02:32:56.168" v="510" actId="404"/>
+          <ac:spMkLst>
+            <pc:docMk/>
+            <pc:sldMk cId="2964868944" sldId="602"/>
+            <ac:spMk id="68610" creationId="{00000000-0000-0000-0000-000000000000}"/>
+          </ac:spMkLst>
+        </pc:spChg>
+        <pc:graphicFrameChg chg="add mod">
+          <ac:chgData name="Graphics Guru" userId="d850d2d1f9c44abc" providerId="LiveId" clId="{C5863B7E-759C-4CC8-AB41-D4F721E96184}" dt="2022-07-04T02:31:30.931" v="412" actId="1076"/>
+          <ac:graphicFrameMkLst>
+            <pc:docMk/>
+            <pc:sldMk cId="2964868944" sldId="602"/>
+            <ac:graphicFrameMk id="2" creationId="{CF313E88-766F-5191-5B58-6BC4E7843488}"/>
+          </ac:graphicFrameMkLst>
+        </pc:graphicFrameChg>
+      </pc:sldChg>
+    </pc:docChg>
+  </pc:docChgLst>
 </pc:chgInfo>
 </file>
 
@@ -1774,6 +1832,337 @@
 </p:notes>
 </file>
 
+<file path=ppt/notesSlides/notesSlide10.xml><?xml version="1.0" encoding="utf-8"?>
+<p:notes xmlns:a="http://schemas.openxmlformats.org/drawingml/2006/main" xmlns:r="http://schemas.openxmlformats.org/officeDocument/2006/relationships" xmlns:p="http://schemas.openxmlformats.org/presentationml/2006/main">
+  <p:cSld>
+    <p:spTree>
+      <p:nvGrpSpPr>
+        <p:cNvPr id="1" name=""/>
+        <p:cNvGrpSpPr/>
+        <p:nvPr/>
+      </p:nvGrpSpPr>
+      <p:grpSpPr>
+        <a:xfrm>
+          <a:off x="0" y="0"/>
+          <a:ext cx="0" cy="0"/>
+          <a:chOff x="0" y="0"/>
+          <a:chExt cx="0" cy="0"/>
+        </a:xfrm>
+      </p:grpSpPr>
+      <p:sp>
+        <p:nvSpPr>
+          <p:cNvPr id="8" name="Rectangle 6"/>
+          <p:cNvSpPr txBox="1">
+            <a:spLocks noGrp="1"/>
+          </p:cNvSpPr>
+          <p:nvPr>
+            <p:ph type="sldNum" sz="quarter" idx="5"/>
+          </p:nvPr>
+        </p:nvSpPr>
+        <p:spPr>
+          <a:ln/>
+        </p:spPr>
+        <p:txBody>
+          <a:bodyPr wrap="square" lIns="0" tIns="0" rIns="0" bIns="0" anchor="b" anchorCtr="0">
+            <a:noAutofit/>
+          </a:bodyPr>
+          <a:lstStyle/>
+          <a:p>
+            <a:pPr lvl="0"/>
+            <a:fld id="{09575230-7AFF-4F73-9137-B84871ECE2C4}" type="slidenum">
+              <a:t>11</a:t>
+            </a:fld>
+            <a:endParaRPr lang="en-US" dirty="0"/>
+          </a:p>
+        </p:txBody>
+      </p:sp>
+      <p:sp>
+        <p:nvSpPr>
+          <p:cNvPr id="2" name="Rectangle 6"/>
+          <p:cNvSpPr txBox="1"/>
+          <p:nvPr/>
+        </p:nvSpPr>
+        <p:spPr>
+          <a:xfrm>
+            <a:off x="4278240" y="10156680"/>
+            <a:ext cx="3279600" cy="533520"/>
+          </a:xfrm>
+          <a:prstGeom prst="rect">
+            <a:avLst/>
+          </a:prstGeom>
+          <a:noFill/>
+          <a:ln cap="flat">
+            <a:noFill/>
+          </a:ln>
+        </p:spPr>
+        <p:txBody>
+          <a:bodyPr vert="horz" wrap="square" lIns="0" tIns="0" rIns="0" bIns="0" anchor="b" anchorCtr="0" compatLnSpc="0">
+            <a:noAutofit/>
+          </a:bodyPr>
+          <a:lstStyle/>
+          <a:p>
+            <a:pPr marL="0" marR="0" lvl="0" indent="0" algn="r" rtl="0" hangingPunct="0">
+              <a:lnSpc>
+                <a:spcPct val="95000"/>
+              </a:lnSpc>
+              <a:spcBef>
+                <a:spcPts val="0"/>
+              </a:spcBef>
+              <a:spcAft>
+                <a:spcPts val="0"/>
+              </a:spcAft>
+              <a:buNone/>
+              <a:tabLst>
+                <a:tab pos="723959" algn="l"/>
+                <a:tab pos="1447919" algn="l"/>
+                <a:tab pos="2171520" algn="l"/>
+                <a:tab pos="2895479" algn="l"/>
+              </a:tabLst>
+            </a:pPr>
+            <a:fld id="{4058D169-B84B-47DA-BEC7-ED4EAE281E87}" type="slidenum">
+              <a:t>11</a:t>
+            </a:fld>
+            <a:endParaRPr lang="en-US" sz="1400" b="0" i="0" u="none" strike="noStrike" kern="1200" spc="0" baseline="0" dirty="0">
+              <a:ln>
+                <a:noFill/>
+              </a:ln>
+              <a:solidFill>
+                <a:srgbClr val="000000"/>
+              </a:solidFill>
+              <a:latin typeface="Times New Roman" pitchFamily="18"/>
+              <a:ea typeface="Microsoft YaHei" pitchFamily="2"/>
+              <a:cs typeface="Arial Unicode MS" pitchFamily="34"/>
+            </a:endParaRPr>
+          </a:p>
+        </p:txBody>
+      </p:sp>
+      <p:sp>
+        <p:nvSpPr>
+          <p:cNvPr id="3" name="Rectangle 1"/>
+          <p:cNvSpPr>
+            <a:spLocks noGrp="1" noRot="1" noChangeAspect="1" noResize="1"/>
+          </p:cNvSpPr>
+          <p:nvPr>
+            <p:ph type="sldImg"/>
+          </p:nvPr>
+        </p:nvSpPr>
+        <p:spPr>
+          <a:xfrm>
+            <a:off x="1106488" y="812800"/>
+            <a:ext cx="5345112" cy="4008438"/>
+          </a:xfrm>
+          <a:solidFill>
+            <a:srgbClr val="00CC99"/>
+          </a:solidFill>
+          <a:ln w="12600" cap="flat">
+            <a:solidFill>
+              <a:srgbClr val="00956F"/>
+            </a:solidFill>
+            <a:prstDash val="solid"/>
+            <a:miter/>
+          </a:ln>
+        </p:spPr>
+      </p:sp>
+      <p:sp>
+        <p:nvSpPr>
+          <p:cNvPr id="4" name="Rectangle 2"/>
+          <p:cNvSpPr txBox="1">
+            <a:spLocks noGrp="1"/>
+          </p:cNvSpPr>
+          <p:nvPr>
+            <p:ph type="body" sz="quarter" idx="1"/>
+          </p:nvPr>
+        </p:nvSpPr>
+        <p:spPr>
+          <a:xfrm>
+            <a:off x="755639" y="5078520"/>
+            <a:ext cx="6048360" cy="4811760"/>
+          </a:xfrm>
+        </p:spPr>
+        <p:txBody>
+          <a:bodyPr wrap="none" anchor="ctr"/>
+          <a:lstStyle/>
+          <a:p>
+            <a:endParaRPr lang="en-AU" dirty="0"/>
+          </a:p>
+        </p:txBody>
+      </p:sp>
+    </p:spTree>
+    <p:extLst>
+      <p:ext uri="{BB962C8B-B14F-4D97-AF65-F5344CB8AC3E}">
+        <p14:creationId xmlns:p14="http://schemas.microsoft.com/office/powerpoint/2010/main" val="1988988743"/>
+      </p:ext>
+    </p:extLst>
+  </p:cSld>
+  <p:clrMapOvr>
+    <a:masterClrMapping/>
+  </p:clrMapOvr>
+</p:notes>
+</file>
+
+<file path=ppt/notesSlides/notesSlide11.xml><?xml version="1.0" encoding="utf-8"?>
+<p:notes xmlns:a="http://schemas.openxmlformats.org/drawingml/2006/main" xmlns:r="http://schemas.openxmlformats.org/officeDocument/2006/relationships" xmlns:p="http://schemas.openxmlformats.org/presentationml/2006/main">
+  <p:cSld>
+    <p:spTree>
+      <p:nvGrpSpPr>
+        <p:cNvPr id="1" name=""/>
+        <p:cNvGrpSpPr/>
+        <p:nvPr/>
+      </p:nvGrpSpPr>
+      <p:grpSpPr>
+        <a:xfrm>
+          <a:off x="0" y="0"/>
+          <a:ext cx="0" cy="0"/>
+          <a:chOff x="0" y="0"/>
+          <a:chExt cx="0" cy="0"/>
+        </a:xfrm>
+      </p:grpSpPr>
+      <p:sp>
+        <p:nvSpPr>
+          <p:cNvPr id="8" name="Rectangle 6"/>
+          <p:cNvSpPr txBox="1">
+            <a:spLocks noGrp="1"/>
+          </p:cNvSpPr>
+          <p:nvPr>
+            <p:ph type="sldNum" sz="quarter" idx="5"/>
+          </p:nvPr>
+        </p:nvSpPr>
+        <p:spPr>
+          <a:ln/>
+        </p:spPr>
+        <p:txBody>
+          <a:bodyPr wrap="square" lIns="0" tIns="0" rIns="0" bIns="0" anchor="b" anchorCtr="0">
+            <a:noAutofit/>
+          </a:bodyPr>
+          <a:lstStyle/>
+          <a:p>
+            <a:pPr lvl="0"/>
+            <a:fld id="{382404CC-1BB2-49C8-8DF5-858FBB1C0C3F}" type="slidenum">
+              <a:t>12</a:t>
+            </a:fld>
+            <a:endParaRPr lang="en-US" dirty="0"/>
+          </a:p>
+        </p:txBody>
+      </p:sp>
+      <p:sp>
+        <p:nvSpPr>
+          <p:cNvPr id="2" name="Rectangle 6"/>
+          <p:cNvSpPr txBox="1"/>
+          <p:nvPr/>
+        </p:nvSpPr>
+        <p:spPr>
+          <a:xfrm>
+            <a:off x="4278240" y="10156680"/>
+            <a:ext cx="3279600" cy="533520"/>
+          </a:xfrm>
+          <a:prstGeom prst="rect">
+            <a:avLst/>
+          </a:prstGeom>
+          <a:noFill/>
+          <a:ln cap="flat">
+            <a:noFill/>
+          </a:ln>
+        </p:spPr>
+        <p:txBody>
+          <a:bodyPr vert="horz" wrap="square" lIns="0" tIns="0" rIns="0" bIns="0" anchor="b" anchorCtr="0" compatLnSpc="0">
+            <a:noAutofit/>
+          </a:bodyPr>
+          <a:lstStyle/>
+          <a:p>
+            <a:pPr marL="0" marR="0" lvl="0" indent="0" algn="r" rtl="0" hangingPunct="0">
+              <a:lnSpc>
+                <a:spcPct val="95000"/>
+              </a:lnSpc>
+              <a:spcBef>
+                <a:spcPts val="0"/>
+              </a:spcBef>
+              <a:spcAft>
+                <a:spcPts val="0"/>
+              </a:spcAft>
+              <a:buNone/>
+              <a:tabLst>
+                <a:tab pos="723959" algn="l"/>
+                <a:tab pos="1447919" algn="l"/>
+                <a:tab pos="2171520" algn="l"/>
+                <a:tab pos="2895479" algn="l"/>
+              </a:tabLst>
+            </a:pPr>
+            <a:fld id="{C109EC5A-B015-4140-B0D8-5D4B0D5B28DD}" type="slidenum">
+              <a:t>12</a:t>
+            </a:fld>
+            <a:endParaRPr lang="en-US" sz="1400" b="0" i="0" u="none" strike="noStrike" kern="1200" spc="0" baseline="0" dirty="0">
+              <a:ln>
+                <a:noFill/>
+              </a:ln>
+              <a:solidFill>
+                <a:srgbClr val="000000"/>
+              </a:solidFill>
+              <a:latin typeface="Times New Roman" pitchFamily="18"/>
+              <a:ea typeface="Microsoft YaHei" pitchFamily="2"/>
+              <a:cs typeface="Arial Unicode MS" pitchFamily="34"/>
+            </a:endParaRPr>
+          </a:p>
+        </p:txBody>
+      </p:sp>
+      <p:sp>
+        <p:nvSpPr>
+          <p:cNvPr id="3" name="Rectangle 1"/>
+          <p:cNvSpPr>
+            <a:spLocks noGrp="1" noRot="1" noChangeAspect="1" noResize="1"/>
+          </p:cNvSpPr>
+          <p:nvPr>
+            <p:ph type="sldImg"/>
+          </p:nvPr>
+        </p:nvSpPr>
+        <p:spPr>
+          <a:xfrm>
+            <a:off x="1106488" y="812800"/>
+            <a:ext cx="5345112" cy="4008438"/>
+          </a:xfrm>
+          <a:solidFill>
+            <a:srgbClr val="00CC99"/>
+          </a:solidFill>
+          <a:ln w="12600" cap="flat">
+            <a:solidFill>
+              <a:srgbClr val="00956F"/>
+            </a:solidFill>
+            <a:prstDash val="solid"/>
+            <a:miter/>
+          </a:ln>
+        </p:spPr>
+      </p:sp>
+      <p:sp>
+        <p:nvSpPr>
+          <p:cNvPr id="4" name="Rectangle 2"/>
+          <p:cNvSpPr txBox="1">
+            <a:spLocks noGrp="1"/>
+          </p:cNvSpPr>
+          <p:nvPr>
+            <p:ph type="body" sz="quarter" idx="1"/>
+          </p:nvPr>
+        </p:nvSpPr>
+        <p:spPr>
+          <a:xfrm>
+            <a:off x="755639" y="5078520"/>
+            <a:ext cx="6048360" cy="4811760"/>
+          </a:xfrm>
+        </p:spPr>
+        <p:txBody>
+          <a:bodyPr wrap="none" anchor="ctr"/>
+          <a:lstStyle/>
+          <a:p>
+            <a:endParaRPr lang="en-AU" dirty="0"/>
+          </a:p>
+        </p:txBody>
+      </p:sp>
+    </p:spTree>
+  </p:cSld>
+  <p:clrMapOvr>
+    <a:masterClrMapping/>
+  </p:clrMapOvr>
+</p:notes>
+</file>
+
 <file path=ppt/notesSlides/notesSlide2.xml><?xml version="1.0" encoding="utf-8"?>
 <p:notes xmlns:a="http://schemas.openxmlformats.org/drawingml/2006/main" xmlns:r="http://schemas.openxmlformats.org/officeDocument/2006/relationships" xmlns:p="http://schemas.openxmlformats.org/presentationml/2006/main">
   <p:cSld>
@@ -3524,7 +3913,7 @@
     </p:spTree>
     <p:extLst>
       <p:ext uri="{BB962C8B-B14F-4D97-AF65-F5344CB8AC3E}">
-        <p14:creationId xmlns:p14="http://schemas.microsoft.com/office/powerpoint/2010/main" val="290389671"/>
+        <p14:creationId xmlns:p14="http://schemas.microsoft.com/office/powerpoint/2010/main" val="2865630831"/>
       </p:ext>
     </p:extLst>
   </p:cSld>
@@ -3964,7 +4353,7 @@
     </p:spTree>
     <p:extLst>
       <p:ext uri="{BB962C8B-B14F-4D97-AF65-F5344CB8AC3E}">
-        <p14:creationId xmlns:p14="http://schemas.microsoft.com/office/powerpoint/2010/main" val="2076045668"/>
+        <p14:creationId xmlns:p14="http://schemas.microsoft.com/office/powerpoint/2010/main" val="4180959873"/>
       </p:ext>
     </p:extLst>
   </p:cSld>
@@ -4404,7 +4793,7 @@
     </p:spTree>
     <p:extLst>
       <p:ext uri="{BB962C8B-B14F-4D97-AF65-F5344CB8AC3E}">
-        <p14:creationId xmlns:p14="http://schemas.microsoft.com/office/powerpoint/2010/main" val="501627218"/>
+        <p14:creationId xmlns:p14="http://schemas.microsoft.com/office/powerpoint/2010/main" val="290389671"/>
       </p:ext>
     </p:extLst>
   </p:cSld>
@@ -4417,6 +4806,14 @@
 <file path=ppt/notesSlides/notesSlide8.xml><?xml version="1.0" encoding="utf-8"?>
 <p:notes xmlns:a="http://schemas.openxmlformats.org/drawingml/2006/main" xmlns:r="http://schemas.openxmlformats.org/officeDocument/2006/relationships" xmlns:p="http://schemas.openxmlformats.org/presentationml/2006/main">
   <p:cSld>
+    <p:bg>
+      <p:bgPr>
+        <a:solidFill>
+          <a:srgbClr val="FFFFFF"/>
+        </a:solidFill>
+        <a:effectLst/>
+      </p:bgPr>
+    </p:bg>
     <p:spTree>
       <p:nvGrpSpPr>
         <p:cNvPr id="1" name=""/>
@@ -4433,146 +4830,410 @@
       </p:grpSpPr>
       <p:sp>
         <p:nvSpPr>
-          <p:cNvPr id="8" name="Rectangle 6"/>
-          <p:cNvSpPr txBox="1">
-            <a:spLocks noGrp="1"/>
+          <p:cNvPr id="5" name="Rectangle 6"/>
+          <p:cNvSpPr>
+            <a:spLocks noGrp="1" noChangeArrowheads="1"/>
           </p:cNvSpPr>
           <p:nvPr>
-            <p:ph type="sldNum" sz="quarter" idx="5"/>
+            <p:ph type="sldNum"/>
           </p:nvPr>
         </p:nvSpPr>
         <p:spPr>
           <a:ln/>
         </p:spPr>
         <p:txBody>
-          <a:bodyPr wrap="square" lIns="0" tIns="0" rIns="0" bIns="0" anchor="b" anchorCtr="0">
-            <a:noAutofit/>
-          </a:bodyPr>
+          <a:bodyPr/>
           <a:lstStyle/>
           <a:p>
-            <a:pPr lvl="0"/>
-            <a:fld id="{09575230-7AFF-4F73-9137-B84871ECE2C4}" type="slidenum">
-              <a:t>9</a:t>
+            <a:fld id="{4FED7E9E-91F3-4541-BE13-AEB1F7C7F271}" type="slidenum">
+              <a:rPr lang="en-US" altLang="en-US"/>
+              <a:pPr/>
+              <a:t>8</a:t>
             </a:fld>
-            <a:endParaRPr lang="en-US" dirty="0"/>
+            <a:endParaRPr lang="en-US" altLang="en-US" dirty="0"/>
           </a:p>
         </p:txBody>
       </p:sp>
       <p:sp>
         <p:nvSpPr>
-          <p:cNvPr id="2" name="Rectangle 6"/>
-          <p:cNvSpPr txBox="1"/>
+          <p:cNvPr id="235521" name="Text Box 1"/>
+          <p:cNvSpPr txBox="1">
+            <a:spLocks noChangeArrowheads="1"/>
+          </p:cNvSpPr>
           <p:nvPr/>
         </p:nvSpPr>
-        <p:spPr>
+        <p:spPr bwMode="auto">
           <a:xfrm>
-            <a:off x="4278240" y="10156680"/>
-            <a:ext cx="3279600" cy="533520"/>
+            <a:off x="4278313" y="10156825"/>
+            <a:ext cx="3279775" cy="533400"/>
           </a:xfrm>
           <a:prstGeom prst="rect">
             <a:avLst/>
           </a:prstGeom>
           <a:noFill/>
-          <a:ln cap="flat">
+          <a:ln>
             <a:noFill/>
           </a:ln>
+          <a:effectLst/>
+          <a:extLst>
+            <a:ext uri="{909E8E84-426E-40DD-AFC4-6F175D3DCCD1}">
+              <a14:hiddenFill xmlns:a14="http://schemas.microsoft.com/office/drawing/2010/main">
+                <a:solidFill>
+                  <a:srgbClr val="FFFFFF"/>
+                </a:solidFill>
+              </a14:hiddenFill>
+            </a:ext>
+            <a:ext uri="{91240B29-F687-4F45-9708-019B960494DF}">
+              <a14:hiddenLine xmlns:a14="http://schemas.microsoft.com/office/drawing/2010/main" w="9525" cap="flat">
+                <a:solidFill>
+                  <a:srgbClr val="808080"/>
+                </a:solidFill>
+                <a:miter lim="800000"/>
+                <a:headEnd/>
+                <a:tailEnd/>
+              </a14:hiddenLine>
+            </a:ext>
+            <a:ext uri="{AF507438-7753-43E0-B8FC-AC1667EBCBE1}">
+              <a14:hiddenEffects xmlns:a14="http://schemas.microsoft.com/office/drawing/2010/main">
+                <a:effectLst>
+                  <a:outerShdw dist="35921" dir="2700000" algn="ctr" rotWithShape="0">
+                    <a:srgbClr val="808080"/>
+                  </a:outerShdw>
+                </a:effectLst>
+              </a14:hiddenEffects>
+            </a:ext>
+          </a:extLst>
         </p:spPr>
         <p:txBody>
-          <a:bodyPr vert="horz" wrap="square" lIns="0" tIns="0" rIns="0" bIns="0" anchor="b" anchorCtr="0" compatLnSpc="0">
-            <a:noAutofit/>
-          </a:bodyPr>
-          <a:lstStyle/>
-          <a:p>
-            <a:pPr marL="0" marR="0" lvl="0" indent="0" algn="r" rtl="0" hangingPunct="0">
+          <a:bodyPr lIns="0" tIns="0" rIns="0" bIns="0" anchor="b"/>
+          <a:lstStyle>
+            <a:lvl1pPr>
+              <a:tabLst>
+                <a:tab pos="723900" algn="l"/>
+                <a:tab pos="1447800" algn="l"/>
+                <a:tab pos="2170113" algn="l"/>
+                <a:tab pos="2894013" algn="l"/>
+                <a:tab pos="2895600" algn="l"/>
+              </a:tabLst>
+              <a:defRPr>
+                <a:solidFill>
+                  <a:srgbClr val="000000"/>
+                </a:solidFill>
+                <a:latin typeface="Arial" panose="020B0604020202020204" pitchFamily="34" charset="0"/>
+                <a:ea typeface="Microsoft YaHei" panose="020B0503020204020204" pitchFamily="34" charset="-122"/>
+              </a:defRPr>
+            </a:lvl1pPr>
+            <a:lvl2pPr>
+              <a:tabLst>
+                <a:tab pos="723900" algn="l"/>
+                <a:tab pos="1447800" algn="l"/>
+                <a:tab pos="2170113" algn="l"/>
+                <a:tab pos="2894013" algn="l"/>
+                <a:tab pos="2895600" algn="l"/>
+              </a:tabLst>
+              <a:defRPr>
+                <a:solidFill>
+                  <a:srgbClr val="000000"/>
+                </a:solidFill>
+                <a:latin typeface="Arial" panose="020B0604020202020204" pitchFamily="34" charset="0"/>
+                <a:ea typeface="Microsoft YaHei" panose="020B0503020204020204" pitchFamily="34" charset="-122"/>
+              </a:defRPr>
+            </a:lvl2pPr>
+            <a:lvl3pPr>
+              <a:tabLst>
+                <a:tab pos="723900" algn="l"/>
+                <a:tab pos="1447800" algn="l"/>
+                <a:tab pos="2170113" algn="l"/>
+                <a:tab pos="2894013" algn="l"/>
+                <a:tab pos="2895600" algn="l"/>
+              </a:tabLst>
+              <a:defRPr>
+                <a:solidFill>
+                  <a:srgbClr val="000000"/>
+                </a:solidFill>
+                <a:latin typeface="Arial" panose="020B0604020202020204" pitchFamily="34" charset="0"/>
+                <a:ea typeface="Microsoft YaHei" panose="020B0503020204020204" pitchFamily="34" charset="-122"/>
+              </a:defRPr>
+            </a:lvl3pPr>
+            <a:lvl4pPr>
+              <a:tabLst>
+                <a:tab pos="723900" algn="l"/>
+                <a:tab pos="1447800" algn="l"/>
+                <a:tab pos="2170113" algn="l"/>
+                <a:tab pos="2894013" algn="l"/>
+                <a:tab pos="2895600" algn="l"/>
+              </a:tabLst>
+              <a:defRPr>
+                <a:solidFill>
+                  <a:srgbClr val="000000"/>
+                </a:solidFill>
+                <a:latin typeface="Arial" panose="020B0604020202020204" pitchFamily="34" charset="0"/>
+                <a:ea typeface="Microsoft YaHei" panose="020B0503020204020204" pitchFamily="34" charset="-122"/>
+              </a:defRPr>
+            </a:lvl4pPr>
+            <a:lvl5pPr>
+              <a:tabLst>
+                <a:tab pos="723900" algn="l"/>
+                <a:tab pos="1447800" algn="l"/>
+                <a:tab pos="2170113" algn="l"/>
+                <a:tab pos="2894013" algn="l"/>
+                <a:tab pos="2895600" algn="l"/>
+              </a:tabLst>
+              <a:defRPr>
+                <a:solidFill>
+                  <a:srgbClr val="000000"/>
+                </a:solidFill>
+                <a:latin typeface="Arial" panose="020B0604020202020204" pitchFamily="34" charset="0"/>
+                <a:ea typeface="Microsoft YaHei" panose="020B0503020204020204" pitchFamily="34" charset="-122"/>
+              </a:defRPr>
+            </a:lvl5pPr>
+            <a:lvl6pPr marL="2514600" indent="-228600" defTabSz="449263" fontAlgn="base" hangingPunct="0">
+              <a:lnSpc>
+                <a:spcPct val="93000"/>
+              </a:lnSpc>
+              <a:spcBef>
+                <a:spcPct val="0"/>
+              </a:spcBef>
+              <a:spcAft>
+                <a:spcPct val="0"/>
+              </a:spcAft>
+              <a:buClr>
+                <a:srgbClr val="000000"/>
+              </a:buClr>
+              <a:buSzPct val="100000"/>
+              <a:buFont typeface="Times New Roman" panose="02020603050405020304" pitchFamily="18" charset="0"/>
+              <a:tabLst>
+                <a:tab pos="723900" algn="l"/>
+                <a:tab pos="1447800" algn="l"/>
+                <a:tab pos="2170113" algn="l"/>
+                <a:tab pos="2894013" algn="l"/>
+                <a:tab pos="2895600" algn="l"/>
+              </a:tabLst>
+              <a:defRPr>
+                <a:solidFill>
+                  <a:srgbClr val="000000"/>
+                </a:solidFill>
+                <a:latin typeface="Arial" panose="020B0604020202020204" pitchFamily="34" charset="0"/>
+                <a:ea typeface="Microsoft YaHei" panose="020B0503020204020204" pitchFamily="34" charset="-122"/>
+              </a:defRPr>
+            </a:lvl6pPr>
+            <a:lvl7pPr marL="2971800" indent="-228600" defTabSz="449263" fontAlgn="base" hangingPunct="0">
+              <a:lnSpc>
+                <a:spcPct val="93000"/>
+              </a:lnSpc>
+              <a:spcBef>
+                <a:spcPct val="0"/>
+              </a:spcBef>
+              <a:spcAft>
+                <a:spcPct val="0"/>
+              </a:spcAft>
+              <a:buClr>
+                <a:srgbClr val="000000"/>
+              </a:buClr>
+              <a:buSzPct val="100000"/>
+              <a:buFont typeface="Times New Roman" panose="02020603050405020304" pitchFamily="18" charset="0"/>
+              <a:tabLst>
+                <a:tab pos="723900" algn="l"/>
+                <a:tab pos="1447800" algn="l"/>
+                <a:tab pos="2170113" algn="l"/>
+                <a:tab pos="2894013" algn="l"/>
+                <a:tab pos="2895600" algn="l"/>
+              </a:tabLst>
+              <a:defRPr>
+                <a:solidFill>
+                  <a:srgbClr val="000000"/>
+                </a:solidFill>
+                <a:latin typeface="Arial" panose="020B0604020202020204" pitchFamily="34" charset="0"/>
+                <a:ea typeface="Microsoft YaHei" panose="020B0503020204020204" pitchFamily="34" charset="-122"/>
+              </a:defRPr>
+            </a:lvl7pPr>
+            <a:lvl8pPr marL="3429000" indent="-228600" defTabSz="449263" fontAlgn="base" hangingPunct="0">
+              <a:lnSpc>
+                <a:spcPct val="93000"/>
+              </a:lnSpc>
+              <a:spcBef>
+                <a:spcPct val="0"/>
+              </a:spcBef>
+              <a:spcAft>
+                <a:spcPct val="0"/>
+              </a:spcAft>
+              <a:buClr>
+                <a:srgbClr val="000000"/>
+              </a:buClr>
+              <a:buSzPct val="100000"/>
+              <a:buFont typeface="Times New Roman" panose="02020603050405020304" pitchFamily="18" charset="0"/>
+              <a:tabLst>
+                <a:tab pos="723900" algn="l"/>
+                <a:tab pos="1447800" algn="l"/>
+                <a:tab pos="2170113" algn="l"/>
+                <a:tab pos="2894013" algn="l"/>
+                <a:tab pos="2895600" algn="l"/>
+              </a:tabLst>
+              <a:defRPr>
+                <a:solidFill>
+                  <a:srgbClr val="000000"/>
+                </a:solidFill>
+                <a:latin typeface="Arial" panose="020B0604020202020204" pitchFamily="34" charset="0"/>
+                <a:ea typeface="Microsoft YaHei" panose="020B0503020204020204" pitchFamily="34" charset="-122"/>
+              </a:defRPr>
+            </a:lvl8pPr>
+            <a:lvl9pPr marL="3886200" indent="-228600" defTabSz="449263" fontAlgn="base" hangingPunct="0">
+              <a:lnSpc>
+                <a:spcPct val="93000"/>
+              </a:lnSpc>
+              <a:spcBef>
+                <a:spcPct val="0"/>
+              </a:spcBef>
+              <a:spcAft>
+                <a:spcPct val="0"/>
+              </a:spcAft>
+              <a:buClr>
+                <a:srgbClr val="000000"/>
+              </a:buClr>
+              <a:buSzPct val="100000"/>
+              <a:buFont typeface="Times New Roman" panose="02020603050405020304" pitchFamily="18" charset="0"/>
+              <a:tabLst>
+                <a:tab pos="723900" algn="l"/>
+                <a:tab pos="1447800" algn="l"/>
+                <a:tab pos="2170113" algn="l"/>
+                <a:tab pos="2894013" algn="l"/>
+                <a:tab pos="2895600" algn="l"/>
+              </a:tabLst>
+              <a:defRPr>
+                <a:solidFill>
+                  <a:srgbClr val="000000"/>
+                </a:solidFill>
+                <a:latin typeface="Arial" panose="020B0604020202020204" pitchFamily="34" charset="0"/>
+                <a:ea typeface="Microsoft YaHei" panose="020B0503020204020204" pitchFamily="34" charset="-122"/>
+              </a:defRPr>
+            </a:lvl9pPr>
+          </a:lstStyle>
+          <a:p>
+            <a:pPr algn="r">
               <a:lnSpc>
                 <a:spcPct val="95000"/>
               </a:lnSpc>
-              <a:spcBef>
-                <a:spcPts val="0"/>
-              </a:spcBef>
-              <a:spcAft>
-                <a:spcPts val="0"/>
-              </a:spcAft>
-              <a:buNone/>
-              <a:tabLst>
-                <a:tab pos="723959" algn="l"/>
-                <a:tab pos="1447919" algn="l"/>
-                <a:tab pos="2171520" algn="l"/>
-                <a:tab pos="2895479" algn="l"/>
-              </a:tabLst>
             </a:pPr>
-            <a:fld id="{4058D169-B84B-47DA-BEC7-ED4EAE281E87}" type="slidenum">
-              <a:t>9</a:t>
+            <a:fld id="{A1F0E694-43BC-4997-8B97-927685DD5FAC}" type="slidenum">
+              <a:rPr lang="en-US" altLang="en-US" sz="1400">
+                <a:latin typeface="Times New Roman" panose="02020603050405020304" pitchFamily="18" charset="0"/>
+              </a:rPr>
+              <a:pPr algn="r">
+                <a:lnSpc>
+                  <a:spcPct val="95000"/>
+                </a:lnSpc>
+              </a:pPr>
+              <a:t>8</a:t>
             </a:fld>
-            <a:endParaRPr lang="en-US" sz="1400" b="0" i="0" u="none" strike="noStrike" kern="1200" spc="0" baseline="0" dirty="0">
-              <a:ln>
-                <a:noFill/>
-              </a:ln>
-              <a:solidFill>
-                <a:srgbClr val="000000"/>
-              </a:solidFill>
-              <a:latin typeface="Times New Roman" pitchFamily="18"/>
-              <a:ea typeface="Microsoft YaHei" pitchFamily="2"/>
-              <a:cs typeface="Arial Unicode MS" pitchFamily="34"/>
+            <a:endParaRPr lang="en-US" altLang="en-US" sz="1400" dirty="0">
+              <a:latin typeface="Times New Roman" panose="02020603050405020304" pitchFamily="18" charset="0"/>
             </a:endParaRPr>
           </a:p>
         </p:txBody>
       </p:sp>
       <p:sp>
         <p:nvSpPr>
-          <p:cNvPr id="3" name="Rectangle 1"/>
-          <p:cNvSpPr>
-            <a:spLocks noGrp="1" noRot="1" noChangeAspect="1" noResize="1"/>
+          <p:cNvPr id="235522" name="Rectangle 2"/>
+          <p:cNvSpPr txBox="1">
+            <a:spLocks noGrp="1" noRot="1" noChangeAspect="1" noChangeArrowheads="1"/>
           </p:cNvSpPr>
           <p:nvPr>
             <p:ph type="sldImg"/>
           </p:nvPr>
         </p:nvSpPr>
-        <p:spPr>
+        <p:spPr bwMode="auto">
           <a:xfrm>
             <a:off x="1106488" y="812800"/>
-            <a:ext cx="5345112" cy="4008438"/>
+            <a:ext cx="5343525" cy="4006850"/>
           </a:xfrm>
+          <a:prstGeom prst="rect">
+            <a:avLst/>
+          </a:prstGeom>
           <a:solidFill>
-            <a:srgbClr val="00CC99"/>
+            <a:srgbClr val="FFFFFF"/>
           </a:solidFill>
-          <a:ln w="12600" cap="flat">
+          <a:ln>
             <a:solidFill>
-              <a:srgbClr val="00956F"/>
+              <a:srgbClr val="000000"/>
             </a:solidFill>
-            <a:prstDash val="solid"/>
-            <a:miter/>
+            <a:miter lim="800000"/>
+            <a:headEnd/>
+            <a:tailEnd/>
           </a:ln>
+          <a:extLst>
+            <a:ext uri="{AF507438-7753-43E0-B8FC-AC1667EBCBE1}">
+              <a14:hiddenEffects xmlns:a14="http://schemas.microsoft.com/office/drawing/2010/main">
+                <a:effectLst>
+                  <a:outerShdw dist="35921" dir="2700000" algn="ctr" rotWithShape="0">
+                    <a:srgbClr val="808080"/>
+                  </a:outerShdw>
+                </a:effectLst>
+              </a14:hiddenEffects>
+            </a:ext>
+          </a:extLst>
         </p:spPr>
       </p:sp>
       <p:sp>
         <p:nvSpPr>
-          <p:cNvPr id="4" name="Rectangle 2"/>
+          <p:cNvPr id="235523" name="Rectangle 3"/>
           <p:cNvSpPr txBox="1">
-            <a:spLocks noGrp="1"/>
+            <a:spLocks noGrp="1" noChangeArrowheads="1"/>
           </p:cNvSpPr>
           <p:nvPr>
-            <p:ph type="body" sz="quarter" idx="1"/>
+            <p:ph type="body" idx="1"/>
           </p:nvPr>
         </p:nvSpPr>
-        <p:spPr>
+        <p:spPr bwMode="auto">
           <a:xfrm>
-            <a:off x="755639" y="5078520"/>
-            <a:ext cx="6048360" cy="4811760"/>
+            <a:off x="755650" y="5078413"/>
+            <a:ext cx="6046788" cy="4810125"/>
           </a:xfrm>
+          <a:prstGeom prst="rect">
+            <a:avLst/>
+          </a:prstGeom>
+          <a:noFill/>
+          <a:ln/>
+          <a:extLst>
+            <a:ext uri="{909E8E84-426E-40DD-AFC4-6F175D3DCCD1}">
+              <a14:hiddenFill xmlns:a14="http://schemas.microsoft.com/office/drawing/2010/main">
+                <a:solidFill>
+                  <a:srgbClr val="FFFFFF"/>
+                </a:solidFill>
+              </a14:hiddenFill>
+            </a:ext>
+            <a:ext uri="{91240B29-F687-4F45-9708-019B960494DF}">
+              <a14:hiddenLine xmlns:a14="http://schemas.microsoft.com/office/drawing/2010/main" w="12600" cap="flat">
+                <a:solidFill>
+                  <a:srgbClr val="00956F"/>
+                </a:solidFill>
+                <a:miter lim="800000"/>
+                <a:headEnd/>
+                <a:tailEnd/>
+              </a14:hiddenLine>
+            </a:ext>
+            <a:ext uri="{AF507438-7753-43E0-B8FC-AC1667EBCBE1}">
+              <a14:hiddenEffects xmlns:a14="http://schemas.microsoft.com/office/drawing/2010/main">
+                <a:effectLst>
+                  <a:outerShdw dist="35921" dir="2700000" algn="ctr" rotWithShape="0">
+                    <a:srgbClr val="808080"/>
+                  </a:outerShdw>
+                </a:effectLst>
+              </a14:hiddenEffects>
+            </a:ext>
+          </a:extLst>
         </p:spPr>
         <p:txBody>
           <a:bodyPr wrap="none" anchor="ctr"/>
           <a:lstStyle/>
           <a:p>
-            <a:endParaRPr lang="en-AU" dirty="0"/>
+            <a:endParaRPr lang="en-US" altLang="en-US" dirty="0"/>
           </a:p>
         </p:txBody>
       </p:sp>
     </p:spTree>
     <p:extLst>
       <p:ext uri="{BB962C8B-B14F-4D97-AF65-F5344CB8AC3E}">
-        <p14:creationId xmlns:p14="http://schemas.microsoft.com/office/powerpoint/2010/main" val="1988988743"/>
+        <p14:creationId xmlns:p14="http://schemas.microsoft.com/office/powerpoint/2010/main" val="2076045668"/>
       </p:ext>
     </p:extLst>
   </p:cSld>
@@ -4585,6 +5246,14 @@
 <file path=ppt/notesSlides/notesSlide9.xml><?xml version="1.0" encoding="utf-8"?>
 <p:notes xmlns:a="http://schemas.openxmlformats.org/drawingml/2006/main" xmlns:r="http://schemas.openxmlformats.org/officeDocument/2006/relationships" xmlns:p="http://schemas.openxmlformats.org/presentationml/2006/main">
   <p:cSld>
+    <p:bg>
+      <p:bgPr>
+        <a:solidFill>
+          <a:srgbClr val="FFFFFF"/>
+        </a:solidFill>
+        <a:effectLst/>
+      </p:bgPr>
+    </p:bg>
     <p:spTree>
       <p:nvGrpSpPr>
         <p:cNvPr id="1" name=""/>
@@ -4601,143 +5270,412 @@
       </p:grpSpPr>
       <p:sp>
         <p:nvSpPr>
-          <p:cNvPr id="8" name="Rectangle 6"/>
-          <p:cNvSpPr txBox="1">
-            <a:spLocks noGrp="1"/>
+          <p:cNvPr id="5" name="Rectangle 6"/>
+          <p:cNvSpPr>
+            <a:spLocks noGrp="1" noChangeArrowheads="1"/>
           </p:cNvSpPr>
           <p:nvPr>
-            <p:ph type="sldNum" sz="quarter" idx="5"/>
+            <p:ph type="sldNum"/>
           </p:nvPr>
         </p:nvSpPr>
         <p:spPr>
           <a:ln/>
         </p:spPr>
         <p:txBody>
-          <a:bodyPr wrap="square" lIns="0" tIns="0" rIns="0" bIns="0" anchor="b" anchorCtr="0">
-            <a:noAutofit/>
-          </a:bodyPr>
+          <a:bodyPr/>
           <a:lstStyle/>
           <a:p>
-            <a:pPr lvl="0"/>
-            <a:fld id="{382404CC-1BB2-49C8-8DF5-858FBB1C0C3F}" type="slidenum">
-              <a:t>10</a:t>
+            <a:fld id="{4FED7E9E-91F3-4541-BE13-AEB1F7C7F271}" type="slidenum">
+              <a:rPr lang="en-US" altLang="en-US"/>
+              <a:pPr/>
+              <a:t>9</a:t>
             </a:fld>
-            <a:endParaRPr lang="en-US" dirty="0"/>
+            <a:endParaRPr lang="en-US" altLang="en-US" dirty="0"/>
           </a:p>
         </p:txBody>
       </p:sp>
       <p:sp>
         <p:nvSpPr>
-          <p:cNvPr id="2" name="Rectangle 6"/>
-          <p:cNvSpPr txBox="1"/>
+          <p:cNvPr id="235521" name="Text Box 1"/>
+          <p:cNvSpPr txBox="1">
+            <a:spLocks noChangeArrowheads="1"/>
+          </p:cNvSpPr>
           <p:nvPr/>
         </p:nvSpPr>
-        <p:spPr>
+        <p:spPr bwMode="auto">
           <a:xfrm>
-            <a:off x="4278240" y="10156680"/>
-            <a:ext cx="3279600" cy="533520"/>
+            <a:off x="4278313" y="10156825"/>
+            <a:ext cx="3279775" cy="533400"/>
           </a:xfrm>
           <a:prstGeom prst="rect">
             <a:avLst/>
           </a:prstGeom>
           <a:noFill/>
-          <a:ln cap="flat">
+          <a:ln>
             <a:noFill/>
           </a:ln>
+          <a:effectLst/>
+          <a:extLst>
+            <a:ext uri="{909E8E84-426E-40DD-AFC4-6F175D3DCCD1}">
+              <a14:hiddenFill xmlns:a14="http://schemas.microsoft.com/office/drawing/2010/main">
+                <a:solidFill>
+                  <a:srgbClr val="FFFFFF"/>
+                </a:solidFill>
+              </a14:hiddenFill>
+            </a:ext>
+            <a:ext uri="{91240B29-F687-4F45-9708-019B960494DF}">
+              <a14:hiddenLine xmlns:a14="http://schemas.microsoft.com/office/drawing/2010/main" w="9525" cap="flat">
+                <a:solidFill>
+                  <a:srgbClr val="808080"/>
+                </a:solidFill>
+                <a:miter lim="800000"/>
+                <a:headEnd/>
+                <a:tailEnd/>
+              </a14:hiddenLine>
+            </a:ext>
+            <a:ext uri="{AF507438-7753-43E0-B8FC-AC1667EBCBE1}">
+              <a14:hiddenEffects xmlns:a14="http://schemas.microsoft.com/office/drawing/2010/main">
+                <a:effectLst>
+                  <a:outerShdw dist="35921" dir="2700000" algn="ctr" rotWithShape="0">
+                    <a:srgbClr val="808080"/>
+                  </a:outerShdw>
+                </a:effectLst>
+              </a14:hiddenEffects>
+            </a:ext>
+          </a:extLst>
         </p:spPr>
         <p:txBody>
-          <a:bodyPr vert="horz" wrap="square" lIns="0" tIns="0" rIns="0" bIns="0" anchor="b" anchorCtr="0" compatLnSpc="0">
-            <a:noAutofit/>
-          </a:bodyPr>
-          <a:lstStyle/>
-          <a:p>
-            <a:pPr marL="0" marR="0" lvl="0" indent="0" algn="r" rtl="0" hangingPunct="0">
+          <a:bodyPr lIns="0" tIns="0" rIns="0" bIns="0" anchor="b"/>
+          <a:lstStyle>
+            <a:lvl1pPr>
+              <a:tabLst>
+                <a:tab pos="723900" algn="l"/>
+                <a:tab pos="1447800" algn="l"/>
+                <a:tab pos="2170113" algn="l"/>
+                <a:tab pos="2894013" algn="l"/>
+                <a:tab pos="2895600" algn="l"/>
+              </a:tabLst>
+              <a:defRPr>
+                <a:solidFill>
+                  <a:srgbClr val="000000"/>
+                </a:solidFill>
+                <a:latin typeface="Arial" panose="020B0604020202020204" pitchFamily="34" charset="0"/>
+                <a:ea typeface="Microsoft YaHei" panose="020B0503020204020204" pitchFamily="34" charset="-122"/>
+              </a:defRPr>
+            </a:lvl1pPr>
+            <a:lvl2pPr>
+              <a:tabLst>
+                <a:tab pos="723900" algn="l"/>
+                <a:tab pos="1447800" algn="l"/>
+                <a:tab pos="2170113" algn="l"/>
+                <a:tab pos="2894013" algn="l"/>
+                <a:tab pos="2895600" algn="l"/>
+              </a:tabLst>
+              <a:defRPr>
+                <a:solidFill>
+                  <a:srgbClr val="000000"/>
+                </a:solidFill>
+                <a:latin typeface="Arial" panose="020B0604020202020204" pitchFamily="34" charset="0"/>
+                <a:ea typeface="Microsoft YaHei" panose="020B0503020204020204" pitchFamily="34" charset="-122"/>
+              </a:defRPr>
+            </a:lvl2pPr>
+            <a:lvl3pPr>
+              <a:tabLst>
+                <a:tab pos="723900" algn="l"/>
+                <a:tab pos="1447800" algn="l"/>
+                <a:tab pos="2170113" algn="l"/>
+                <a:tab pos="2894013" algn="l"/>
+                <a:tab pos="2895600" algn="l"/>
+              </a:tabLst>
+              <a:defRPr>
+                <a:solidFill>
+                  <a:srgbClr val="000000"/>
+                </a:solidFill>
+                <a:latin typeface="Arial" panose="020B0604020202020204" pitchFamily="34" charset="0"/>
+                <a:ea typeface="Microsoft YaHei" panose="020B0503020204020204" pitchFamily="34" charset="-122"/>
+              </a:defRPr>
+            </a:lvl3pPr>
+            <a:lvl4pPr>
+              <a:tabLst>
+                <a:tab pos="723900" algn="l"/>
+                <a:tab pos="1447800" algn="l"/>
+                <a:tab pos="2170113" algn="l"/>
+                <a:tab pos="2894013" algn="l"/>
+                <a:tab pos="2895600" algn="l"/>
+              </a:tabLst>
+              <a:defRPr>
+                <a:solidFill>
+                  <a:srgbClr val="000000"/>
+                </a:solidFill>
+                <a:latin typeface="Arial" panose="020B0604020202020204" pitchFamily="34" charset="0"/>
+                <a:ea typeface="Microsoft YaHei" panose="020B0503020204020204" pitchFamily="34" charset="-122"/>
+              </a:defRPr>
+            </a:lvl4pPr>
+            <a:lvl5pPr>
+              <a:tabLst>
+                <a:tab pos="723900" algn="l"/>
+                <a:tab pos="1447800" algn="l"/>
+                <a:tab pos="2170113" algn="l"/>
+                <a:tab pos="2894013" algn="l"/>
+                <a:tab pos="2895600" algn="l"/>
+              </a:tabLst>
+              <a:defRPr>
+                <a:solidFill>
+                  <a:srgbClr val="000000"/>
+                </a:solidFill>
+                <a:latin typeface="Arial" panose="020B0604020202020204" pitchFamily="34" charset="0"/>
+                <a:ea typeface="Microsoft YaHei" panose="020B0503020204020204" pitchFamily="34" charset="-122"/>
+              </a:defRPr>
+            </a:lvl5pPr>
+            <a:lvl6pPr marL="2514600" indent="-228600" defTabSz="449263" fontAlgn="base" hangingPunct="0">
+              <a:lnSpc>
+                <a:spcPct val="93000"/>
+              </a:lnSpc>
+              <a:spcBef>
+                <a:spcPct val="0"/>
+              </a:spcBef>
+              <a:spcAft>
+                <a:spcPct val="0"/>
+              </a:spcAft>
+              <a:buClr>
+                <a:srgbClr val="000000"/>
+              </a:buClr>
+              <a:buSzPct val="100000"/>
+              <a:buFont typeface="Times New Roman" panose="02020603050405020304" pitchFamily="18" charset="0"/>
+              <a:tabLst>
+                <a:tab pos="723900" algn="l"/>
+                <a:tab pos="1447800" algn="l"/>
+                <a:tab pos="2170113" algn="l"/>
+                <a:tab pos="2894013" algn="l"/>
+                <a:tab pos="2895600" algn="l"/>
+              </a:tabLst>
+              <a:defRPr>
+                <a:solidFill>
+                  <a:srgbClr val="000000"/>
+                </a:solidFill>
+                <a:latin typeface="Arial" panose="020B0604020202020204" pitchFamily="34" charset="0"/>
+                <a:ea typeface="Microsoft YaHei" panose="020B0503020204020204" pitchFamily="34" charset="-122"/>
+              </a:defRPr>
+            </a:lvl6pPr>
+            <a:lvl7pPr marL="2971800" indent="-228600" defTabSz="449263" fontAlgn="base" hangingPunct="0">
+              <a:lnSpc>
+                <a:spcPct val="93000"/>
+              </a:lnSpc>
+              <a:spcBef>
+                <a:spcPct val="0"/>
+              </a:spcBef>
+              <a:spcAft>
+                <a:spcPct val="0"/>
+              </a:spcAft>
+              <a:buClr>
+                <a:srgbClr val="000000"/>
+              </a:buClr>
+              <a:buSzPct val="100000"/>
+              <a:buFont typeface="Times New Roman" panose="02020603050405020304" pitchFamily="18" charset="0"/>
+              <a:tabLst>
+                <a:tab pos="723900" algn="l"/>
+                <a:tab pos="1447800" algn="l"/>
+                <a:tab pos="2170113" algn="l"/>
+                <a:tab pos="2894013" algn="l"/>
+                <a:tab pos="2895600" algn="l"/>
+              </a:tabLst>
+              <a:defRPr>
+                <a:solidFill>
+                  <a:srgbClr val="000000"/>
+                </a:solidFill>
+                <a:latin typeface="Arial" panose="020B0604020202020204" pitchFamily="34" charset="0"/>
+                <a:ea typeface="Microsoft YaHei" panose="020B0503020204020204" pitchFamily="34" charset="-122"/>
+              </a:defRPr>
+            </a:lvl7pPr>
+            <a:lvl8pPr marL="3429000" indent="-228600" defTabSz="449263" fontAlgn="base" hangingPunct="0">
+              <a:lnSpc>
+                <a:spcPct val="93000"/>
+              </a:lnSpc>
+              <a:spcBef>
+                <a:spcPct val="0"/>
+              </a:spcBef>
+              <a:spcAft>
+                <a:spcPct val="0"/>
+              </a:spcAft>
+              <a:buClr>
+                <a:srgbClr val="000000"/>
+              </a:buClr>
+              <a:buSzPct val="100000"/>
+              <a:buFont typeface="Times New Roman" panose="02020603050405020304" pitchFamily="18" charset="0"/>
+              <a:tabLst>
+                <a:tab pos="723900" algn="l"/>
+                <a:tab pos="1447800" algn="l"/>
+                <a:tab pos="2170113" algn="l"/>
+                <a:tab pos="2894013" algn="l"/>
+                <a:tab pos="2895600" algn="l"/>
+              </a:tabLst>
+              <a:defRPr>
+                <a:solidFill>
+                  <a:srgbClr val="000000"/>
+                </a:solidFill>
+                <a:latin typeface="Arial" panose="020B0604020202020204" pitchFamily="34" charset="0"/>
+                <a:ea typeface="Microsoft YaHei" panose="020B0503020204020204" pitchFamily="34" charset="-122"/>
+              </a:defRPr>
+            </a:lvl8pPr>
+            <a:lvl9pPr marL="3886200" indent="-228600" defTabSz="449263" fontAlgn="base" hangingPunct="0">
+              <a:lnSpc>
+                <a:spcPct val="93000"/>
+              </a:lnSpc>
+              <a:spcBef>
+                <a:spcPct val="0"/>
+              </a:spcBef>
+              <a:spcAft>
+                <a:spcPct val="0"/>
+              </a:spcAft>
+              <a:buClr>
+                <a:srgbClr val="000000"/>
+              </a:buClr>
+              <a:buSzPct val="100000"/>
+              <a:buFont typeface="Times New Roman" panose="02020603050405020304" pitchFamily="18" charset="0"/>
+              <a:tabLst>
+                <a:tab pos="723900" algn="l"/>
+                <a:tab pos="1447800" algn="l"/>
+                <a:tab pos="2170113" algn="l"/>
+                <a:tab pos="2894013" algn="l"/>
+                <a:tab pos="2895600" algn="l"/>
+              </a:tabLst>
+              <a:defRPr>
+                <a:solidFill>
+                  <a:srgbClr val="000000"/>
+                </a:solidFill>
+                <a:latin typeface="Arial" panose="020B0604020202020204" pitchFamily="34" charset="0"/>
+                <a:ea typeface="Microsoft YaHei" panose="020B0503020204020204" pitchFamily="34" charset="-122"/>
+              </a:defRPr>
+            </a:lvl9pPr>
+          </a:lstStyle>
+          <a:p>
+            <a:pPr algn="r">
               <a:lnSpc>
                 <a:spcPct val="95000"/>
               </a:lnSpc>
-              <a:spcBef>
-                <a:spcPts val="0"/>
-              </a:spcBef>
-              <a:spcAft>
-                <a:spcPts val="0"/>
-              </a:spcAft>
-              <a:buNone/>
-              <a:tabLst>
-                <a:tab pos="723959" algn="l"/>
-                <a:tab pos="1447919" algn="l"/>
-                <a:tab pos="2171520" algn="l"/>
-                <a:tab pos="2895479" algn="l"/>
-              </a:tabLst>
             </a:pPr>
-            <a:fld id="{C109EC5A-B015-4140-B0D8-5D4B0D5B28DD}" type="slidenum">
-              <a:t>10</a:t>
+            <a:fld id="{A1F0E694-43BC-4997-8B97-927685DD5FAC}" type="slidenum">
+              <a:rPr lang="en-US" altLang="en-US" sz="1400">
+                <a:latin typeface="Times New Roman" panose="02020603050405020304" pitchFamily="18" charset="0"/>
+              </a:rPr>
+              <a:pPr algn="r">
+                <a:lnSpc>
+                  <a:spcPct val="95000"/>
+                </a:lnSpc>
+              </a:pPr>
+              <a:t>9</a:t>
             </a:fld>
-            <a:endParaRPr lang="en-US" sz="1400" b="0" i="0" u="none" strike="noStrike" kern="1200" spc="0" baseline="0" dirty="0">
-              <a:ln>
-                <a:noFill/>
-              </a:ln>
-              <a:solidFill>
-                <a:srgbClr val="000000"/>
-              </a:solidFill>
-              <a:latin typeface="Times New Roman" pitchFamily="18"/>
-              <a:ea typeface="Microsoft YaHei" pitchFamily="2"/>
-              <a:cs typeface="Arial Unicode MS" pitchFamily="34"/>
+            <a:endParaRPr lang="en-US" altLang="en-US" sz="1400" dirty="0">
+              <a:latin typeface="Times New Roman" panose="02020603050405020304" pitchFamily="18" charset="0"/>
             </a:endParaRPr>
           </a:p>
         </p:txBody>
       </p:sp>
       <p:sp>
         <p:nvSpPr>
-          <p:cNvPr id="3" name="Rectangle 1"/>
-          <p:cNvSpPr>
-            <a:spLocks noGrp="1" noRot="1" noChangeAspect="1" noResize="1"/>
+          <p:cNvPr id="235522" name="Rectangle 2"/>
+          <p:cNvSpPr txBox="1">
+            <a:spLocks noGrp="1" noRot="1" noChangeAspect="1" noChangeArrowheads="1"/>
           </p:cNvSpPr>
           <p:nvPr>
             <p:ph type="sldImg"/>
           </p:nvPr>
         </p:nvSpPr>
-        <p:spPr>
+        <p:spPr bwMode="auto">
           <a:xfrm>
             <a:off x="1106488" y="812800"/>
-            <a:ext cx="5345112" cy="4008438"/>
+            <a:ext cx="5343525" cy="4006850"/>
           </a:xfrm>
+          <a:prstGeom prst="rect">
+            <a:avLst/>
+          </a:prstGeom>
           <a:solidFill>
-            <a:srgbClr val="00CC99"/>
+            <a:srgbClr val="FFFFFF"/>
           </a:solidFill>
-          <a:ln w="12600" cap="flat">
+          <a:ln>
             <a:solidFill>
-              <a:srgbClr val="00956F"/>
+              <a:srgbClr val="000000"/>
             </a:solidFill>
-            <a:prstDash val="solid"/>
-            <a:miter/>
+            <a:miter lim="800000"/>
+            <a:headEnd/>
+            <a:tailEnd/>
           </a:ln>
+          <a:extLst>
+            <a:ext uri="{AF507438-7753-43E0-B8FC-AC1667EBCBE1}">
+              <a14:hiddenEffects xmlns:a14="http://schemas.microsoft.com/office/drawing/2010/main">
+                <a:effectLst>
+                  <a:outerShdw dist="35921" dir="2700000" algn="ctr" rotWithShape="0">
+                    <a:srgbClr val="808080"/>
+                  </a:outerShdw>
+                </a:effectLst>
+              </a14:hiddenEffects>
+            </a:ext>
+          </a:extLst>
         </p:spPr>
       </p:sp>
       <p:sp>
         <p:nvSpPr>
-          <p:cNvPr id="4" name="Rectangle 2"/>
+          <p:cNvPr id="235523" name="Rectangle 3"/>
           <p:cNvSpPr txBox="1">
-            <a:spLocks noGrp="1"/>
+            <a:spLocks noGrp="1" noChangeArrowheads="1"/>
           </p:cNvSpPr>
           <p:nvPr>
-            <p:ph type="body" sz="quarter" idx="1"/>
+            <p:ph type="body" idx="1"/>
           </p:nvPr>
         </p:nvSpPr>
-        <p:spPr>
+        <p:spPr bwMode="auto">
           <a:xfrm>
-            <a:off x="755639" y="5078520"/>
-            <a:ext cx="6048360" cy="4811760"/>
+            <a:off x="755650" y="5078413"/>
+            <a:ext cx="6046788" cy="4810125"/>
           </a:xfrm>
+          <a:prstGeom prst="rect">
+            <a:avLst/>
+          </a:prstGeom>
+          <a:noFill/>
+          <a:ln/>
+          <a:extLst>
+            <a:ext uri="{909E8E84-426E-40DD-AFC4-6F175D3DCCD1}">
+              <a14:hiddenFill xmlns:a14="http://schemas.microsoft.com/office/drawing/2010/main">
+                <a:solidFill>
+                  <a:srgbClr val="FFFFFF"/>
+                </a:solidFill>
+              </a14:hiddenFill>
+            </a:ext>
+            <a:ext uri="{91240B29-F687-4F45-9708-019B960494DF}">
+              <a14:hiddenLine xmlns:a14="http://schemas.microsoft.com/office/drawing/2010/main" w="12600" cap="flat">
+                <a:solidFill>
+                  <a:srgbClr val="00956F"/>
+                </a:solidFill>
+                <a:miter lim="800000"/>
+                <a:headEnd/>
+                <a:tailEnd/>
+              </a14:hiddenLine>
+            </a:ext>
+            <a:ext uri="{AF507438-7753-43E0-B8FC-AC1667EBCBE1}">
+              <a14:hiddenEffects xmlns:a14="http://schemas.microsoft.com/office/drawing/2010/main">
+                <a:effectLst>
+                  <a:outerShdw dist="35921" dir="2700000" algn="ctr" rotWithShape="0">
+                    <a:srgbClr val="808080"/>
+                  </a:outerShdw>
+                </a:effectLst>
+              </a14:hiddenEffects>
+            </a:ext>
+          </a:extLst>
         </p:spPr>
         <p:txBody>
           <a:bodyPr wrap="none" anchor="ctr"/>
           <a:lstStyle/>
           <a:p>
-            <a:endParaRPr lang="en-AU" dirty="0"/>
+            <a:endParaRPr lang="en-US" altLang="en-US" dirty="0"/>
           </a:p>
         </p:txBody>
       </p:sp>
     </p:spTree>
+    <p:extLst>
+      <p:ext uri="{BB962C8B-B14F-4D97-AF65-F5344CB8AC3E}">
+        <p14:creationId xmlns:p14="http://schemas.microsoft.com/office/powerpoint/2010/main" val="501627218"/>
+      </p:ext>
+    </p:extLst>
   </p:cSld>
   <p:clrMapOvr>
     <a:masterClrMapping/>
@@ -9699,6 +10637,388 @@
 </file>
 
 <file path=ppt/slides/slide10.xml><?xml version="1.0" encoding="utf-8"?>
+<p:sld xmlns:a="http://schemas.openxmlformats.org/drawingml/2006/main" xmlns:r="http://schemas.openxmlformats.org/officeDocument/2006/relationships" xmlns:p="http://schemas.openxmlformats.org/presentationml/2006/main">
+  <p:cSld>
+    <p:spTree>
+      <p:nvGrpSpPr>
+        <p:cNvPr id="1" name=""/>
+        <p:cNvGrpSpPr/>
+        <p:nvPr/>
+      </p:nvGrpSpPr>
+      <p:grpSpPr>
+        <a:xfrm>
+          <a:off x="0" y="0"/>
+          <a:ext cx="0" cy="0"/>
+          <a:chOff x="0" y="0"/>
+          <a:chExt cx="0" cy="0"/>
+        </a:xfrm>
+      </p:grpSpPr>
+      <p:sp>
+        <p:nvSpPr>
+          <p:cNvPr id="2" name="Title 1">
+            <a:extLst>
+              <a:ext uri="{FF2B5EF4-FFF2-40B4-BE49-F238E27FC236}">
+                <a16:creationId xmlns:a16="http://schemas.microsoft.com/office/drawing/2014/main" id="{710F0918-C576-40B8-98BB-3E7455C234B5}"/>
+              </a:ext>
+            </a:extLst>
+          </p:cNvPr>
+          <p:cNvSpPr>
+            <a:spLocks noGrp="1"/>
+          </p:cNvSpPr>
+          <p:nvPr>
+            <p:ph type="title" idx="4294967295"/>
+          </p:nvPr>
+        </p:nvSpPr>
+        <p:spPr>
+          <a:xfrm>
+            <a:off x="503999" y="301320"/>
+            <a:ext cx="7671172" cy="1261800"/>
+          </a:xfrm>
+        </p:spPr>
+        <p:txBody>
+          <a:bodyPr/>
+          <a:lstStyle/>
+          <a:p>
+            <a:r>
+              <a:rPr lang="en-AU" sz="3600" b="1" dirty="0"/>
+              <a:t>Questions</a:t>
+            </a:r>
+          </a:p>
+        </p:txBody>
+      </p:sp>
+      <p:sp>
+        <p:nvSpPr>
+          <p:cNvPr id="3" name="Text Placeholder 2">
+            <a:extLst>
+              <a:ext uri="{FF2B5EF4-FFF2-40B4-BE49-F238E27FC236}">
+                <a16:creationId xmlns:a16="http://schemas.microsoft.com/office/drawing/2014/main" id="{0C72DAA1-3DC4-448D-822D-16A871E03167}"/>
+              </a:ext>
+            </a:extLst>
+          </p:cNvPr>
+          <p:cNvSpPr>
+            <a:spLocks noGrp="1"/>
+          </p:cNvSpPr>
+          <p:nvPr>
+            <p:ph type="body" idx="4294967295"/>
+          </p:nvPr>
+        </p:nvSpPr>
+        <p:spPr>
+          <a:xfrm>
+            <a:off x="503280" y="1768320"/>
+            <a:ext cx="7595691" cy="4987800"/>
+          </a:xfrm>
+        </p:spPr>
+        <p:txBody>
+          <a:bodyPr/>
+          <a:lstStyle/>
+          <a:p>
+            <a:pPr marL="0" indent="0" algn="ctr"/>
+            <a:endParaRPr lang="en-AU" sz="2800" dirty="0"/>
+          </a:p>
+          <a:p>
+            <a:pPr marL="0" indent="0" algn="ctr"/>
+            <a:r>
+              <a:rPr lang="en-AU" sz="2800" dirty="0"/>
+              <a:t>Send questions to:</a:t>
+            </a:r>
+          </a:p>
+          <a:p>
+            <a:pPr marL="0" indent="0" algn="ctr"/>
+            <a:r>
+              <a:rPr lang="en-AU" sz="2800" dirty="0"/>
+              <a:t>3d@kbvis.com</a:t>
+            </a:r>
+          </a:p>
+        </p:txBody>
+      </p:sp>
+    </p:spTree>
+    <p:extLst>
+      <p:ext uri="{BB962C8B-B14F-4D97-AF65-F5344CB8AC3E}">
+        <p14:creationId xmlns:p14="http://schemas.microsoft.com/office/powerpoint/2010/main" val="204021899"/>
+      </p:ext>
+    </p:extLst>
+  </p:cSld>
+  <p:clrMapOvr>
+    <a:masterClrMapping/>
+  </p:clrMapOvr>
+</p:sld>
+</file>
+
+<file path=ppt/slides/slide11.xml><?xml version="1.0" encoding="utf-8"?>
+<p:sld xmlns:a="http://schemas.openxmlformats.org/drawingml/2006/main" xmlns:r="http://schemas.openxmlformats.org/officeDocument/2006/relationships" xmlns:p="http://schemas.openxmlformats.org/presentationml/2006/main" showMasterSp="0">
+  <p:cSld>
+    <p:spTree>
+      <p:nvGrpSpPr>
+        <p:cNvPr id="1" name=""/>
+        <p:cNvGrpSpPr/>
+        <p:nvPr/>
+      </p:nvGrpSpPr>
+      <p:grpSpPr>
+        <a:xfrm>
+          <a:off x="0" y="0"/>
+          <a:ext cx="0" cy="0"/>
+          <a:chOff x="0" y="0"/>
+          <a:chExt cx="0" cy="0"/>
+        </a:xfrm>
+      </p:grpSpPr>
+      <p:sp>
+        <p:nvSpPr>
+          <p:cNvPr id="2" name="Rectangle 1"/>
+          <p:cNvSpPr txBox="1">
+            <a:spLocks noGrp="1"/>
+          </p:cNvSpPr>
+          <p:nvPr>
+            <p:ph type="title"/>
+          </p:nvPr>
+        </p:nvSpPr>
+        <p:spPr>
+          <a:xfrm>
+            <a:off x="503280" y="301680"/>
+            <a:ext cx="6901130" cy="1159130"/>
+          </a:xfrm>
+        </p:spPr>
+        <p:txBody>
+          <a:bodyPr tIns="31680"/>
+          <a:lstStyle/>
+          <a:p>
+            <a:pPr lvl="0">
+              <a:tabLst>
+                <a:tab pos="723959" algn="l"/>
+                <a:tab pos="1447919" algn="l"/>
+                <a:tab pos="2171520" algn="l"/>
+                <a:tab pos="2895479" algn="l"/>
+                <a:tab pos="3619440" algn="l"/>
+                <a:tab pos="4343400" algn="l"/>
+                <a:tab pos="5067360" algn="l"/>
+                <a:tab pos="5791320" algn="l"/>
+                <a:tab pos="6514920" algn="l"/>
+                <a:tab pos="7238880" algn="l"/>
+                <a:tab pos="7962840" algn="l"/>
+                <a:tab pos="8686800" algn="l"/>
+              </a:tabLst>
+            </a:pPr>
+            <a:r>
+              <a:rPr lang="en-US" sz="3600" b="1" dirty="0"/>
+              <a:t>Resources</a:t>
+            </a:r>
+          </a:p>
+        </p:txBody>
+      </p:sp>
+      <p:sp>
+        <p:nvSpPr>
+          <p:cNvPr id="3" name="Rectangle 2"/>
+          <p:cNvSpPr txBox="1">
+            <a:spLocks noGrp="1"/>
+          </p:cNvSpPr>
+          <p:nvPr>
+            <p:ph idx="1"/>
+          </p:nvPr>
+        </p:nvSpPr>
+        <p:spPr>
+          <a:xfrm>
+            <a:off x="503280" y="2096428"/>
+            <a:ext cx="9453520" cy="5118411"/>
+          </a:xfrm>
+        </p:spPr>
+        <p:txBody>
+          <a:bodyPr tIns="19440"/>
+          <a:lstStyle/>
+          <a:p>
+            <a:pPr marL="431640" lvl="0" indent="-324000">
+              <a:spcAft>
+                <a:spcPts val="1426"/>
+              </a:spcAft>
+              <a:buClr>
+                <a:srgbClr val="000000"/>
+              </a:buClr>
+              <a:buSzPct val="45000"/>
+              <a:buFont typeface="Wingdings" pitchFamily="2"/>
+              <a:buChar char=""/>
+              <a:tabLst>
+                <a:tab pos="723600" algn="l"/>
+                <a:tab pos="1447559" algn="l"/>
+                <a:tab pos="2171520" algn="l"/>
+                <a:tab pos="2895480" algn="l"/>
+                <a:tab pos="3619440" algn="l"/>
+                <a:tab pos="4343400" algn="l"/>
+                <a:tab pos="5067000" algn="l"/>
+                <a:tab pos="5790960" algn="l"/>
+                <a:tab pos="6514920" algn="l"/>
+                <a:tab pos="7238880" algn="l"/>
+                <a:tab pos="7962839" algn="l"/>
+                <a:tab pos="8686800" algn="l"/>
+              </a:tabLst>
+            </a:pPr>
+            <a:r>
+              <a:rPr lang="en-US" sz="1800" dirty="0">
+                <a:hlinkClick r:id="rId3"/>
+              </a:rPr>
+              <a:t>Computer Graphics: Principles and Practice</a:t>
+            </a:r>
+            <a:r>
+              <a:rPr lang="en-US" sz="1800" dirty="0"/>
+              <a:t>, Foley, van Dam, Hughes</a:t>
+            </a:r>
+          </a:p>
+          <a:p>
+            <a:pPr marL="431640" lvl="0" indent="-324000">
+              <a:spcAft>
+                <a:spcPts val="1426"/>
+              </a:spcAft>
+              <a:buClr>
+                <a:srgbClr val="000000"/>
+              </a:buClr>
+              <a:buSzPct val="45000"/>
+              <a:buFont typeface="Wingdings" pitchFamily="2"/>
+              <a:buChar char=""/>
+              <a:tabLst>
+                <a:tab pos="723600" algn="l"/>
+                <a:tab pos="1447559" algn="l"/>
+                <a:tab pos="2171520" algn="l"/>
+                <a:tab pos="2895480" algn="l"/>
+                <a:tab pos="3619440" algn="l"/>
+                <a:tab pos="4343400" algn="l"/>
+                <a:tab pos="5067000" algn="l"/>
+                <a:tab pos="5790960" algn="l"/>
+                <a:tab pos="6514920" algn="l"/>
+                <a:tab pos="7238880" algn="l"/>
+                <a:tab pos="7962839" algn="l"/>
+                <a:tab pos="8686800" algn="l"/>
+              </a:tabLst>
+            </a:pPr>
+            <a:r>
+              <a:rPr lang="en-US" sz="1800" dirty="0">
+                <a:hlinkClick r:id="rId4"/>
+              </a:rPr>
+              <a:t>CS 410: Introduction to Computer Graphics</a:t>
+            </a:r>
+            <a:r>
+              <a:rPr lang="en-US" sz="1800" dirty="0"/>
+              <a:t>, Colorado State University</a:t>
+            </a:r>
+          </a:p>
+          <a:p>
+            <a:pPr marL="446088" indent="-342900">
+              <a:spcAft>
+                <a:spcPts val="1425"/>
+              </a:spcAft>
+              <a:buSzPct val="45000"/>
+              <a:buFont typeface="Wingdings" panose="05000000000000000000" pitchFamily="2" charset="2"/>
+              <a:buChar char=""/>
+            </a:pPr>
+            <a:r>
+              <a:rPr lang="en-US" altLang="en-US" sz="1800" dirty="0">
+                <a:cs typeface="Courier New" panose="02070309020205020404" pitchFamily="49" charset="0"/>
+                <a:hlinkClick r:id="rId5"/>
+              </a:rPr>
+              <a:t>WebGL: Up and Running</a:t>
+            </a:r>
+            <a:r>
+              <a:rPr lang="en-US" altLang="en-US" sz="1800" dirty="0">
+                <a:cs typeface="Courier New" panose="02070309020205020404" pitchFamily="49" charset="0"/>
+              </a:rPr>
+              <a:t>, Tony Parisi, O’Reilly Press</a:t>
+            </a:r>
+          </a:p>
+          <a:p>
+            <a:pPr marL="446088" indent="-342900">
+              <a:spcAft>
+                <a:spcPts val="1425"/>
+              </a:spcAft>
+              <a:buSzPct val="45000"/>
+              <a:buFont typeface="Wingdings" panose="05000000000000000000" pitchFamily="2" charset="2"/>
+              <a:buChar char=""/>
+            </a:pPr>
+            <a:r>
+              <a:rPr lang="en-US" altLang="en-US" sz="1800" dirty="0">
+                <a:cs typeface="Courier New" panose="02070309020205020404" pitchFamily="49" charset="0"/>
+                <a:hlinkClick r:id="rId6"/>
+              </a:rPr>
+              <a:t>WebGL Beginner’s Guide</a:t>
+            </a:r>
+            <a:r>
+              <a:rPr lang="en-US" altLang="en-US" sz="1800" dirty="0">
+                <a:cs typeface="Courier New" panose="02070309020205020404" pitchFamily="49" charset="0"/>
+              </a:rPr>
+              <a:t>, Diego Cantor and Brandon Jones</a:t>
+            </a:r>
+          </a:p>
+          <a:p>
+            <a:pPr marL="446088" indent="-342900">
+              <a:spcAft>
+                <a:spcPts val="1425"/>
+              </a:spcAft>
+              <a:buSzPct val="45000"/>
+              <a:buFont typeface="Wingdings" panose="05000000000000000000" pitchFamily="2" charset="2"/>
+              <a:buChar char=""/>
+            </a:pPr>
+            <a:r>
+              <a:rPr lang="en-US" altLang="en-US" sz="1800" dirty="0">
+                <a:cs typeface="Courier New" panose="02070309020205020404" pitchFamily="49" charset="0"/>
+                <a:hlinkClick r:id="rId7"/>
+              </a:rPr>
+              <a:t>Papaya DICOM Viewer</a:t>
+            </a:r>
+            <a:endParaRPr lang="en-US" altLang="en-US" sz="1800" dirty="0">
+              <a:cs typeface="Courier New" panose="02070309020205020404" pitchFamily="49" charset="0"/>
+            </a:endParaRPr>
+          </a:p>
+          <a:p>
+            <a:pPr marL="446088" indent="-342900">
+              <a:spcAft>
+                <a:spcPts val="1425"/>
+              </a:spcAft>
+              <a:buSzPct val="45000"/>
+              <a:buFont typeface="Wingdings" panose="05000000000000000000" pitchFamily="2" charset="2"/>
+              <a:buChar char=""/>
+            </a:pPr>
+            <a:r>
+              <a:rPr lang="en-US" altLang="en-US" sz="1800" dirty="0">
+                <a:cs typeface="Courier New" panose="02070309020205020404" pitchFamily="49" charset="0"/>
+                <a:hlinkClick r:id="rId8"/>
+              </a:rPr>
+              <a:t>Papaya source code on GitHub</a:t>
+            </a:r>
+            <a:endParaRPr lang="en-US" altLang="en-US" sz="1800" dirty="0">
+              <a:cs typeface="Courier New" panose="02070309020205020404" pitchFamily="49" charset="0"/>
+            </a:endParaRPr>
+          </a:p>
+          <a:p>
+            <a:pPr marL="446088" indent="-342900">
+              <a:spcAft>
+                <a:spcPts val="1425"/>
+              </a:spcAft>
+              <a:buSzPct val="45000"/>
+              <a:buFont typeface="Wingdings" panose="05000000000000000000" pitchFamily="2" charset="2"/>
+              <a:buChar char=""/>
+            </a:pPr>
+            <a:r>
+              <a:rPr lang="en-US" altLang="en-US" sz="1800" dirty="0">
+                <a:cs typeface="Courier New" panose="02070309020205020404" pitchFamily="49" charset="0"/>
+                <a:hlinkClick r:id="rId9"/>
+              </a:rPr>
+              <a:t>http://dicomiseasy.blogspot.com</a:t>
+            </a:r>
+            <a:endParaRPr lang="en-US" altLang="en-US" sz="1800" dirty="0">
+              <a:cs typeface="Courier New" panose="02070309020205020404" pitchFamily="49" charset="0"/>
+            </a:endParaRPr>
+          </a:p>
+        </p:txBody>
+      </p:sp>
+    </p:spTree>
+    <p:extLst>
+      <p:ext uri="{BB962C8B-B14F-4D97-AF65-F5344CB8AC3E}">
+        <p14:creationId xmlns:p14="http://schemas.microsoft.com/office/powerpoint/2010/main" val="2431333534"/>
+      </p:ext>
+    </p:extLst>
+  </p:cSld>
+  <p:clrMapOvr>
+    <a:masterClrMapping/>
+  </p:clrMapOvr>
+</p:sld>
+</file>
+
+<file path=ppt/slides/slide12.xml><?xml version="1.0" encoding="utf-8"?>
 <p:sld xmlns:a="http://schemas.openxmlformats.org/drawingml/2006/main" xmlns:r="http://schemas.openxmlformats.org/officeDocument/2006/relationships" xmlns:p="http://schemas.openxmlformats.org/presentationml/2006/main" showMasterSp="0">
   <p:cSld name="Slide107">
     <p:spTree>
@@ -11671,23 +12991,26 @@
           <a:bodyPr tIns="31680"/>
           <a:lstStyle/>
           <a:p>
-            <a:r>
-              <a:rPr lang="en-AU" sz="2800" b="1" dirty="0" err="1">
-                <a:solidFill>
-                  <a:schemeClr val="tx1"/>
-                </a:solidFill>
-                <a:effectLst/>
-                <a:latin typeface="Consolas" panose="020B0609020204030204" pitchFamily="49" charset="0"/>
-              </a:rPr>
-              <a:t>shaderMinMaxLR</a:t>
-            </a:r>
-            <a:endParaRPr lang="en-AU" sz="2800" b="1" dirty="0">
-              <a:solidFill>
-                <a:schemeClr val="tx1"/>
-              </a:solidFill>
-              <a:effectLst/>
-              <a:latin typeface="Consolas" panose="020B0609020204030204" pitchFamily="49" charset="0"/>
-            </a:endParaRPr>
+            <a:pPr>
+              <a:tabLst>
+                <a:tab pos="723900" algn="l"/>
+                <a:tab pos="1447800" algn="l"/>
+                <a:tab pos="2170113" algn="l"/>
+                <a:tab pos="2894013" algn="l"/>
+                <a:tab pos="3617913" algn="l"/>
+                <a:tab pos="4343400" algn="l"/>
+                <a:tab pos="5067300" algn="l"/>
+                <a:tab pos="5791200" algn="l"/>
+                <a:tab pos="6513513" algn="l"/>
+                <a:tab pos="7237413" algn="l"/>
+                <a:tab pos="7961313" algn="l"/>
+                <a:tab pos="8686800" algn="l"/>
+              </a:tabLst>
+            </a:pPr>
+            <a:r>
+              <a:rPr lang="en-US" altLang="en-US" sz="3600" b="1" dirty="0"/>
+              <a:t>Adaptive Contrast Enhancement</a:t>
+            </a:r>
           </a:p>
         </p:txBody>
       </p:sp>
@@ -11701,8 +13024,8 @@
         </p:nvSpPr>
         <p:spPr bwMode="auto">
           <a:xfrm>
-            <a:off x="160020" y="2011680"/>
-            <a:ext cx="9774555" cy="4914899"/>
+            <a:off x="503238" y="2130999"/>
+            <a:ext cx="9431337" cy="3490332"/>
           </a:xfrm>
           <a:prstGeom prst="rect">
             <a:avLst/>
@@ -12018,814 +13341,90 @@
             </a:lvl9pPr>
           </a:lstStyle>
           <a:p>
-            <a:r>
-              <a:rPr lang="en-AU" sz="1600" b="0" dirty="0">
-                <a:solidFill>
-                  <a:srgbClr val="CE9178"/>
-                </a:solidFill>
-                <a:effectLst/>
-                <a:latin typeface="Consolas" panose="020B0609020204030204" pitchFamily="49" charset="0"/>
-              </a:rPr>
-              <a:t>void main(void) {</a:t>
-            </a:r>
-          </a:p>
-          <a:p>
-            <a:endParaRPr lang="en-AU" sz="1600" b="0" dirty="0">
-              <a:solidFill>
-                <a:srgbClr val="CE9178"/>
-              </a:solidFill>
-              <a:effectLst/>
-              <a:latin typeface="Consolas" panose="020B0609020204030204" pitchFamily="49" charset="0"/>
-            </a:endParaRPr>
-          </a:p>
-          <a:p>
-            <a:r>
-              <a:rPr lang="en-AU" sz="1600" dirty="0">
-                <a:solidFill>
-                  <a:srgbClr val="CE9178"/>
-                </a:solidFill>
-                <a:latin typeface="Consolas" panose="020B0609020204030204" pitchFamily="49" charset="0"/>
-              </a:rPr>
-              <a:t>    </a:t>
-            </a:r>
-            <a:r>
-              <a:rPr lang="en-AU" sz="1600" dirty="0">
-                <a:solidFill>
-                  <a:schemeClr val="accent6"/>
-                </a:solidFill>
-                <a:latin typeface="Consolas" panose="020B0609020204030204" pitchFamily="49" charset="0"/>
-              </a:rPr>
-              <a:t>// get texture coordinate of current fragment</a:t>
-            </a:r>
-            <a:endParaRPr lang="en-AU" sz="1600" b="0" dirty="0">
-              <a:solidFill>
-                <a:schemeClr val="accent6"/>
-              </a:solidFill>
-              <a:effectLst/>
-              <a:latin typeface="Consolas" panose="020B0609020204030204" pitchFamily="49" charset="0"/>
-            </a:endParaRPr>
-          </a:p>
-          <a:p>
-            <a:r>
-              <a:rPr lang="en-AU" sz="1600" b="0" dirty="0">
-                <a:solidFill>
-                  <a:srgbClr val="CE9178"/>
-                </a:solidFill>
-                <a:effectLst/>
-                <a:latin typeface="Consolas" panose="020B0609020204030204" pitchFamily="49" charset="0"/>
-              </a:rPr>
-              <a:t>    ivec2 </a:t>
-            </a:r>
-            <a:r>
-              <a:rPr lang="en-AU" sz="1600" b="0" dirty="0" err="1">
-                <a:solidFill>
-                  <a:srgbClr val="CE9178"/>
-                </a:solidFill>
-                <a:effectLst/>
-                <a:latin typeface="Consolas" panose="020B0609020204030204" pitchFamily="49" charset="0"/>
-              </a:rPr>
-              <a:t>vPixelCoord</a:t>
-            </a:r>
-            <a:r>
-              <a:rPr lang="en-AU" sz="1600" b="0" dirty="0">
-                <a:solidFill>
-                  <a:srgbClr val="CE9178"/>
-                </a:solidFill>
-                <a:effectLst/>
-                <a:latin typeface="Consolas" panose="020B0609020204030204" pitchFamily="49" charset="0"/>
-              </a:rPr>
-              <a:t> = ivec2(</a:t>
-            </a:r>
-            <a:r>
-              <a:rPr lang="en-AU" sz="1600" b="0" dirty="0" err="1">
-                <a:solidFill>
-                  <a:srgbClr val="CE9178"/>
-                </a:solidFill>
-                <a:effectLst/>
-                <a:latin typeface="Consolas" panose="020B0609020204030204" pitchFamily="49" charset="0"/>
-              </a:rPr>
-              <a:t>gl_FragCoord.xy</a:t>
-            </a:r>
-            <a:r>
-              <a:rPr lang="en-AU" sz="1600" b="0" dirty="0">
-                <a:solidFill>
-                  <a:srgbClr val="CE9178"/>
-                </a:solidFill>
-                <a:effectLst/>
-                <a:latin typeface="Consolas" panose="020B0609020204030204" pitchFamily="49" charset="0"/>
-              </a:rPr>
-              <a:t>);</a:t>
-            </a:r>
-          </a:p>
-          <a:p>
-            <a:r>
-              <a:rPr lang="en-AU" sz="1600" dirty="0">
-                <a:solidFill>
-                  <a:srgbClr val="CE9178"/>
-                </a:solidFill>
-                <a:latin typeface="Consolas" panose="020B0609020204030204" pitchFamily="49" charset="0"/>
-              </a:rPr>
-              <a:t>    </a:t>
-            </a:r>
-            <a:r>
-              <a:rPr lang="en-AU" sz="1600" dirty="0">
-                <a:solidFill>
-                  <a:schemeClr val="accent6"/>
-                </a:solidFill>
-                <a:latin typeface="Consolas" panose="020B0609020204030204" pitchFamily="49" charset="0"/>
-              </a:rPr>
-              <a:t>// look up current minmax from either original image (first pass)</a:t>
-            </a:r>
-          </a:p>
-          <a:p>
-            <a:r>
-              <a:rPr lang="en-AU" sz="1600" dirty="0">
-                <a:solidFill>
-                  <a:schemeClr val="accent6"/>
-                </a:solidFill>
-                <a:latin typeface="Consolas" panose="020B0609020204030204" pitchFamily="49" charset="0"/>
-              </a:rPr>
-              <a:t>    </a:t>
-            </a:r>
-            <a:r>
-              <a:rPr lang="en-AU" sz="1600" b="0" dirty="0">
-                <a:solidFill>
-                  <a:schemeClr val="accent6"/>
-                </a:solidFill>
-                <a:effectLst/>
-                <a:latin typeface="Consolas" panose="020B0609020204030204" pitchFamily="49" charset="0"/>
-              </a:rPr>
-              <a:t>// or </a:t>
-            </a:r>
-            <a:r>
-              <a:rPr lang="en-AU" sz="1600" dirty="0">
-                <a:solidFill>
-                  <a:schemeClr val="accent6"/>
-                </a:solidFill>
-                <a:latin typeface="Consolas" panose="020B0609020204030204" pitchFamily="49" charset="0"/>
-              </a:rPr>
-              <a:t>minmax FBO</a:t>
-            </a:r>
-            <a:endParaRPr lang="en-AU" sz="1600" b="0" dirty="0">
-              <a:solidFill>
-                <a:schemeClr val="accent6"/>
-              </a:solidFill>
-              <a:effectLst/>
-              <a:latin typeface="Consolas" panose="020B0609020204030204" pitchFamily="49" charset="0"/>
-            </a:endParaRPr>
-          </a:p>
-          <a:p>
-            <a:r>
-              <a:rPr lang="en-AU" sz="1600" b="0" dirty="0">
-                <a:solidFill>
-                  <a:srgbClr val="CE9178"/>
-                </a:solidFill>
-                <a:effectLst/>
-                <a:latin typeface="Consolas" panose="020B0609020204030204" pitchFamily="49" charset="0"/>
-              </a:rPr>
-              <a:t>    int </a:t>
-            </a:r>
-            <a:r>
-              <a:rPr lang="en-AU" sz="1600" b="0" dirty="0" err="1">
-                <a:solidFill>
-                  <a:srgbClr val="CE9178"/>
-                </a:solidFill>
-                <a:effectLst/>
-                <a:latin typeface="Consolas" panose="020B0609020204030204" pitchFamily="49" charset="0"/>
-              </a:rPr>
-              <a:t>flippedRow</a:t>
-            </a:r>
-            <a:r>
-              <a:rPr lang="en-AU" sz="1600" b="0" dirty="0">
-                <a:solidFill>
-                  <a:srgbClr val="CE9178"/>
-                </a:solidFill>
-                <a:effectLst/>
-                <a:latin typeface="Consolas" panose="020B0609020204030204" pitchFamily="49" charset="0"/>
-              </a:rPr>
-              <a:t> = </a:t>
-            </a:r>
-            <a:r>
-              <a:rPr lang="en-AU" sz="1600" b="0" dirty="0" err="1">
-                <a:solidFill>
-                  <a:srgbClr val="CE9178"/>
-                </a:solidFill>
-                <a:effectLst/>
-                <a:latin typeface="Consolas" panose="020B0609020204030204" pitchFamily="49" charset="0"/>
-              </a:rPr>
-              <a:t>uFlipped</a:t>
-            </a:r>
-            <a:r>
-              <a:rPr lang="en-AU" sz="1600" b="0" dirty="0">
-                <a:solidFill>
-                  <a:srgbClr val="CE9178"/>
-                </a:solidFill>
-                <a:effectLst/>
-                <a:latin typeface="Consolas" panose="020B0609020204030204" pitchFamily="49" charset="0"/>
-              </a:rPr>
-              <a:t> &gt; 0 ? uRows-1-vPixelCoord.y : </a:t>
-            </a:r>
-            <a:r>
-              <a:rPr lang="en-AU" sz="1600" b="0" dirty="0" err="1">
-                <a:solidFill>
-                  <a:srgbClr val="CE9178"/>
-                </a:solidFill>
-                <a:effectLst/>
-                <a:latin typeface="Consolas" panose="020B0609020204030204" pitchFamily="49" charset="0"/>
-              </a:rPr>
-              <a:t>vPixelCoord.y</a:t>
-            </a:r>
-            <a:r>
-              <a:rPr lang="en-AU" sz="1600" b="0" dirty="0">
-                <a:solidFill>
-                  <a:srgbClr val="CE9178"/>
-                </a:solidFill>
-                <a:effectLst/>
-                <a:latin typeface="Consolas" panose="020B0609020204030204" pitchFamily="49" charset="0"/>
-              </a:rPr>
-              <a:t>;</a:t>
-            </a:r>
-            <a:endParaRPr lang="en-AU" sz="1600" b="0" dirty="0">
-              <a:solidFill>
-                <a:srgbClr val="D4D4D4"/>
-              </a:solidFill>
-              <a:effectLst/>
-              <a:latin typeface="Consolas" panose="020B0609020204030204" pitchFamily="49" charset="0"/>
-            </a:endParaRPr>
-          </a:p>
-          <a:p>
-            <a:r>
-              <a:rPr lang="en-AU" sz="1600" b="0" dirty="0">
-                <a:solidFill>
-                  <a:srgbClr val="CE9178"/>
-                </a:solidFill>
-                <a:effectLst/>
-                <a:latin typeface="Consolas" panose="020B0609020204030204" pitchFamily="49" charset="0"/>
-              </a:rPr>
-              <a:t>    vec4 lookup = </a:t>
-            </a:r>
-            <a:r>
-              <a:rPr lang="en-AU" sz="1600" b="0" dirty="0" err="1">
-                <a:solidFill>
-                  <a:srgbClr val="CE9178"/>
-                </a:solidFill>
-                <a:effectLst/>
-                <a:latin typeface="Consolas" panose="020B0609020204030204" pitchFamily="49" charset="0"/>
-              </a:rPr>
-              <a:t>texelFetch</a:t>
-            </a:r>
-            <a:r>
-              <a:rPr lang="en-AU" sz="1600" b="0" dirty="0">
-                <a:solidFill>
-                  <a:srgbClr val="CE9178"/>
-                </a:solidFill>
-                <a:effectLst/>
-                <a:latin typeface="Consolas" panose="020B0609020204030204" pitchFamily="49" charset="0"/>
-              </a:rPr>
-              <a:t>(</a:t>
-            </a:r>
-            <a:r>
-              <a:rPr lang="en-AU" sz="1600" b="0" dirty="0" err="1">
-                <a:solidFill>
-                  <a:srgbClr val="CE9178"/>
-                </a:solidFill>
-                <a:effectLst/>
-                <a:latin typeface="Consolas" panose="020B0609020204030204" pitchFamily="49" charset="0"/>
-              </a:rPr>
-              <a:t>uImageSampler</a:t>
-            </a:r>
-            <a:r>
-              <a:rPr lang="en-AU" sz="1600" b="0" dirty="0">
-                <a:solidFill>
-                  <a:srgbClr val="CE9178"/>
-                </a:solidFill>
-                <a:effectLst/>
-                <a:latin typeface="Consolas" panose="020B0609020204030204" pitchFamily="49" charset="0"/>
-              </a:rPr>
-              <a:t>, ivec2(</a:t>
-            </a:r>
-            <a:r>
-              <a:rPr lang="en-AU" sz="1600" b="0" dirty="0" err="1">
-                <a:solidFill>
-                  <a:srgbClr val="CE9178"/>
-                </a:solidFill>
-                <a:effectLst/>
-                <a:latin typeface="Consolas" panose="020B0609020204030204" pitchFamily="49" charset="0"/>
-              </a:rPr>
-              <a:t>vPixelCoord.x</a:t>
-            </a:r>
-            <a:r>
-              <a:rPr lang="en-AU" sz="1600" b="0" dirty="0">
-                <a:solidFill>
-                  <a:srgbClr val="CE9178"/>
-                </a:solidFill>
-                <a:effectLst/>
-                <a:latin typeface="Consolas" panose="020B0609020204030204" pitchFamily="49" charset="0"/>
-              </a:rPr>
-              <a:t>, </a:t>
-            </a:r>
-            <a:r>
-              <a:rPr lang="en-AU" sz="1600" b="0" dirty="0" err="1">
-                <a:solidFill>
-                  <a:srgbClr val="CE9178"/>
-                </a:solidFill>
-                <a:effectLst/>
-                <a:latin typeface="Consolas" panose="020B0609020204030204" pitchFamily="49" charset="0"/>
-              </a:rPr>
-              <a:t>flippedRow</a:t>
-            </a:r>
-            <a:r>
-              <a:rPr lang="en-AU" sz="1600" b="0" dirty="0">
-                <a:solidFill>
-                  <a:srgbClr val="CE9178"/>
-                </a:solidFill>
-                <a:effectLst/>
-                <a:latin typeface="Consolas" panose="020B0609020204030204" pitchFamily="49" charset="0"/>
-              </a:rPr>
-              <a:t>), 0);</a:t>
-            </a:r>
-            <a:endParaRPr lang="en-AU" sz="1600" b="0" dirty="0">
-              <a:solidFill>
-                <a:srgbClr val="D4D4D4"/>
-              </a:solidFill>
-              <a:effectLst/>
-              <a:latin typeface="Consolas" panose="020B0609020204030204" pitchFamily="49" charset="0"/>
-            </a:endParaRPr>
-          </a:p>
-          <a:p>
-            <a:r>
-              <a:rPr lang="en-AU" sz="1600" b="0" dirty="0">
-                <a:solidFill>
-                  <a:srgbClr val="CE9178"/>
-                </a:solidFill>
-                <a:effectLst/>
-                <a:latin typeface="Consolas" panose="020B0609020204030204" pitchFamily="49" charset="0"/>
-              </a:rPr>
-              <a:t>    float </a:t>
-            </a:r>
-            <a:r>
-              <a:rPr lang="en-AU" sz="1600" b="0" dirty="0" err="1">
-                <a:solidFill>
-                  <a:srgbClr val="CE9178"/>
-                </a:solidFill>
-                <a:effectLst/>
-                <a:latin typeface="Consolas" panose="020B0609020204030204" pitchFamily="49" charset="0"/>
-              </a:rPr>
-              <a:t>localMinL</a:t>
-            </a:r>
-            <a:r>
-              <a:rPr lang="en-AU" sz="1600" b="0" dirty="0">
-                <a:solidFill>
-                  <a:srgbClr val="CE9178"/>
-                </a:solidFill>
-                <a:effectLst/>
-                <a:latin typeface="Consolas" panose="020B0609020204030204" pitchFamily="49" charset="0"/>
-              </a:rPr>
-              <a:t>, </a:t>
-            </a:r>
-            <a:r>
-              <a:rPr lang="en-AU" sz="1600" b="0" dirty="0" err="1">
-                <a:solidFill>
-                  <a:srgbClr val="CE9178"/>
-                </a:solidFill>
-                <a:effectLst/>
-                <a:latin typeface="Consolas" panose="020B0609020204030204" pitchFamily="49" charset="0"/>
-              </a:rPr>
-              <a:t>localMinR</a:t>
-            </a:r>
-            <a:r>
-              <a:rPr lang="en-AU" sz="1600" b="0" dirty="0">
-                <a:solidFill>
-                  <a:srgbClr val="CE9178"/>
-                </a:solidFill>
-                <a:effectLst/>
-                <a:latin typeface="Consolas" panose="020B0609020204030204" pitchFamily="49" charset="0"/>
-              </a:rPr>
-              <a:t>, </a:t>
-            </a:r>
-            <a:r>
-              <a:rPr lang="en-AU" sz="1600" b="0" dirty="0" err="1">
-                <a:solidFill>
-                  <a:srgbClr val="CE9178"/>
-                </a:solidFill>
-                <a:effectLst/>
-                <a:latin typeface="Consolas" panose="020B0609020204030204" pitchFamily="49" charset="0"/>
-              </a:rPr>
-              <a:t>localMaxL</a:t>
-            </a:r>
-            <a:r>
-              <a:rPr lang="en-AU" sz="1600" b="0" dirty="0">
-                <a:solidFill>
-                  <a:srgbClr val="CE9178"/>
-                </a:solidFill>
-                <a:effectLst/>
-                <a:latin typeface="Consolas" panose="020B0609020204030204" pitchFamily="49" charset="0"/>
-              </a:rPr>
-              <a:t>, </a:t>
-            </a:r>
-            <a:r>
-              <a:rPr lang="en-AU" sz="1600" b="0" dirty="0" err="1">
-                <a:solidFill>
-                  <a:srgbClr val="CE9178"/>
-                </a:solidFill>
-                <a:effectLst/>
-                <a:latin typeface="Consolas" panose="020B0609020204030204" pitchFamily="49" charset="0"/>
-              </a:rPr>
-              <a:t>localMaxR</a:t>
-            </a:r>
-            <a:r>
-              <a:rPr lang="en-AU" sz="1600" b="0" dirty="0">
-                <a:solidFill>
-                  <a:srgbClr val="CE9178"/>
-                </a:solidFill>
-                <a:effectLst/>
-                <a:latin typeface="Consolas" panose="020B0609020204030204" pitchFamily="49" charset="0"/>
-              </a:rPr>
-              <a:t>;</a:t>
-            </a:r>
-            <a:endParaRPr lang="en-AU" sz="1600" b="0" dirty="0">
-              <a:solidFill>
-                <a:srgbClr val="D4D4D4"/>
-              </a:solidFill>
-              <a:effectLst/>
-              <a:latin typeface="Consolas" panose="020B0609020204030204" pitchFamily="49" charset="0"/>
-            </a:endParaRPr>
-          </a:p>
-          <a:p>
-            <a:r>
-              <a:rPr lang="en-AU" sz="1600" b="0" dirty="0">
-                <a:solidFill>
-                  <a:srgbClr val="CE9178"/>
-                </a:solidFill>
-                <a:effectLst/>
-                <a:latin typeface="Consolas" panose="020B0609020204030204" pitchFamily="49" charset="0"/>
-              </a:rPr>
-              <a:t>    if(</a:t>
-            </a:r>
-            <a:r>
-              <a:rPr lang="en-AU" sz="1600" b="0" dirty="0" err="1">
-                <a:solidFill>
-                  <a:srgbClr val="CE9178"/>
-                </a:solidFill>
-                <a:effectLst/>
-                <a:latin typeface="Consolas" panose="020B0609020204030204" pitchFamily="49" charset="0"/>
-              </a:rPr>
-              <a:t>uFlipped</a:t>
-            </a:r>
-            <a:r>
-              <a:rPr lang="en-AU" sz="1600" b="0" dirty="0">
-                <a:solidFill>
-                  <a:srgbClr val="CE9178"/>
-                </a:solidFill>
-                <a:effectLst/>
-                <a:latin typeface="Consolas" panose="020B0609020204030204" pitchFamily="49" charset="0"/>
-              </a:rPr>
-              <a:t> &gt; 0){</a:t>
-            </a:r>
-          </a:p>
-          <a:p>
-            <a:r>
-              <a:rPr lang="en-AU" sz="1600" dirty="0">
-                <a:solidFill>
-                  <a:srgbClr val="CE9178"/>
-                </a:solidFill>
-                <a:latin typeface="Consolas" panose="020B0609020204030204" pitchFamily="49" charset="0"/>
-              </a:rPr>
-              <a:t>    		</a:t>
-            </a:r>
-            <a:r>
-              <a:rPr lang="en-AU" sz="1600" dirty="0">
-                <a:solidFill>
-                  <a:schemeClr val="accent6"/>
-                </a:solidFill>
-                <a:latin typeface="Consolas" panose="020B0609020204030204" pitchFamily="49" charset="0"/>
-              </a:rPr>
-              <a:t>// initialize minmax to original image value</a:t>
-            </a:r>
-            <a:endParaRPr lang="en-AU" sz="1600" b="0" dirty="0">
-              <a:solidFill>
-                <a:schemeClr val="accent6"/>
-              </a:solidFill>
-              <a:effectLst/>
-              <a:latin typeface="Consolas" panose="020B0609020204030204" pitchFamily="49" charset="0"/>
-            </a:endParaRPr>
-          </a:p>
-          <a:p>
-            <a:r>
-              <a:rPr lang="en-AU" sz="1600" b="0" dirty="0">
-                <a:solidFill>
-                  <a:srgbClr val="CE9178"/>
-                </a:solidFill>
-                <a:effectLst/>
-                <a:latin typeface="Consolas" panose="020B0609020204030204" pitchFamily="49" charset="0"/>
-              </a:rPr>
-              <a:t>        </a:t>
-            </a:r>
-            <a:r>
-              <a:rPr lang="en-AU" sz="1600" b="0" dirty="0" err="1">
-                <a:solidFill>
-                  <a:srgbClr val="CE9178"/>
-                </a:solidFill>
-                <a:effectLst/>
-                <a:latin typeface="Consolas" panose="020B0609020204030204" pitchFamily="49" charset="0"/>
-              </a:rPr>
-              <a:t>localMinL</a:t>
-            </a:r>
-            <a:r>
-              <a:rPr lang="en-AU" sz="1600" b="0" dirty="0">
-                <a:solidFill>
-                  <a:srgbClr val="CE9178"/>
-                </a:solidFill>
-                <a:effectLst/>
-                <a:latin typeface="Consolas" panose="020B0609020204030204" pitchFamily="49" charset="0"/>
-              </a:rPr>
-              <a:t> = </a:t>
-            </a:r>
-            <a:r>
-              <a:rPr lang="en-AU" sz="1600" b="0" dirty="0" err="1">
-                <a:solidFill>
-                  <a:srgbClr val="CE9178"/>
-                </a:solidFill>
-                <a:effectLst/>
-                <a:latin typeface="Consolas" panose="020B0609020204030204" pitchFamily="49" charset="0"/>
-              </a:rPr>
-              <a:t>localMinR</a:t>
-            </a:r>
-            <a:r>
-              <a:rPr lang="en-AU" sz="1600" b="0" dirty="0">
-                <a:solidFill>
-                  <a:srgbClr val="CE9178"/>
-                </a:solidFill>
-                <a:effectLst/>
-                <a:latin typeface="Consolas" panose="020B0609020204030204" pitchFamily="49" charset="0"/>
-              </a:rPr>
-              <a:t> = </a:t>
-            </a:r>
-            <a:r>
-              <a:rPr lang="en-AU" sz="1600" b="0" dirty="0" err="1">
-                <a:solidFill>
-                  <a:srgbClr val="CE9178"/>
-                </a:solidFill>
-                <a:effectLst/>
-                <a:latin typeface="Consolas" panose="020B0609020204030204" pitchFamily="49" charset="0"/>
-              </a:rPr>
-              <a:t>localMaxL</a:t>
-            </a:r>
-            <a:r>
-              <a:rPr lang="en-AU" sz="1600" b="0" dirty="0">
-                <a:solidFill>
-                  <a:srgbClr val="CE9178"/>
-                </a:solidFill>
-                <a:effectLst/>
-                <a:latin typeface="Consolas" panose="020B0609020204030204" pitchFamily="49" charset="0"/>
-              </a:rPr>
-              <a:t> = </a:t>
-            </a:r>
-            <a:r>
-              <a:rPr lang="en-AU" sz="1600" b="0" dirty="0" err="1">
-                <a:solidFill>
-                  <a:srgbClr val="CE9178"/>
-                </a:solidFill>
-                <a:effectLst/>
-                <a:latin typeface="Consolas" panose="020B0609020204030204" pitchFamily="49" charset="0"/>
-              </a:rPr>
-              <a:t>localMaxR</a:t>
-            </a:r>
-            <a:r>
-              <a:rPr lang="en-AU" sz="1600" b="0" dirty="0">
-                <a:solidFill>
-                  <a:srgbClr val="CE9178"/>
-                </a:solidFill>
-                <a:effectLst/>
-                <a:latin typeface="Consolas" panose="020B0609020204030204" pitchFamily="49" charset="0"/>
-              </a:rPr>
-              <a:t> = intensity(lookup); </a:t>
-            </a:r>
-            <a:endParaRPr lang="en-AU" sz="1600" b="0" dirty="0">
-              <a:solidFill>
-                <a:srgbClr val="D4D4D4"/>
-              </a:solidFill>
-              <a:effectLst/>
-              <a:latin typeface="Consolas" panose="020B0609020204030204" pitchFamily="49" charset="0"/>
-            </a:endParaRPr>
-          </a:p>
-          <a:p>
-            <a:r>
-              <a:rPr lang="en-AU" sz="1600" b="0" dirty="0">
-                <a:solidFill>
-                  <a:srgbClr val="CE9178"/>
-                </a:solidFill>
-                <a:effectLst/>
-                <a:latin typeface="Consolas" panose="020B0609020204030204" pitchFamily="49" charset="0"/>
-              </a:rPr>
-              <a:t>    }else{</a:t>
-            </a:r>
-          </a:p>
-          <a:p>
-            <a:r>
-              <a:rPr lang="en-AU" sz="1600" dirty="0">
-                <a:solidFill>
-                  <a:srgbClr val="CE9178"/>
-                </a:solidFill>
-                <a:latin typeface="Consolas" panose="020B0609020204030204" pitchFamily="49" charset="0"/>
-              </a:rPr>
-              <a:t>    		</a:t>
-            </a:r>
-            <a:r>
-              <a:rPr lang="en-AU" sz="1600" dirty="0">
-                <a:solidFill>
-                  <a:schemeClr val="accent6"/>
-                </a:solidFill>
-                <a:latin typeface="Consolas" panose="020B0609020204030204" pitchFamily="49" charset="0"/>
-              </a:rPr>
-              <a:t>// unpack min and max components from texture</a:t>
-            </a:r>
-            <a:endParaRPr lang="en-AU" sz="1600" b="0" dirty="0">
-              <a:solidFill>
-                <a:schemeClr val="accent6"/>
-              </a:solidFill>
-              <a:effectLst/>
-              <a:latin typeface="Consolas" panose="020B0609020204030204" pitchFamily="49" charset="0"/>
-            </a:endParaRPr>
-          </a:p>
-          <a:p>
-            <a:r>
-              <a:rPr lang="en-AU" sz="1600" b="0" dirty="0">
-                <a:solidFill>
-                  <a:srgbClr val="CE9178"/>
-                </a:solidFill>
-                <a:effectLst/>
-                <a:latin typeface="Consolas" panose="020B0609020204030204" pitchFamily="49" charset="0"/>
-              </a:rPr>
-              <a:t>        </a:t>
-            </a:r>
-            <a:r>
-              <a:rPr lang="en-AU" sz="1600" b="0" dirty="0" err="1">
-                <a:solidFill>
-                  <a:srgbClr val="CE9178"/>
-                </a:solidFill>
-                <a:effectLst/>
-                <a:latin typeface="Consolas" panose="020B0609020204030204" pitchFamily="49" charset="0"/>
-              </a:rPr>
-              <a:t>localMinL</a:t>
-            </a:r>
-            <a:r>
-              <a:rPr lang="en-AU" sz="1600" b="0" dirty="0">
-                <a:solidFill>
-                  <a:srgbClr val="CE9178"/>
-                </a:solidFill>
-                <a:effectLst/>
-                <a:latin typeface="Consolas" panose="020B0609020204030204" pitchFamily="49" charset="0"/>
-              </a:rPr>
-              <a:t> = </a:t>
-            </a:r>
-            <a:r>
-              <a:rPr lang="en-AU" sz="1600" b="0" dirty="0" err="1">
-                <a:solidFill>
-                  <a:srgbClr val="CE9178"/>
-                </a:solidFill>
-                <a:effectLst/>
-                <a:latin typeface="Consolas" panose="020B0609020204030204" pitchFamily="49" charset="0"/>
-              </a:rPr>
-              <a:t>localMinR</a:t>
-            </a:r>
-            <a:r>
-              <a:rPr lang="en-AU" sz="1600" b="0" dirty="0">
-                <a:solidFill>
-                  <a:srgbClr val="CE9178"/>
-                </a:solidFill>
-                <a:effectLst/>
-                <a:latin typeface="Consolas" panose="020B0609020204030204" pitchFamily="49" charset="0"/>
-              </a:rPr>
-              <a:t> = vec2ToFloat(</a:t>
-            </a:r>
-            <a:r>
-              <a:rPr lang="en-AU" sz="1600" b="0" dirty="0" err="1">
-                <a:solidFill>
-                  <a:srgbClr val="CE9178"/>
-                </a:solidFill>
-                <a:effectLst/>
-                <a:latin typeface="Consolas" panose="020B0609020204030204" pitchFamily="49" charset="0"/>
-              </a:rPr>
-              <a:t>lookup.rg</a:t>
-            </a:r>
-            <a:r>
-              <a:rPr lang="en-AU" sz="1600" b="0" dirty="0">
-                <a:solidFill>
-                  <a:srgbClr val="CE9178"/>
-                </a:solidFill>
-                <a:effectLst/>
-                <a:latin typeface="Consolas" panose="020B0609020204030204" pitchFamily="49" charset="0"/>
-              </a:rPr>
-              <a:t>);</a:t>
-            </a:r>
-            <a:endParaRPr lang="en-AU" sz="1600" b="0" dirty="0">
-              <a:solidFill>
-                <a:srgbClr val="D4D4D4"/>
-              </a:solidFill>
-              <a:effectLst/>
-              <a:latin typeface="Consolas" panose="020B0609020204030204" pitchFamily="49" charset="0"/>
-            </a:endParaRPr>
-          </a:p>
-          <a:p>
-            <a:r>
-              <a:rPr lang="en-AU" sz="1600" b="0" dirty="0">
-                <a:solidFill>
-                  <a:srgbClr val="CE9178"/>
-                </a:solidFill>
-                <a:effectLst/>
-                <a:latin typeface="Consolas" panose="020B0609020204030204" pitchFamily="49" charset="0"/>
-              </a:rPr>
-              <a:t>        </a:t>
-            </a:r>
-            <a:r>
-              <a:rPr lang="en-AU" sz="1600" b="0" dirty="0" err="1">
-                <a:solidFill>
-                  <a:srgbClr val="CE9178"/>
-                </a:solidFill>
-                <a:effectLst/>
-                <a:latin typeface="Consolas" panose="020B0609020204030204" pitchFamily="49" charset="0"/>
-              </a:rPr>
-              <a:t>localMaxL</a:t>
-            </a:r>
-            <a:r>
-              <a:rPr lang="en-AU" sz="1600" b="0" dirty="0">
-                <a:solidFill>
-                  <a:srgbClr val="CE9178"/>
-                </a:solidFill>
-                <a:effectLst/>
-                <a:latin typeface="Consolas" panose="020B0609020204030204" pitchFamily="49" charset="0"/>
-              </a:rPr>
-              <a:t> = </a:t>
-            </a:r>
-            <a:r>
-              <a:rPr lang="en-AU" sz="1600" b="0" dirty="0" err="1">
-                <a:solidFill>
-                  <a:srgbClr val="CE9178"/>
-                </a:solidFill>
-                <a:effectLst/>
-                <a:latin typeface="Consolas" panose="020B0609020204030204" pitchFamily="49" charset="0"/>
-              </a:rPr>
-              <a:t>localMaxR</a:t>
-            </a:r>
-            <a:r>
-              <a:rPr lang="en-AU" sz="1600" b="0" dirty="0">
-                <a:solidFill>
-                  <a:srgbClr val="CE9178"/>
-                </a:solidFill>
-                <a:effectLst/>
-                <a:latin typeface="Consolas" panose="020B0609020204030204" pitchFamily="49" charset="0"/>
-              </a:rPr>
-              <a:t> = vec2ToFloat(lookup.ba);</a:t>
-            </a:r>
-            <a:endParaRPr lang="en-AU" sz="1600" b="0" dirty="0">
-              <a:solidFill>
-                <a:srgbClr val="D4D4D4"/>
-              </a:solidFill>
-              <a:effectLst/>
-              <a:latin typeface="Consolas" panose="020B0609020204030204" pitchFamily="49" charset="0"/>
-            </a:endParaRPr>
-          </a:p>
-          <a:p>
-            <a:r>
-              <a:rPr lang="en-AU" sz="1600" b="0" dirty="0">
-                <a:solidFill>
-                  <a:srgbClr val="CE9178"/>
-                </a:solidFill>
-                <a:effectLst/>
-                <a:latin typeface="Consolas" panose="020B0609020204030204" pitchFamily="49" charset="0"/>
-              </a:rPr>
-              <a:t>    }</a:t>
-            </a:r>
-            <a:endParaRPr lang="en-AU" sz="1600" b="0" dirty="0">
-              <a:solidFill>
-                <a:srgbClr val="D4D4D4"/>
-              </a:solidFill>
-              <a:effectLst/>
-              <a:latin typeface="Consolas" panose="020B0609020204030204" pitchFamily="49" charset="0"/>
-            </a:endParaRPr>
+            <a:pPr marL="674687" indent="-457200">
+              <a:spcAft>
+                <a:spcPts val="1425"/>
+              </a:spcAft>
+              <a:buSzPct val="45000"/>
+              <a:buFont typeface="Arial" panose="020B0604020202020204" pitchFamily="34" charset="0"/>
+              <a:buChar char="•"/>
+            </a:pPr>
+            <a:r>
+              <a:rPr lang="en-US" altLang="en-US" sz="2400" dirty="0"/>
+              <a:t>Compute min/max for local neighborhood around pixel</a:t>
+            </a:r>
+          </a:p>
+          <a:p>
+            <a:pPr marL="674687" indent="-457200">
+              <a:spcAft>
+                <a:spcPts val="1425"/>
+              </a:spcAft>
+              <a:buSzPct val="45000"/>
+              <a:buFont typeface="Arial" panose="020B0604020202020204" pitchFamily="34" charset="0"/>
+              <a:buChar char="•"/>
+            </a:pPr>
+            <a:r>
+              <a:rPr lang="en-US" altLang="en-US" sz="2400" dirty="0"/>
+              <a:t>Neighboring pixel values are exponentially weighted by distance from current pixel (i.e. pixel being processed)</a:t>
+            </a:r>
+          </a:p>
+          <a:p>
+            <a:pPr marL="674687" indent="-457200">
+              <a:spcAft>
+                <a:spcPts val="1425"/>
+              </a:spcAft>
+              <a:buSzPct val="45000"/>
+              <a:buFont typeface="Arial" panose="020B0604020202020204" pitchFamily="34" charset="0"/>
+              <a:buChar char="•"/>
+            </a:pPr>
+            <a:r>
+              <a:rPr lang="en-US" altLang="en-US" sz="2400" dirty="0"/>
+              <a:t>Similar to convolving filter with Gaussian kernel</a:t>
+            </a:r>
+          </a:p>
+          <a:p>
+            <a:pPr marL="674687" indent="-457200">
+              <a:spcAft>
+                <a:spcPts val="1425"/>
+              </a:spcAft>
+              <a:buSzPct val="45000"/>
+              <a:buFont typeface="Arial" panose="020B0604020202020204" pitchFamily="34" charset="0"/>
+              <a:buChar char="•"/>
+            </a:pPr>
+            <a:r>
+              <a:rPr lang="en-US" altLang="en-US" sz="2400" dirty="0"/>
+              <a:t>Rapiscan implementation involves splitting into horizontal and vertical passes</a:t>
+            </a:r>
+          </a:p>
+          <a:p>
+            <a:pPr marL="674687" indent="-457200">
+              <a:spcAft>
+                <a:spcPts val="1425"/>
+              </a:spcAft>
+              <a:buSzPct val="45000"/>
+              <a:buFont typeface="Arial" panose="020B0604020202020204" pitchFamily="34" charset="0"/>
+              <a:buChar char="•"/>
+            </a:pPr>
+            <a:r>
+              <a:rPr lang="en-US" altLang="en-US" sz="2400" dirty="0"/>
+              <a:t>After min/max passes </a:t>
+            </a:r>
           </a:p>
           <a:p>
             <a:pPr marL="217487" indent="0">
               <a:spcAft>
-                <a:spcPts val="600"/>
+                <a:spcPts val="1425"/>
               </a:spcAft>
               <a:buSzPct val="45000"/>
             </a:pPr>
-            <a:endParaRPr lang="en-AU" sz="1600" b="0" dirty="0">
-              <a:solidFill>
-                <a:schemeClr val="tx1"/>
-              </a:solidFill>
-              <a:effectLst/>
-              <a:cs typeface="Arial" panose="020B0604020202020204" pitchFamily="34" charset="0"/>
-            </a:endParaRPr>
+            <a:endParaRPr lang="en-US" altLang="en-US" sz="2400" dirty="0"/>
           </a:p>
         </p:txBody>
       </p:sp>
     </p:spTree>
     <p:extLst>
       <p:ext uri="{BB962C8B-B14F-4D97-AF65-F5344CB8AC3E}">
-        <p14:creationId xmlns:p14="http://schemas.microsoft.com/office/powerpoint/2010/main" val="1840561714"/>
+        <p14:creationId xmlns:p14="http://schemas.microsoft.com/office/powerpoint/2010/main" val="4208619168"/>
       </p:ext>
     </p:extLst>
   </p:cSld>
@@ -12901,23 +13500,26 @@
           <a:bodyPr tIns="31680"/>
           <a:lstStyle/>
           <a:p>
-            <a:r>
-              <a:rPr lang="en-AU" sz="2800" b="1" dirty="0" err="1">
-                <a:solidFill>
-                  <a:schemeClr val="tx1"/>
-                </a:solidFill>
-                <a:effectLst/>
-                <a:latin typeface="Consolas" panose="020B0609020204030204" pitchFamily="49" charset="0"/>
-              </a:rPr>
-              <a:t>shaderMinMaxLR</a:t>
-            </a:r>
-            <a:endParaRPr lang="en-AU" sz="2800" b="1" dirty="0">
-              <a:solidFill>
-                <a:schemeClr val="tx1"/>
-              </a:solidFill>
-              <a:effectLst/>
-              <a:latin typeface="Consolas" panose="020B0609020204030204" pitchFamily="49" charset="0"/>
-            </a:endParaRPr>
+            <a:pPr>
+              <a:tabLst>
+                <a:tab pos="723900" algn="l"/>
+                <a:tab pos="1447800" algn="l"/>
+                <a:tab pos="2170113" algn="l"/>
+                <a:tab pos="2894013" algn="l"/>
+                <a:tab pos="3617913" algn="l"/>
+                <a:tab pos="4343400" algn="l"/>
+                <a:tab pos="5067300" algn="l"/>
+                <a:tab pos="5791200" algn="l"/>
+                <a:tab pos="6513513" algn="l"/>
+                <a:tab pos="7237413" algn="l"/>
+                <a:tab pos="7961313" algn="l"/>
+                <a:tab pos="8686800" algn="l"/>
+              </a:tabLst>
+            </a:pPr>
+            <a:r>
+              <a:rPr lang="en-US" altLang="en-US" sz="3600" b="1" dirty="0"/>
+              <a:t>Adaptive Contrast Enhancement</a:t>
+            </a:r>
           </a:p>
         </p:txBody>
       </p:sp>
@@ -12931,8 +13533,8 @@
         </p:nvSpPr>
         <p:spPr bwMode="auto">
           <a:xfrm>
-            <a:off x="1" y="1368426"/>
-            <a:ext cx="9921240" cy="6072504"/>
+            <a:off x="413941" y="6766559"/>
+            <a:ext cx="9252742" cy="562927"/>
           </a:xfrm>
           <a:prstGeom prst="rect">
             <a:avLst/>
@@ -13248,1053 +13850,92 @@
             </a:lvl9pPr>
           </a:lstStyle>
           <a:p>
-            <a:r>
-              <a:rPr lang="en-AU" sz="1600" b="0" dirty="0">
-                <a:solidFill>
-                  <a:srgbClr val="CE9178"/>
-                </a:solidFill>
-                <a:effectLst/>
-                <a:latin typeface="Consolas" panose="020B0609020204030204" pitchFamily="49" charset="0"/>
-              </a:rPr>
-              <a:t>    float </a:t>
-            </a:r>
-            <a:r>
-              <a:rPr lang="en-AU" sz="1600" b="0" dirty="0" err="1">
-                <a:solidFill>
-                  <a:srgbClr val="CE9178"/>
-                </a:solidFill>
-                <a:effectLst/>
-                <a:latin typeface="Consolas" panose="020B0609020204030204" pitchFamily="49" charset="0"/>
-              </a:rPr>
-              <a:t>minVal</a:t>
-            </a:r>
-            <a:r>
-              <a:rPr lang="en-AU" sz="1600" b="0" dirty="0">
-                <a:solidFill>
-                  <a:srgbClr val="CE9178"/>
-                </a:solidFill>
-                <a:effectLst/>
-                <a:latin typeface="Consolas" panose="020B0609020204030204" pitchFamily="49" charset="0"/>
-              </a:rPr>
-              <a:t>, </a:t>
-            </a:r>
-            <a:r>
-              <a:rPr lang="en-AU" sz="1600" b="0" dirty="0" err="1">
-                <a:solidFill>
-                  <a:srgbClr val="CE9178"/>
-                </a:solidFill>
-                <a:effectLst/>
-                <a:latin typeface="Consolas" panose="020B0609020204030204" pitchFamily="49" charset="0"/>
-              </a:rPr>
-              <a:t>maxVal</a:t>
-            </a:r>
-            <a:r>
-              <a:rPr lang="en-AU" sz="1600" b="0" dirty="0">
-                <a:solidFill>
-                  <a:srgbClr val="CE9178"/>
-                </a:solidFill>
-                <a:effectLst/>
-                <a:latin typeface="Consolas" panose="020B0609020204030204" pitchFamily="49" charset="0"/>
-              </a:rPr>
-              <a:t>;</a:t>
-            </a:r>
-          </a:p>
-          <a:p>
-            <a:r>
-              <a:rPr lang="en-AU" sz="1600" b="0" dirty="0">
-                <a:solidFill>
-                  <a:schemeClr val="accent6"/>
-                </a:solidFill>
-                <a:effectLst/>
-                <a:latin typeface="Consolas" panose="020B0609020204030204" pitchFamily="49" charset="0"/>
-              </a:rPr>
-              <a:t>    // exponential falloff factor based on distance from current pixel</a:t>
-            </a:r>
-          </a:p>
-          <a:p>
-            <a:r>
-              <a:rPr lang="en-AU" sz="1600" b="0" dirty="0">
-                <a:solidFill>
-                  <a:srgbClr val="CE9178"/>
-                </a:solidFill>
-                <a:effectLst/>
-                <a:latin typeface="Consolas" panose="020B0609020204030204" pitchFamily="49" charset="0"/>
-              </a:rPr>
-              <a:t>    float </a:t>
-            </a:r>
-            <a:r>
-              <a:rPr lang="en-AU" sz="1600" b="0" dirty="0" err="1">
-                <a:solidFill>
-                  <a:srgbClr val="CE9178"/>
-                </a:solidFill>
-                <a:effectLst/>
-                <a:latin typeface="Consolas" panose="020B0609020204030204" pitchFamily="49" charset="0"/>
-              </a:rPr>
-              <a:t>expScale</a:t>
-            </a:r>
-            <a:r>
-              <a:rPr lang="en-AU" sz="1600" b="0" dirty="0">
-                <a:solidFill>
-                  <a:srgbClr val="CE9178"/>
-                </a:solidFill>
-                <a:effectLst/>
-                <a:latin typeface="Consolas" panose="020B0609020204030204" pitchFamily="49" charset="0"/>
-              </a:rPr>
-              <a:t> = float(</a:t>
-            </a:r>
-            <a:r>
-              <a:rPr lang="en-AU" sz="1600" b="0" dirty="0" err="1">
-                <a:solidFill>
-                  <a:srgbClr val="CE9178"/>
-                </a:solidFill>
-                <a:effectLst/>
-                <a:latin typeface="Consolas" panose="020B0609020204030204" pitchFamily="49" charset="0"/>
-              </a:rPr>
-              <a:t>uWindowSize</a:t>
-            </a:r>
-            <a:r>
-              <a:rPr lang="en-AU" sz="1600" b="0" dirty="0">
-                <a:solidFill>
-                  <a:srgbClr val="CE9178"/>
-                </a:solidFill>
-                <a:effectLst/>
-                <a:latin typeface="Consolas" panose="020B0609020204030204" pitchFamily="49" charset="0"/>
-              </a:rPr>
-              <a:t>*</a:t>
-            </a:r>
-            <a:r>
-              <a:rPr lang="en-AU" sz="1600" b="0" dirty="0" err="1">
-                <a:solidFill>
-                  <a:srgbClr val="CE9178"/>
-                </a:solidFill>
-                <a:effectLst/>
-                <a:latin typeface="Consolas" panose="020B0609020204030204" pitchFamily="49" charset="0"/>
-              </a:rPr>
-              <a:t>uWindowSize</a:t>
-            </a:r>
-            <a:r>
-              <a:rPr lang="en-AU" sz="1600" b="0" dirty="0">
-                <a:solidFill>
-                  <a:srgbClr val="CE9178"/>
-                </a:solidFill>
-                <a:effectLst/>
-                <a:latin typeface="Consolas" panose="020B0609020204030204" pitchFamily="49" charset="0"/>
-              </a:rPr>
-              <a:t>);</a:t>
-            </a:r>
-          </a:p>
-          <a:p>
-            <a:r>
-              <a:rPr lang="en-AU" sz="1600" b="0" dirty="0">
-                <a:solidFill>
-                  <a:schemeClr val="accent6"/>
-                </a:solidFill>
-                <a:effectLst/>
-                <a:latin typeface="Consolas" panose="020B0609020204030204" pitchFamily="49" charset="0"/>
-              </a:rPr>
-              <a:t>    // get left sample from current source ping-pong FBO</a:t>
-            </a:r>
-          </a:p>
-          <a:p>
-            <a:r>
-              <a:rPr lang="en-AU" sz="1600" b="0" dirty="0">
-                <a:solidFill>
-                  <a:srgbClr val="CE9178"/>
-                </a:solidFill>
-                <a:effectLst/>
-                <a:latin typeface="Consolas" panose="020B0609020204030204" pitchFamily="49" charset="0"/>
-              </a:rPr>
-              <a:t>    if(</a:t>
-            </a:r>
-            <a:r>
-              <a:rPr lang="en-AU" sz="1600" b="0" dirty="0" err="1">
-                <a:solidFill>
-                  <a:srgbClr val="CE9178"/>
-                </a:solidFill>
-                <a:effectLst/>
-                <a:latin typeface="Consolas" panose="020B0609020204030204" pitchFamily="49" charset="0"/>
-              </a:rPr>
-              <a:t>vPixelCoord.x</a:t>
-            </a:r>
-            <a:r>
-              <a:rPr lang="en-AU" sz="1600" b="0" dirty="0">
-                <a:solidFill>
-                  <a:srgbClr val="CE9178"/>
-                </a:solidFill>
-                <a:effectLst/>
-                <a:latin typeface="Consolas" panose="020B0609020204030204" pitchFamily="49" charset="0"/>
-              </a:rPr>
-              <a:t> &gt;= </a:t>
-            </a:r>
-            <a:r>
-              <a:rPr lang="en-AU" sz="1600" b="0" dirty="0" err="1">
-                <a:solidFill>
-                  <a:srgbClr val="CE9178"/>
-                </a:solidFill>
-                <a:effectLst/>
-                <a:latin typeface="Consolas" panose="020B0609020204030204" pitchFamily="49" charset="0"/>
-              </a:rPr>
-              <a:t>uWindowSize</a:t>
-            </a:r>
-            <a:r>
-              <a:rPr lang="en-AU" sz="1600" b="0" dirty="0">
-                <a:solidFill>
-                  <a:srgbClr val="CE9178"/>
-                </a:solidFill>
-                <a:effectLst/>
-                <a:latin typeface="Consolas" panose="020B0609020204030204" pitchFamily="49" charset="0"/>
-              </a:rPr>
-              <a:t>){</a:t>
-            </a:r>
-            <a:endParaRPr lang="en-AU" sz="1600" b="0" dirty="0">
-              <a:solidFill>
-                <a:srgbClr val="D4D4D4"/>
-              </a:solidFill>
-              <a:effectLst/>
-              <a:latin typeface="Consolas" panose="020B0609020204030204" pitchFamily="49" charset="0"/>
-            </a:endParaRPr>
-          </a:p>
-          <a:p>
-            <a:r>
-              <a:rPr lang="en-AU" sz="1600" b="0" dirty="0">
-                <a:solidFill>
-                  <a:srgbClr val="CE9178"/>
-                </a:solidFill>
-                <a:effectLst/>
-                <a:latin typeface="Consolas" panose="020B0609020204030204" pitchFamily="49" charset="0"/>
-              </a:rPr>
-              <a:t>        lookup = </a:t>
-            </a:r>
-            <a:r>
-              <a:rPr lang="en-AU" sz="1600" b="0" dirty="0" err="1">
-                <a:solidFill>
-                  <a:srgbClr val="CE9178"/>
-                </a:solidFill>
-                <a:effectLst/>
-                <a:latin typeface="Consolas" panose="020B0609020204030204" pitchFamily="49" charset="0"/>
-              </a:rPr>
-              <a:t>texelFetch</a:t>
-            </a:r>
-            <a:r>
-              <a:rPr lang="en-AU" sz="1600" b="0" dirty="0">
-                <a:solidFill>
-                  <a:srgbClr val="CE9178"/>
-                </a:solidFill>
-                <a:effectLst/>
-                <a:latin typeface="Consolas" panose="020B0609020204030204" pitchFamily="49" charset="0"/>
-              </a:rPr>
-              <a:t>(</a:t>
-            </a:r>
-            <a:r>
-              <a:rPr lang="en-AU" sz="1600" b="0" dirty="0" err="1">
-                <a:solidFill>
-                  <a:srgbClr val="CE9178"/>
-                </a:solidFill>
-                <a:effectLst/>
-                <a:latin typeface="Consolas" panose="020B0609020204030204" pitchFamily="49" charset="0"/>
-              </a:rPr>
-              <a:t>uImageSampler</a:t>
-            </a:r>
-            <a:r>
-              <a:rPr lang="en-AU" sz="1600" b="0" dirty="0">
-                <a:solidFill>
-                  <a:srgbClr val="CE9178"/>
-                </a:solidFill>
-                <a:effectLst/>
-                <a:latin typeface="Consolas" panose="020B0609020204030204" pitchFamily="49" charset="0"/>
-              </a:rPr>
-              <a:t>, ivec2(</a:t>
-            </a:r>
-            <a:r>
-              <a:rPr lang="en-AU" sz="1600" b="0" dirty="0" err="1">
-                <a:solidFill>
-                  <a:srgbClr val="CE9178"/>
-                </a:solidFill>
-                <a:effectLst/>
-                <a:latin typeface="Consolas" panose="020B0609020204030204" pitchFamily="49" charset="0"/>
-              </a:rPr>
-              <a:t>vPixelCoord.x</a:t>
-            </a:r>
-            <a:r>
-              <a:rPr lang="en-AU" sz="1600" b="0" dirty="0">
-                <a:solidFill>
-                  <a:srgbClr val="CE9178"/>
-                </a:solidFill>
-                <a:effectLst/>
-                <a:latin typeface="Consolas" panose="020B0609020204030204" pitchFamily="49" charset="0"/>
-              </a:rPr>
-              <a:t> - </a:t>
-            </a:r>
-            <a:r>
-              <a:rPr lang="en-AU" sz="1600" b="0" dirty="0" err="1">
-                <a:solidFill>
-                  <a:srgbClr val="CE9178"/>
-                </a:solidFill>
-                <a:effectLst/>
-                <a:latin typeface="Consolas" panose="020B0609020204030204" pitchFamily="49" charset="0"/>
-              </a:rPr>
-              <a:t>uWindowSize</a:t>
-            </a:r>
-            <a:r>
-              <a:rPr lang="en-AU" sz="1600" b="0" dirty="0">
-                <a:solidFill>
-                  <a:srgbClr val="CE9178"/>
-                </a:solidFill>
-                <a:effectLst/>
-                <a:latin typeface="Consolas" panose="020B0609020204030204" pitchFamily="49" charset="0"/>
-              </a:rPr>
-              <a:t>, </a:t>
-            </a:r>
-            <a:r>
-              <a:rPr lang="en-AU" sz="1600" b="0" dirty="0" err="1">
-                <a:solidFill>
-                  <a:srgbClr val="CE9178"/>
-                </a:solidFill>
-                <a:effectLst/>
-                <a:latin typeface="Consolas" panose="020B0609020204030204" pitchFamily="49" charset="0"/>
-              </a:rPr>
-              <a:t>flippedRow</a:t>
-            </a:r>
-            <a:r>
-              <a:rPr lang="en-AU" sz="1600" b="0" dirty="0">
-                <a:solidFill>
-                  <a:srgbClr val="CE9178"/>
-                </a:solidFill>
-                <a:effectLst/>
-                <a:latin typeface="Consolas" panose="020B0609020204030204" pitchFamily="49" charset="0"/>
-              </a:rPr>
-              <a:t>), 0);</a:t>
-            </a:r>
-          </a:p>
-          <a:p>
-            <a:r>
-              <a:rPr lang="en-AU" sz="1600" dirty="0">
-                <a:solidFill>
-                  <a:srgbClr val="CE9178"/>
-                </a:solidFill>
-                <a:latin typeface="Consolas" panose="020B0609020204030204" pitchFamily="49" charset="0"/>
-              </a:rPr>
-              <a:t>		</a:t>
-            </a:r>
-            <a:r>
-              <a:rPr lang="en-AU" sz="1600" dirty="0">
-                <a:solidFill>
-                  <a:schemeClr val="accent6"/>
-                </a:solidFill>
-                <a:latin typeface="Consolas" panose="020B0609020204030204" pitchFamily="49" charset="0"/>
-              </a:rPr>
-              <a:t>// update minmax at pixel with contribution from row sample, </a:t>
-            </a:r>
-          </a:p>
-          <a:p>
-            <a:r>
-              <a:rPr lang="en-AU" sz="1600" dirty="0">
-                <a:solidFill>
-                  <a:schemeClr val="accent6"/>
-                </a:solidFill>
-                <a:latin typeface="Consolas" panose="020B0609020204030204" pitchFamily="49" charset="0"/>
-              </a:rPr>
-              <a:t>		// scaled with exponential distance falloff</a:t>
-            </a:r>
-            <a:endParaRPr lang="en-AU" sz="1600" b="0" dirty="0">
-              <a:solidFill>
-                <a:schemeClr val="accent6"/>
-              </a:solidFill>
-              <a:effectLst/>
-              <a:latin typeface="Consolas" panose="020B0609020204030204" pitchFamily="49" charset="0"/>
-            </a:endParaRPr>
-          </a:p>
-          <a:p>
-            <a:r>
-              <a:rPr lang="en-AU" sz="1600" b="0" dirty="0">
-                <a:solidFill>
-                  <a:srgbClr val="CE9178"/>
-                </a:solidFill>
-                <a:effectLst/>
-                <a:latin typeface="Consolas" panose="020B0609020204030204" pitchFamily="49" charset="0"/>
-              </a:rPr>
-              <a:t>        if(</a:t>
-            </a:r>
-            <a:r>
-              <a:rPr lang="en-AU" sz="1600" b="0" dirty="0" err="1">
-                <a:solidFill>
-                  <a:srgbClr val="CE9178"/>
-                </a:solidFill>
-                <a:effectLst/>
-                <a:latin typeface="Consolas" panose="020B0609020204030204" pitchFamily="49" charset="0"/>
-              </a:rPr>
-              <a:t>uFlipped</a:t>
-            </a:r>
-            <a:r>
-              <a:rPr lang="en-AU" sz="1600" b="0" dirty="0">
-                <a:solidFill>
-                  <a:srgbClr val="CE9178"/>
-                </a:solidFill>
-                <a:effectLst/>
-                <a:latin typeface="Consolas" panose="020B0609020204030204" pitchFamily="49" charset="0"/>
-              </a:rPr>
-              <a:t> &gt; 0){</a:t>
-            </a:r>
-            <a:endParaRPr lang="en-AU" sz="1600" b="0" dirty="0">
-              <a:solidFill>
-                <a:srgbClr val="D4D4D4"/>
-              </a:solidFill>
-              <a:effectLst/>
-              <a:latin typeface="Consolas" panose="020B0609020204030204" pitchFamily="49" charset="0"/>
-            </a:endParaRPr>
-          </a:p>
-          <a:p>
-            <a:r>
-              <a:rPr lang="en-AU" sz="1600" b="0" dirty="0">
-                <a:solidFill>
-                  <a:srgbClr val="CE9178"/>
-                </a:solidFill>
-                <a:effectLst/>
-                <a:latin typeface="Consolas" panose="020B0609020204030204" pitchFamily="49" charset="0"/>
-              </a:rPr>
-              <a:t>            </a:t>
-            </a:r>
-            <a:r>
-              <a:rPr lang="en-AU" sz="1600" b="0" dirty="0" err="1">
-                <a:solidFill>
-                  <a:srgbClr val="CE9178"/>
-                </a:solidFill>
-                <a:effectLst/>
-                <a:latin typeface="Consolas" panose="020B0609020204030204" pitchFamily="49" charset="0"/>
-              </a:rPr>
-              <a:t>minVal</a:t>
-            </a:r>
-            <a:r>
-              <a:rPr lang="en-AU" sz="1600" b="0" dirty="0">
-                <a:solidFill>
-                  <a:srgbClr val="CE9178"/>
-                </a:solidFill>
-                <a:effectLst/>
-                <a:latin typeface="Consolas" panose="020B0609020204030204" pitchFamily="49" charset="0"/>
-              </a:rPr>
-              <a:t> = </a:t>
-            </a:r>
-            <a:r>
-              <a:rPr lang="en-AU" sz="1600" b="0" dirty="0" err="1">
-                <a:solidFill>
-                  <a:srgbClr val="CE9178"/>
-                </a:solidFill>
-                <a:effectLst/>
-                <a:latin typeface="Consolas" panose="020B0609020204030204" pitchFamily="49" charset="0"/>
-              </a:rPr>
-              <a:t>maxVal</a:t>
-            </a:r>
-            <a:r>
-              <a:rPr lang="en-AU" sz="1600" b="0" dirty="0">
-                <a:solidFill>
-                  <a:srgbClr val="CE9178"/>
-                </a:solidFill>
-                <a:effectLst/>
-                <a:latin typeface="Consolas" panose="020B0609020204030204" pitchFamily="49" charset="0"/>
-              </a:rPr>
-              <a:t> = intensity(lookup); </a:t>
-            </a:r>
-            <a:endParaRPr lang="en-AU" sz="1600" b="0" dirty="0">
-              <a:solidFill>
-                <a:srgbClr val="D4D4D4"/>
-              </a:solidFill>
-              <a:effectLst/>
-              <a:latin typeface="Consolas" panose="020B0609020204030204" pitchFamily="49" charset="0"/>
-            </a:endParaRPr>
-          </a:p>
-          <a:p>
-            <a:r>
-              <a:rPr lang="en-AU" sz="1600" b="0" dirty="0">
-                <a:solidFill>
-                  <a:srgbClr val="CE9178"/>
-                </a:solidFill>
-                <a:effectLst/>
-                <a:latin typeface="Consolas" panose="020B0609020204030204" pitchFamily="49" charset="0"/>
-              </a:rPr>
-              <a:t>        }else{</a:t>
-            </a:r>
-            <a:endParaRPr lang="en-AU" sz="1600" b="0" dirty="0">
-              <a:solidFill>
-                <a:srgbClr val="D4D4D4"/>
-              </a:solidFill>
-              <a:effectLst/>
-              <a:latin typeface="Consolas" panose="020B0609020204030204" pitchFamily="49" charset="0"/>
-            </a:endParaRPr>
-          </a:p>
-          <a:p>
-            <a:r>
-              <a:rPr lang="en-AU" sz="1600" b="0" dirty="0">
-                <a:solidFill>
-                  <a:srgbClr val="CE9178"/>
-                </a:solidFill>
-                <a:effectLst/>
-                <a:latin typeface="Consolas" panose="020B0609020204030204" pitchFamily="49" charset="0"/>
-              </a:rPr>
-              <a:t>            </a:t>
-            </a:r>
-            <a:r>
-              <a:rPr lang="en-AU" sz="1600" b="0" dirty="0" err="1">
-                <a:solidFill>
-                  <a:srgbClr val="CE9178"/>
-                </a:solidFill>
-                <a:effectLst/>
-                <a:latin typeface="Consolas" panose="020B0609020204030204" pitchFamily="49" charset="0"/>
-              </a:rPr>
-              <a:t>minVal</a:t>
-            </a:r>
-            <a:r>
-              <a:rPr lang="en-AU" sz="1600" b="0" dirty="0">
-                <a:solidFill>
-                  <a:srgbClr val="CE9178"/>
-                </a:solidFill>
-                <a:effectLst/>
-                <a:latin typeface="Consolas" panose="020B0609020204030204" pitchFamily="49" charset="0"/>
-              </a:rPr>
-              <a:t> = vec2ToFloat(</a:t>
-            </a:r>
-            <a:r>
-              <a:rPr lang="en-AU" sz="1600" b="0" dirty="0" err="1">
-                <a:solidFill>
-                  <a:srgbClr val="CE9178"/>
-                </a:solidFill>
-                <a:effectLst/>
-                <a:latin typeface="Consolas" panose="020B0609020204030204" pitchFamily="49" charset="0"/>
-              </a:rPr>
-              <a:t>lookup.rg</a:t>
-            </a:r>
-            <a:r>
-              <a:rPr lang="en-AU" sz="1600" b="0" dirty="0">
-                <a:solidFill>
-                  <a:srgbClr val="CE9178"/>
-                </a:solidFill>
-                <a:effectLst/>
-                <a:latin typeface="Consolas" panose="020B0609020204030204" pitchFamily="49" charset="0"/>
-              </a:rPr>
-              <a:t>);</a:t>
-            </a:r>
-            <a:endParaRPr lang="en-AU" sz="1600" b="0" dirty="0">
-              <a:solidFill>
-                <a:srgbClr val="D4D4D4"/>
-              </a:solidFill>
-              <a:effectLst/>
-              <a:latin typeface="Consolas" panose="020B0609020204030204" pitchFamily="49" charset="0"/>
-            </a:endParaRPr>
-          </a:p>
-          <a:p>
-            <a:r>
-              <a:rPr lang="en-AU" sz="1600" b="0" dirty="0">
-                <a:solidFill>
-                  <a:srgbClr val="CE9178"/>
-                </a:solidFill>
-                <a:effectLst/>
-                <a:latin typeface="Consolas" panose="020B0609020204030204" pitchFamily="49" charset="0"/>
-              </a:rPr>
-              <a:t>            </a:t>
-            </a:r>
-            <a:r>
-              <a:rPr lang="en-AU" sz="1600" b="0" dirty="0" err="1">
-                <a:solidFill>
-                  <a:srgbClr val="CE9178"/>
-                </a:solidFill>
-                <a:effectLst/>
-                <a:latin typeface="Consolas" panose="020B0609020204030204" pitchFamily="49" charset="0"/>
-              </a:rPr>
-              <a:t>maxVal</a:t>
-            </a:r>
-            <a:r>
-              <a:rPr lang="en-AU" sz="1600" b="0" dirty="0">
-                <a:solidFill>
-                  <a:srgbClr val="CE9178"/>
-                </a:solidFill>
-                <a:effectLst/>
-                <a:latin typeface="Consolas" panose="020B0609020204030204" pitchFamily="49" charset="0"/>
-              </a:rPr>
-              <a:t> = vec2ToFloat(lookup.ba);</a:t>
-            </a:r>
-            <a:endParaRPr lang="en-AU" sz="1600" b="0" dirty="0">
-              <a:solidFill>
-                <a:srgbClr val="D4D4D4"/>
-              </a:solidFill>
-              <a:effectLst/>
-              <a:latin typeface="Consolas" panose="020B0609020204030204" pitchFamily="49" charset="0"/>
-            </a:endParaRPr>
-          </a:p>
-          <a:p>
-            <a:r>
-              <a:rPr lang="en-AU" sz="1600" b="0" dirty="0">
-                <a:solidFill>
-                  <a:srgbClr val="CE9178"/>
-                </a:solidFill>
-                <a:effectLst/>
-                <a:latin typeface="Consolas" panose="020B0609020204030204" pitchFamily="49" charset="0"/>
-              </a:rPr>
-              <a:t>        }</a:t>
-            </a:r>
-            <a:endParaRPr lang="en-AU" sz="1600" b="0" dirty="0">
-              <a:solidFill>
-                <a:srgbClr val="D4D4D4"/>
-              </a:solidFill>
-              <a:effectLst/>
-              <a:latin typeface="Consolas" panose="020B0609020204030204" pitchFamily="49" charset="0"/>
-            </a:endParaRPr>
-          </a:p>
-          <a:p>
-            <a:r>
-              <a:rPr lang="en-AU" sz="1600" b="0" dirty="0">
-                <a:solidFill>
-                  <a:srgbClr val="CE9178"/>
-                </a:solidFill>
-                <a:effectLst/>
-                <a:latin typeface="Consolas" panose="020B0609020204030204" pitchFamily="49" charset="0"/>
-              </a:rPr>
-              <a:t>        if(</a:t>
-            </a:r>
-            <a:r>
-              <a:rPr lang="en-AU" sz="1600" b="0" dirty="0" err="1">
-                <a:solidFill>
-                  <a:srgbClr val="CE9178"/>
-                </a:solidFill>
-                <a:effectLst/>
-                <a:latin typeface="Consolas" panose="020B0609020204030204" pitchFamily="49" charset="0"/>
-              </a:rPr>
-              <a:t>minVal</a:t>
-            </a:r>
-            <a:r>
-              <a:rPr lang="en-AU" sz="1600" b="0" dirty="0">
-                <a:solidFill>
-                  <a:srgbClr val="CE9178"/>
-                </a:solidFill>
-                <a:effectLst/>
-                <a:latin typeface="Consolas" panose="020B0609020204030204" pitchFamily="49" charset="0"/>
-              </a:rPr>
-              <a:t> &lt; </a:t>
-            </a:r>
-            <a:r>
-              <a:rPr lang="en-AU" sz="1600" b="0" dirty="0" err="1">
-                <a:solidFill>
-                  <a:srgbClr val="CE9178"/>
-                </a:solidFill>
-                <a:effectLst/>
-                <a:latin typeface="Consolas" panose="020B0609020204030204" pitchFamily="49" charset="0"/>
-              </a:rPr>
-              <a:t>localMinL</a:t>
-            </a:r>
-            <a:r>
-              <a:rPr lang="en-AU" sz="1600" b="0" dirty="0">
-                <a:solidFill>
-                  <a:srgbClr val="CE9178"/>
-                </a:solidFill>
-                <a:effectLst/>
-                <a:latin typeface="Consolas" panose="020B0609020204030204" pitchFamily="49" charset="0"/>
-              </a:rPr>
-              <a:t>){</a:t>
-            </a:r>
-            <a:endParaRPr lang="en-AU" sz="1600" b="0" dirty="0">
-              <a:solidFill>
-                <a:srgbClr val="D4D4D4"/>
-              </a:solidFill>
-              <a:effectLst/>
-              <a:latin typeface="Consolas" panose="020B0609020204030204" pitchFamily="49" charset="0"/>
-            </a:endParaRPr>
-          </a:p>
-          <a:p>
-            <a:r>
-              <a:rPr lang="en-AU" sz="1600" b="0" dirty="0">
-                <a:solidFill>
-                  <a:srgbClr val="CE9178"/>
-                </a:solidFill>
-                <a:effectLst/>
-                <a:latin typeface="Consolas" panose="020B0609020204030204" pitchFamily="49" charset="0"/>
-              </a:rPr>
-              <a:t>            float diff = </a:t>
-            </a:r>
-            <a:r>
-              <a:rPr lang="en-AU" sz="1600" b="0" dirty="0" err="1">
-                <a:solidFill>
-                  <a:srgbClr val="CE9178"/>
-                </a:solidFill>
-                <a:effectLst/>
-                <a:latin typeface="Consolas" panose="020B0609020204030204" pitchFamily="49" charset="0"/>
-              </a:rPr>
-              <a:t>minVal</a:t>
-            </a:r>
-            <a:r>
-              <a:rPr lang="en-AU" sz="1600" b="0" dirty="0">
-                <a:solidFill>
-                  <a:srgbClr val="CE9178"/>
-                </a:solidFill>
-                <a:effectLst/>
-                <a:latin typeface="Consolas" panose="020B0609020204030204" pitchFamily="49" charset="0"/>
-              </a:rPr>
-              <a:t> - </a:t>
-            </a:r>
-            <a:r>
-              <a:rPr lang="en-AU" sz="1600" b="0" dirty="0" err="1">
-                <a:solidFill>
-                  <a:srgbClr val="CE9178"/>
-                </a:solidFill>
-                <a:effectLst/>
-                <a:latin typeface="Consolas" panose="020B0609020204030204" pitchFamily="49" charset="0"/>
-              </a:rPr>
-              <a:t>localMinL</a:t>
-            </a:r>
-            <a:r>
-              <a:rPr lang="en-AU" sz="1600" b="0" dirty="0">
-                <a:solidFill>
-                  <a:srgbClr val="CE9178"/>
-                </a:solidFill>
-                <a:effectLst/>
-                <a:latin typeface="Consolas" panose="020B0609020204030204" pitchFamily="49" charset="0"/>
-              </a:rPr>
-              <a:t>;</a:t>
-            </a:r>
-            <a:endParaRPr lang="en-AU" sz="1600" b="0" dirty="0">
-              <a:solidFill>
-                <a:srgbClr val="D4D4D4"/>
-              </a:solidFill>
-              <a:effectLst/>
-              <a:latin typeface="Consolas" panose="020B0609020204030204" pitchFamily="49" charset="0"/>
-            </a:endParaRPr>
-          </a:p>
-          <a:p>
-            <a:r>
-              <a:rPr lang="en-AU" sz="1600" b="0" dirty="0">
-                <a:solidFill>
-                  <a:srgbClr val="CE9178"/>
-                </a:solidFill>
-                <a:effectLst/>
-                <a:latin typeface="Consolas" panose="020B0609020204030204" pitchFamily="49" charset="0"/>
-              </a:rPr>
-              <a:t>            </a:t>
-            </a:r>
-            <a:r>
-              <a:rPr lang="en-AU" sz="1600" b="0" dirty="0" err="1">
-                <a:solidFill>
-                  <a:srgbClr val="CE9178"/>
-                </a:solidFill>
-                <a:effectLst/>
-                <a:latin typeface="Consolas" panose="020B0609020204030204" pitchFamily="49" charset="0"/>
-              </a:rPr>
-              <a:t>localMinL</a:t>
-            </a:r>
-            <a:r>
-              <a:rPr lang="en-AU" sz="1600" b="0" dirty="0">
-                <a:solidFill>
-                  <a:srgbClr val="CE9178"/>
-                </a:solidFill>
-                <a:effectLst/>
-                <a:latin typeface="Consolas" panose="020B0609020204030204" pitchFamily="49" charset="0"/>
-              </a:rPr>
-              <a:t> += diff * exp(-</a:t>
-            </a:r>
-            <a:r>
-              <a:rPr lang="en-AU" sz="1600" b="0" dirty="0" err="1">
-                <a:solidFill>
-                  <a:srgbClr val="CE9178"/>
-                </a:solidFill>
-                <a:effectLst/>
-                <a:latin typeface="Consolas" panose="020B0609020204030204" pitchFamily="49" charset="0"/>
-              </a:rPr>
-              <a:t>uMinusR</a:t>
-            </a:r>
-            <a:r>
-              <a:rPr lang="en-AU" sz="1600" b="0" dirty="0">
-                <a:solidFill>
-                  <a:srgbClr val="CE9178"/>
-                </a:solidFill>
-                <a:effectLst/>
-                <a:latin typeface="Consolas" panose="020B0609020204030204" pitchFamily="49" charset="0"/>
-              </a:rPr>
-              <a:t> * diff * </a:t>
-            </a:r>
-            <a:r>
-              <a:rPr lang="en-AU" sz="1600" b="0" dirty="0" err="1">
-                <a:solidFill>
-                  <a:srgbClr val="CE9178"/>
-                </a:solidFill>
-                <a:effectLst/>
-                <a:latin typeface="Consolas" panose="020B0609020204030204" pitchFamily="49" charset="0"/>
-              </a:rPr>
-              <a:t>expScale</a:t>
-            </a:r>
-            <a:r>
-              <a:rPr lang="en-AU" sz="1600" b="0" dirty="0">
-                <a:solidFill>
-                  <a:srgbClr val="CE9178"/>
-                </a:solidFill>
-                <a:effectLst/>
-                <a:latin typeface="Consolas" panose="020B0609020204030204" pitchFamily="49" charset="0"/>
-              </a:rPr>
-              <a:t>);</a:t>
-            </a:r>
-            <a:endParaRPr lang="en-AU" sz="1600" b="0" dirty="0">
-              <a:solidFill>
-                <a:srgbClr val="D4D4D4"/>
-              </a:solidFill>
-              <a:effectLst/>
-              <a:latin typeface="Consolas" panose="020B0609020204030204" pitchFamily="49" charset="0"/>
-            </a:endParaRPr>
-          </a:p>
-          <a:p>
-            <a:r>
-              <a:rPr lang="en-AU" sz="1600" b="0" dirty="0">
-                <a:solidFill>
-                  <a:srgbClr val="CE9178"/>
-                </a:solidFill>
-                <a:effectLst/>
-                <a:latin typeface="Consolas" panose="020B0609020204030204" pitchFamily="49" charset="0"/>
-              </a:rPr>
-              <a:t>        }</a:t>
-            </a:r>
-            <a:endParaRPr lang="en-AU" sz="1600" b="0" dirty="0">
-              <a:solidFill>
-                <a:srgbClr val="D4D4D4"/>
-              </a:solidFill>
-              <a:effectLst/>
-              <a:latin typeface="Consolas" panose="020B0609020204030204" pitchFamily="49" charset="0"/>
-            </a:endParaRPr>
-          </a:p>
-          <a:p>
-            <a:r>
-              <a:rPr lang="en-AU" sz="1600" b="0" dirty="0">
-                <a:solidFill>
-                  <a:srgbClr val="CE9178"/>
-                </a:solidFill>
-                <a:effectLst/>
-                <a:latin typeface="Consolas" panose="020B0609020204030204" pitchFamily="49" charset="0"/>
-              </a:rPr>
-              <a:t>        if(</a:t>
-            </a:r>
-            <a:r>
-              <a:rPr lang="en-AU" sz="1600" b="0" dirty="0" err="1">
-                <a:solidFill>
-                  <a:srgbClr val="CE9178"/>
-                </a:solidFill>
-                <a:effectLst/>
-                <a:latin typeface="Consolas" panose="020B0609020204030204" pitchFamily="49" charset="0"/>
-              </a:rPr>
-              <a:t>maxVal</a:t>
-            </a:r>
-            <a:r>
-              <a:rPr lang="en-AU" sz="1600" b="0" dirty="0">
-                <a:solidFill>
-                  <a:srgbClr val="CE9178"/>
-                </a:solidFill>
-                <a:effectLst/>
-                <a:latin typeface="Consolas" panose="020B0609020204030204" pitchFamily="49" charset="0"/>
-              </a:rPr>
-              <a:t> &gt; </a:t>
-            </a:r>
-            <a:r>
-              <a:rPr lang="en-AU" sz="1600" b="0" dirty="0" err="1">
-                <a:solidFill>
-                  <a:srgbClr val="CE9178"/>
-                </a:solidFill>
-                <a:effectLst/>
-                <a:latin typeface="Consolas" panose="020B0609020204030204" pitchFamily="49" charset="0"/>
-              </a:rPr>
-              <a:t>localMaxL</a:t>
-            </a:r>
-            <a:r>
-              <a:rPr lang="en-AU" sz="1600" b="0" dirty="0">
-                <a:solidFill>
-                  <a:srgbClr val="CE9178"/>
-                </a:solidFill>
-                <a:effectLst/>
-                <a:latin typeface="Consolas" panose="020B0609020204030204" pitchFamily="49" charset="0"/>
-              </a:rPr>
-              <a:t>){</a:t>
-            </a:r>
-            <a:endParaRPr lang="en-AU" sz="1600" b="0" dirty="0">
-              <a:solidFill>
-                <a:srgbClr val="D4D4D4"/>
-              </a:solidFill>
-              <a:effectLst/>
-              <a:latin typeface="Consolas" panose="020B0609020204030204" pitchFamily="49" charset="0"/>
-            </a:endParaRPr>
-          </a:p>
-          <a:p>
-            <a:r>
-              <a:rPr lang="en-AU" sz="1600" b="0" dirty="0">
-                <a:solidFill>
-                  <a:srgbClr val="CE9178"/>
-                </a:solidFill>
-                <a:effectLst/>
-                <a:latin typeface="Consolas" panose="020B0609020204030204" pitchFamily="49" charset="0"/>
-              </a:rPr>
-              <a:t>            float diff = </a:t>
-            </a:r>
-            <a:r>
-              <a:rPr lang="en-AU" sz="1600" b="0" dirty="0" err="1">
-                <a:solidFill>
-                  <a:srgbClr val="CE9178"/>
-                </a:solidFill>
-                <a:effectLst/>
-                <a:latin typeface="Consolas" panose="020B0609020204030204" pitchFamily="49" charset="0"/>
-              </a:rPr>
-              <a:t>maxVal</a:t>
-            </a:r>
-            <a:r>
-              <a:rPr lang="en-AU" sz="1600" b="0" dirty="0">
-                <a:solidFill>
-                  <a:srgbClr val="CE9178"/>
-                </a:solidFill>
-                <a:effectLst/>
-                <a:latin typeface="Consolas" panose="020B0609020204030204" pitchFamily="49" charset="0"/>
-              </a:rPr>
-              <a:t> - </a:t>
-            </a:r>
-            <a:r>
-              <a:rPr lang="en-AU" sz="1600" b="0" dirty="0" err="1">
-                <a:solidFill>
-                  <a:srgbClr val="CE9178"/>
-                </a:solidFill>
-                <a:effectLst/>
-                <a:latin typeface="Consolas" panose="020B0609020204030204" pitchFamily="49" charset="0"/>
-              </a:rPr>
-              <a:t>localMaxL</a:t>
-            </a:r>
-            <a:r>
-              <a:rPr lang="en-AU" sz="1600" b="0" dirty="0">
-                <a:solidFill>
-                  <a:srgbClr val="CE9178"/>
-                </a:solidFill>
-                <a:effectLst/>
-                <a:latin typeface="Consolas" panose="020B0609020204030204" pitchFamily="49" charset="0"/>
-              </a:rPr>
-              <a:t>;</a:t>
-            </a:r>
-            <a:endParaRPr lang="en-AU" sz="1600" b="0" dirty="0">
-              <a:solidFill>
-                <a:srgbClr val="D4D4D4"/>
-              </a:solidFill>
-              <a:effectLst/>
-              <a:latin typeface="Consolas" panose="020B0609020204030204" pitchFamily="49" charset="0"/>
-            </a:endParaRPr>
-          </a:p>
-          <a:p>
-            <a:r>
-              <a:rPr lang="en-AU" sz="1600" b="0" dirty="0">
-                <a:solidFill>
-                  <a:srgbClr val="CE9178"/>
-                </a:solidFill>
-                <a:effectLst/>
-                <a:latin typeface="Consolas" panose="020B0609020204030204" pitchFamily="49" charset="0"/>
-              </a:rPr>
-              <a:t>            </a:t>
-            </a:r>
-            <a:r>
-              <a:rPr lang="en-AU" sz="1600" b="0" dirty="0" err="1">
-                <a:solidFill>
-                  <a:srgbClr val="CE9178"/>
-                </a:solidFill>
-                <a:effectLst/>
-                <a:latin typeface="Consolas" panose="020B0609020204030204" pitchFamily="49" charset="0"/>
-              </a:rPr>
-              <a:t>localMaxL</a:t>
-            </a:r>
-            <a:r>
-              <a:rPr lang="en-AU" sz="1600" b="0" dirty="0">
-                <a:solidFill>
-                  <a:srgbClr val="CE9178"/>
-                </a:solidFill>
-                <a:effectLst/>
-                <a:latin typeface="Consolas" panose="020B0609020204030204" pitchFamily="49" charset="0"/>
-              </a:rPr>
-              <a:t> += diff * exp(</a:t>
-            </a:r>
-            <a:r>
-              <a:rPr lang="en-AU" sz="1600" b="0" dirty="0" err="1">
-                <a:solidFill>
-                  <a:srgbClr val="CE9178"/>
-                </a:solidFill>
-                <a:effectLst/>
-                <a:latin typeface="Consolas" panose="020B0609020204030204" pitchFamily="49" charset="0"/>
-              </a:rPr>
-              <a:t>uMinusR</a:t>
-            </a:r>
-            <a:r>
-              <a:rPr lang="en-AU" sz="1600" b="0" dirty="0">
-                <a:solidFill>
-                  <a:srgbClr val="CE9178"/>
-                </a:solidFill>
-                <a:effectLst/>
-                <a:latin typeface="Consolas" panose="020B0609020204030204" pitchFamily="49" charset="0"/>
-              </a:rPr>
-              <a:t> * diff * </a:t>
-            </a:r>
-            <a:r>
-              <a:rPr lang="en-AU" sz="1600" b="0" dirty="0" err="1">
-                <a:solidFill>
-                  <a:srgbClr val="CE9178"/>
-                </a:solidFill>
-                <a:effectLst/>
-                <a:latin typeface="Consolas" panose="020B0609020204030204" pitchFamily="49" charset="0"/>
-              </a:rPr>
-              <a:t>expScale</a:t>
-            </a:r>
-            <a:r>
-              <a:rPr lang="en-AU" sz="1600" b="0" dirty="0">
-                <a:solidFill>
-                  <a:srgbClr val="CE9178"/>
-                </a:solidFill>
-                <a:effectLst/>
-                <a:latin typeface="Consolas" panose="020B0609020204030204" pitchFamily="49" charset="0"/>
-              </a:rPr>
-              <a:t>);</a:t>
-            </a:r>
-            <a:endParaRPr lang="en-AU" sz="1600" b="0" dirty="0">
-              <a:solidFill>
-                <a:srgbClr val="D4D4D4"/>
-              </a:solidFill>
-              <a:effectLst/>
-              <a:latin typeface="Consolas" panose="020B0609020204030204" pitchFamily="49" charset="0"/>
-            </a:endParaRPr>
-          </a:p>
-          <a:p>
-            <a:r>
-              <a:rPr lang="en-AU" sz="1600" b="0" dirty="0">
-                <a:solidFill>
-                  <a:srgbClr val="CE9178"/>
-                </a:solidFill>
-                <a:effectLst/>
-                <a:latin typeface="Consolas" panose="020B0609020204030204" pitchFamily="49" charset="0"/>
-              </a:rPr>
-              <a:t>        }</a:t>
-            </a:r>
-            <a:endParaRPr lang="en-AU" sz="1600" b="0" dirty="0">
-              <a:solidFill>
-                <a:srgbClr val="D4D4D4"/>
-              </a:solidFill>
-              <a:effectLst/>
-              <a:latin typeface="Consolas" panose="020B0609020204030204" pitchFamily="49" charset="0"/>
-            </a:endParaRPr>
-          </a:p>
-          <a:p>
-            <a:r>
-              <a:rPr lang="en-AU" sz="1600" b="0" dirty="0">
-                <a:solidFill>
-                  <a:srgbClr val="CE9178"/>
-                </a:solidFill>
-                <a:effectLst/>
-                <a:latin typeface="Consolas" panose="020B0609020204030204" pitchFamily="49" charset="0"/>
-              </a:rPr>
-              <a:t>    }</a:t>
-            </a:r>
-            <a:endParaRPr lang="en-AU" sz="1600" b="0" dirty="0">
-              <a:solidFill>
-                <a:srgbClr val="D4D4D4"/>
-              </a:solidFill>
-              <a:effectLst/>
-              <a:latin typeface="Consolas" panose="020B0609020204030204" pitchFamily="49" charset="0"/>
-            </a:endParaRPr>
+            <a:pPr marL="217487" indent="0">
+              <a:spcAft>
+                <a:spcPts val="1425"/>
+              </a:spcAft>
+              <a:buSzPct val="45000"/>
+            </a:pPr>
+            <a:r>
+              <a:rPr lang="en-US" altLang="en-US" sz="2000" dirty="0"/>
+              <a:t>Rapiscan two-pass implementation avoids diagonals as computationally expensive</a:t>
+            </a:r>
           </a:p>
         </p:txBody>
       </p:sp>
+      <p:graphicFrame>
+        <p:nvGraphicFramePr>
+          <p:cNvPr id="2" name="Object 1">
+            <a:extLst>
+              <a:ext uri="{FF2B5EF4-FFF2-40B4-BE49-F238E27FC236}">
+                <a16:creationId xmlns:a16="http://schemas.microsoft.com/office/drawing/2014/main" id="{CF313E88-766F-5191-5B58-6BC4E7843488}"/>
+              </a:ext>
+            </a:extLst>
+          </p:cNvPr>
+          <p:cNvGraphicFramePr>
+            <a:graphicFrameLocks noChangeAspect="1"/>
+          </p:cNvGraphicFramePr>
+          <p:nvPr>
+            <p:extLst>
+              <p:ext uri="{D42A27DB-BD31-4B8C-83A1-F6EECF244321}">
+                <p14:modId xmlns:p14="http://schemas.microsoft.com/office/powerpoint/2010/main" val="2483123565"/>
+              </p:ext>
+            </p:extLst>
+          </p:nvPr>
+        </p:nvGraphicFramePr>
+        <p:xfrm>
+          <a:off x="1148715" y="1714500"/>
+          <a:ext cx="5905500" cy="5159375"/>
+        </p:xfrm>
+        <a:graphic>
+          <a:graphicData uri="http://schemas.openxmlformats.org/presentationml/2006/ole">
+            <mc:AlternateContent xmlns:mc="http://schemas.openxmlformats.org/markup-compatibility/2006">
+              <mc:Choice xmlns:v="urn:schemas-microsoft-com:vml" Requires="v">
+                <p:oleObj name="Bitmap Image" r:id="rId3" imgW="5905440" imgH="5158800" progId="PBrush">
+                  <p:embed/>
+                </p:oleObj>
+              </mc:Choice>
+              <mc:Fallback>
+                <p:oleObj name="Bitmap Image" r:id="rId3" imgW="5905440" imgH="5158800" progId="PBrush">
+                  <p:embed/>
+                  <p:pic>
+                    <p:nvPicPr>
+                      <p:cNvPr id="2" name="Object 1">
+                        <a:extLst>
+                          <a:ext uri="{FF2B5EF4-FFF2-40B4-BE49-F238E27FC236}">
+                            <a16:creationId xmlns:a16="http://schemas.microsoft.com/office/drawing/2014/main" id="{CF313E88-766F-5191-5B58-6BC4E7843488}"/>
+                          </a:ext>
+                        </a:extLst>
+                      </p:cNvPr>
+                      <p:cNvPicPr/>
+                      <p:nvPr/>
+                    </p:nvPicPr>
+                    <p:blipFill>
+                      <a:blip r:embed="rId4"/>
+                      <a:stretch>
+                        <a:fillRect/>
+                      </a:stretch>
+                    </p:blipFill>
+                    <p:spPr>
+                      <a:xfrm>
+                        <a:off x="1148715" y="1714500"/>
+                        <a:ext cx="5905500" cy="5159375"/>
+                      </a:xfrm>
+                      <a:prstGeom prst="rect">
+                        <a:avLst/>
+                      </a:prstGeom>
+                    </p:spPr>
+                  </p:pic>
+                </p:oleObj>
+              </mc:Fallback>
+            </mc:AlternateContent>
+          </a:graphicData>
+        </a:graphic>
+      </p:graphicFrame>
     </p:spTree>
     <p:extLst>
       <p:ext uri="{BB962C8B-B14F-4D97-AF65-F5344CB8AC3E}">
-        <p14:creationId xmlns:p14="http://schemas.microsoft.com/office/powerpoint/2010/main" val="210707199"/>
+        <p14:creationId xmlns:p14="http://schemas.microsoft.com/office/powerpoint/2010/main" val="2964868944"/>
       </p:ext>
     </p:extLst>
   </p:cSld>
@@ -14400,8 +14041,8 @@
         </p:nvSpPr>
         <p:spPr bwMode="auto">
           <a:xfrm>
-            <a:off x="1" y="1368426"/>
-            <a:ext cx="9921240" cy="6072504"/>
+            <a:off x="160020" y="2011680"/>
+            <a:ext cx="9774555" cy="4914899"/>
           </a:xfrm>
           <a:prstGeom prst="rect">
             <a:avLst/>
@@ -14720,13 +14361,15 @@
             <a:r>
               <a:rPr lang="en-AU" sz="1600" b="0" dirty="0">
                 <a:solidFill>
-                  <a:schemeClr val="accent6"/>
-                </a:solidFill>
-                <a:effectLst/>
-                <a:latin typeface="Consolas" panose="020B0609020204030204" pitchFamily="49" charset="0"/>
-              </a:rPr>
-              <a:t>    // get right sample from current source ping-pong FBO</a:t>
-            </a:r>
+                  <a:srgbClr val="CE9178"/>
+                </a:solidFill>
+                <a:effectLst/>
+                <a:latin typeface="Consolas" panose="020B0609020204030204" pitchFamily="49" charset="0"/>
+              </a:rPr>
+              <a:t>void main(void) {</a:t>
+            </a:r>
+          </a:p>
+          <a:p>
             <a:endParaRPr lang="en-AU" sz="1600" b="0" dirty="0">
               <a:solidFill>
                 <a:srgbClr val="CE9178"/>
@@ -14737,6 +14380,33 @@
           </a:p>
           <a:p>
             <a:r>
+              <a:rPr lang="en-AU" sz="1600" dirty="0">
+                <a:solidFill>
+                  <a:srgbClr val="CE9178"/>
+                </a:solidFill>
+                <a:latin typeface="Consolas" panose="020B0609020204030204" pitchFamily="49" charset="0"/>
+              </a:rPr>
+              <a:t>    </a:t>
+            </a:r>
+            <a:r>
+              <a:rPr lang="en-AU" sz="1600" dirty="0">
+                <a:solidFill>
+                  <a:schemeClr val="accent6"/>
+                </a:solidFill>
+                <a:latin typeface="Consolas" panose="020B0609020204030204" pitchFamily="49" charset="0"/>
+              </a:rPr>
+              <a:t>// get texture coordinate of current fragment</a:t>
+            </a:r>
+            <a:endParaRPr lang="en-AU" sz="1600" b="0" dirty="0">
+              <a:solidFill>
+                <a:schemeClr val="accent6"/>
+              </a:solidFill>
+              <a:effectLst/>
+              <a:latin typeface="Consolas" panose="020B0609020204030204" pitchFamily="49" charset="0"/>
+            </a:endParaRPr>
+          </a:p>
+          <a:p>
+            <a:r>
               <a:rPr lang="en-AU" sz="1600" b="0" dirty="0">
                 <a:solidFill>
                   <a:srgbClr val="CE9178"/>
@@ -14744,7 +14414,7 @@
                 <a:effectLst/>
                 <a:latin typeface="Consolas" panose="020B0609020204030204" pitchFamily="49" charset="0"/>
               </a:rPr>
-              <a:t>    if(</a:t>
+              <a:t>    ivec2 </a:t>
             </a:r>
             <a:r>
               <a:rPr lang="en-AU" sz="1600" b="0" dirty="0" err="1">
@@ -14754,7 +14424,7 @@
                 <a:effectLst/>
                 <a:latin typeface="Consolas" panose="020B0609020204030204" pitchFamily="49" charset="0"/>
               </a:rPr>
-              <a:t>vPixelCoord.x</a:t>
+              <a:t>vPixelCoord</a:t>
             </a:r>
             <a:r>
               <a:rPr lang="en-AU" sz="1600" b="0" dirty="0">
@@ -14764,7 +14434,7 @@
                 <a:effectLst/>
                 <a:latin typeface="Consolas" panose="020B0609020204030204" pitchFamily="49" charset="0"/>
               </a:rPr>
-              <a:t> &lt; </a:t>
+              <a:t> = ivec2(</a:t>
             </a:r>
             <a:r>
               <a:rPr lang="en-AU" sz="1600" b="0" dirty="0" err="1">
@@ -14774,7 +14444,7 @@
                 <a:effectLst/>
                 <a:latin typeface="Consolas" panose="020B0609020204030204" pitchFamily="49" charset="0"/>
               </a:rPr>
-              <a:t>uColumns</a:t>
+              <a:t>gl_FragCoord.xy</a:t>
             </a:r>
             <a:r>
               <a:rPr lang="en-AU" sz="1600" b="0" dirty="0">
@@ -14784,7 +14454,76 @@
                 <a:effectLst/>
                 <a:latin typeface="Consolas" panose="020B0609020204030204" pitchFamily="49" charset="0"/>
               </a:rPr>
-              <a:t> - </a:t>
+              <a:t>);</a:t>
+            </a:r>
+          </a:p>
+          <a:p>
+            <a:r>
+              <a:rPr lang="en-AU" sz="1600" dirty="0">
+                <a:solidFill>
+                  <a:srgbClr val="CE9178"/>
+                </a:solidFill>
+                <a:latin typeface="Consolas" panose="020B0609020204030204" pitchFamily="49" charset="0"/>
+              </a:rPr>
+              <a:t>    </a:t>
+            </a:r>
+            <a:r>
+              <a:rPr lang="en-AU" sz="1600" dirty="0">
+                <a:solidFill>
+                  <a:schemeClr val="accent6"/>
+                </a:solidFill>
+                <a:latin typeface="Consolas" panose="020B0609020204030204" pitchFamily="49" charset="0"/>
+              </a:rPr>
+              <a:t>// look up current minmax from either original image (first pass)</a:t>
+            </a:r>
+          </a:p>
+          <a:p>
+            <a:r>
+              <a:rPr lang="en-AU" sz="1600" dirty="0">
+                <a:solidFill>
+                  <a:schemeClr val="accent6"/>
+                </a:solidFill>
+                <a:latin typeface="Consolas" panose="020B0609020204030204" pitchFamily="49" charset="0"/>
+              </a:rPr>
+              <a:t>    </a:t>
+            </a:r>
+            <a:r>
+              <a:rPr lang="en-AU" sz="1600" b="0" dirty="0">
+                <a:solidFill>
+                  <a:schemeClr val="accent6"/>
+                </a:solidFill>
+                <a:effectLst/>
+                <a:latin typeface="Consolas" panose="020B0609020204030204" pitchFamily="49" charset="0"/>
+              </a:rPr>
+              <a:t>// or </a:t>
+            </a:r>
+            <a:r>
+              <a:rPr lang="en-AU" sz="1600" dirty="0">
+                <a:solidFill>
+                  <a:schemeClr val="accent6"/>
+                </a:solidFill>
+                <a:latin typeface="Consolas" panose="020B0609020204030204" pitchFamily="49" charset="0"/>
+              </a:rPr>
+              <a:t>minmax FBO</a:t>
+            </a:r>
+            <a:endParaRPr lang="en-AU" sz="1600" b="0" dirty="0">
+              <a:solidFill>
+                <a:schemeClr val="accent6"/>
+              </a:solidFill>
+              <a:effectLst/>
+              <a:latin typeface="Consolas" panose="020B0609020204030204" pitchFamily="49" charset="0"/>
+            </a:endParaRPr>
+          </a:p>
+          <a:p>
+            <a:r>
+              <a:rPr lang="en-AU" sz="1600" b="0" dirty="0">
+                <a:solidFill>
+                  <a:srgbClr val="CE9178"/>
+                </a:solidFill>
+                <a:effectLst/>
+                <a:latin typeface="Consolas" panose="020B0609020204030204" pitchFamily="49" charset="0"/>
+              </a:rPr>
+              <a:t>    int </a:t>
             </a:r>
             <a:r>
               <a:rPr lang="en-AU" sz="1600" b="0" dirty="0" err="1">
@@ -14794,7 +14533,7 @@
                 <a:effectLst/>
                 <a:latin typeface="Consolas" panose="020B0609020204030204" pitchFamily="49" charset="0"/>
               </a:rPr>
-              <a:t>uWindowSize</a:t>
+              <a:t>flippedRow</a:t>
             </a:r>
             <a:r>
               <a:rPr lang="en-AU" sz="1600" b="0" dirty="0">
@@ -14804,7 +14543,47 @@
                 <a:effectLst/>
                 <a:latin typeface="Consolas" panose="020B0609020204030204" pitchFamily="49" charset="0"/>
               </a:rPr>
-              <a:t>){</a:t>
+              <a:t> = </a:t>
+            </a:r>
+            <a:r>
+              <a:rPr lang="en-AU" sz="1600" b="0" dirty="0" err="1">
+                <a:solidFill>
+                  <a:srgbClr val="CE9178"/>
+                </a:solidFill>
+                <a:effectLst/>
+                <a:latin typeface="Consolas" panose="020B0609020204030204" pitchFamily="49" charset="0"/>
+              </a:rPr>
+              <a:t>uFlipped</a:t>
+            </a:r>
+            <a:r>
+              <a:rPr lang="en-AU" sz="1600" b="0" dirty="0">
+                <a:solidFill>
+                  <a:srgbClr val="CE9178"/>
+                </a:solidFill>
+                <a:effectLst/>
+                <a:latin typeface="Consolas" panose="020B0609020204030204" pitchFamily="49" charset="0"/>
+              </a:rPr>
+              <a:t> &gt; 0 ? uRows-1-vPixelCoord.y : </a:t>
+            </a:r>
+            <a:r>
+              <a:rPr lang="en-AU" sz="1600" b="0" dirty="0" err="1">
+                <a:solidFill>
+                  <a:srgbClr val="CE9178"/>
+                </a:solidFill>
+                <a:effectLst/>
+                <a:latin typeface="Consolas" panose="020B0609020204030204" pitchFamily="49" charset="0"/>
+              </a:rPr>
+              <a:t>vPixelCoord.y</a:t>
+            </a:r>
+            <a:r>
+              <a:rPr lang="en-AU" sz="1600" b="0" dirty="0">
+                <a:solidFill>
+                  <a:srgbClr val="CE9178"/>
+                </a:solidFill>
+                <a:effectLst/>
+                <a:latin typeface="Consolas" panose="020B0609020204030204" pitchFamily="49" charset="0"/>
+              </a:rPr>
+              <a:t>;</a:t>
             </a:r>
             <a:endParaRPr lang="en-AU" sz="1600" b="0" dirty="0">
               <a:solidFill>
@@ -14823,7 +14602,7 @@
                 <a:effectLst/>
                 <a:latin typeface="Consolas" panose="020B0609020204030204" pitchFamily="49" charset="0"/>
               </a:rPr>
-              <a:t>        lookup = </a:t>
+              <a:t>    vec4 lookup = </a:t>
             </a:r>
             <a:r>
               <a:rPr lang="en-AU" sz="1600" b="0" dirty="0" err="1">
@@ -14883,7 +14662,7 @@
                 <a:effectLst/>
                 <a:latin typeface="Consolas" panose="020B0609020204030204" pitchFamily="49" charset="0"/>
               </a:rPr>
-              <a:t> + </a:t>
+              <a:t>, </a:t>
             </a:r>
             <a:r>
               <a:rPr lang="en-AU" sz="1600" b="0" dirty="0" err="1">
@@ -14893,7 +14672,7 @@
                 <a:effectLst/>
                 <a:latin typeface="Consolas" panose="020B0609020204030204" pitchFamily="49" charset="0"/>
               </a:rPr>
-              <a:t>uWindowSize</a:t>
+              <a:t>flippedRow</a:t>
             </a:r>
             <a:r>
               <a:rPr lang="en-AU" sz="1600" b="0" dirty="0">
@@ -14903,49 +14682,7 @@
                 <a:effectLst/>
                 <a:latin typeface="Consolas" panose="020B0609020204030204" pitchFamily="49" charset="0"/>
               </a:rPr>
-              <a:t>, </a:t>
-            </a:r>
-            <a:r>
-              <a:rPr lang="en-AU" sz="1600" b="0" dirty="0" err="1">
-                <a:solidFill>
-                  <a:srgbClr val="CE9178"/>
-                </a:solidFill>
-                <a:effectLst/>
-                <a:latin typeface="Consolas" panose="020B0609020204030204" pitchFamily="49" charset="0"/>
-              </a:rPr>
-              <a:t>flippedRow</a:t>
-            </a:r>
-            <a:r>
-              <a:rPr lang="en-AU" sz="1600" b="0" dirty="0">
-                <a:solidFill>
-                  <a:srgbClr val="CE9178"/>
-                </a:solidFill>
-                <a:effectLst/>
-                <a:latin typeface="Consolas" panose="020B0609020204030204" pitchFamily="49" charset="0"/>
-              </a:rPr>
               <a:t>), 0);</a:t>
-            </a:r>
-          </a:p>
-          <a:p>
-            <a:r>
-              <a:rPr lang="en-AU" sz="1600" dirty="0">
-                <a:solidFill>
-                  <a:schemeClr val="accent6"/>
-                </a:solidFill>
-                <a:latin typeface="Consolas" panose="020B0609020204030204" pitchFamily="49" charset="0"/>
-              </a:rPr>
-              <a:t>		// update minmax at pixel with contribution from row sample, </a:t>
-            </a:r>
-          </a:p>
-          <a:p>
-            <a:r>
-              <a:rPr lang="en-AU" sz="1600" dirty="0">
-                <a:solidFill>
-                  <a:schemeClr val="accent6"/>
-                </a:solidFill>
-                <a:latin typeface="Consolas" panose="020B0609020204030204" pitchFamily="49" charset="0"/>
-              </a:rPr>
-              <a:t>		// scaled with exponential distance falloff</a:t>
             </a:r>
             <a:endParaRPr lang="en-AU" sz="1600" b="0" dirty="0">
               <a:solidFill>
@@ -14964,7 +14701,7 @@
                 <a:effectLst/>
                 <a:latin typeface="Consolas" panose="020B0609020204030204" pitchFamily="49" charset="0"/>
               </a:rPr>
-              <a:t>        if(</a:t>
+              <a:t>    float </a:t>
             </a:r>
             <a:r>
               <a:rPr lang="en-AU" sz="1600" b="0" dirty="0" err="1">
@@ -14974,7 +14711,7 @@
                 <a:effectLst/>
                 <a:latin typeface="Consolas" panose="020B0609020204030204" pitchFamily="49" charset="0"/>
               </a:rPr>
-              <a:t>uFlipped</a:t>
+              <a:t>localMinL</a:t>
             </a:r>
             <a:r>
               <a:rPr lang="en-AU" sz="1600" b="0" dirty="0">
@@ -14984,7 +14721,67 @@
                 <a:effectLst/>
                 <a:latin typeface="Consolas" panose="020B0609020204030204" pitchFamily="49" charset="0"/>
               </a:rPr>
-              <a:t> &gt; 0){</a:t>
+              <a:t>, </a:t>
+            </a:r>
+            <a:r>
+              <a:rPr lang="en-AU" sz="1600" b="0" dirty="0" err="1">
+                <a:solidFill>
+                  <a:srgbClr val="CE9178"/>
+                </a:solidFill>
+                <a:effectLst/>
+                <a:latin typeface="Consolas" panose="020B0609020204030204" pitchFamily="49" charset="0"/>
+              </a:rPr>
+              <a:t>localMinR</a:t>
+            </a:r>
+            <a:r>
+              <a:rPr lang="en-AU" sz="1600" b="0" dirty="0">
+                <a:solidFill>
+                  <a:srgbClr val="CE9178"/>
+                </a:solidFill>
+                <a:effectLst/>
+                <a:latin typeface="Consolas" panose="020B0609020204030204" pitchFamily="49" charset="0"/>
+              </a:rPr>
+              <a:t>, </a:t>
+            </a:r>
+            <a:r>
+              <a:rPr lang="en-AU" sz="1600" b="0" dirty="0" err="1">
+                <a:solidFill>
+                  <a:srgbClr val="CE9178"/>
+                </a:solidFill>
+                <a:effectLst/>
+                <a:latin typeface="Consolas" panose="020B0609020204030204" pitchFamily="49" charset="0"/>
+              </a:rPr>
+              <a:t>localMaxL</a:t>
+            </a:r>
+            <a:r>
+              <a:rPr lang="en-AU" sz="1600" b="0" dirty="0">
+                <a:solidFill>
+                  <a:srgbClr val="CE9178"/>
+                </a:solidFill>
+                <a:effectLst/>
+                <a:latin typeface="Consolas" panose="020B0609020204030204" pitchFamily="49" charset="0"/>
+              </a:rPr>
+              <a:t>, </a:t>
+            </a:r>
+            <a:r>
+              <a:rPr lang="en-AU" sz="1600" b="0" dirty="0" err="1">
+                <a:solidFill>
+                  <a:srgbClr val="CE9178"/>
+                </a:solidFill>
+                <a:effectLst/>
+                <a:latin typeface="Consolas" panose="020B0609020204030204" pitchFamily="49" charset="0"/>
+              </a:rPr>
+              <a:t>localMaxR</a:t>
+            </a:r>
+            <a:r>
+              <a:rPr lang="en-AU" sz="1600" b="0" dirty="0">
+                <a:solidFill>
+                  <a:srgbClr val="CE9178"/>
+                </a:solidFill>
+                <a:effectLst/>
+                <a:latin typeface="Consolas" panose="020B0609020204030204" pitchFamily="49" charset="0"/>
+              </a:rPr>
+              <a:t>;</a:t>
             </a:r>
             <a:endParaRPr lang="en-AU" sz="1600" b="0" dirty="0">
               <a:solidFill>
@@ -15003,7 +14800,7 @@
                 <a:effectLst/>
                 <a:latin typeface="Consolas" panose="020B0609020204030204" pitchFamily="49" charset="0"/>
               </a:rPr>
-              <a:t>            </a:t>
+              <a:t>    if(</a:t>
             </a:r>
             <a:r>
               <a:rPr lang="en-AU" sz="1600" b="0" dirty="0" err="1">
@@ -15013,7 +14810,7 @@
                 <a:effectLst/>
                 <a:latin typeface="Consolas" panose="020B0609020204030204" pitchFamily="49" charset="0"/>
               </a:rPr>
-              <a:t>minVal</a:t>
+              <a:t>uFlipped</a:t>
             </a:r>
             <a:r>
               <a:rPr lang="en-AU" sz="1600" b="0" dirty="0">
@@ -15023,6 +14820,65 @@
                 <a:effectLst/>
                 <a:latin typeface="Consolas" panose="020B0609020204030204" pitchFamily="49" charset="0"/>
               </a:rPr>
+              <a:t> &gt; 0){</a:t>
+            </a:r>
+          </a:p>
+          <a:p>
+            <a:r>
+              <a:rPr lang="en-AU" sz="1600" dirty="0">
+                <a:solidFill>
+                  <a:srgbClr val="CE9178"/>
+                </a:solidFill>
+                <a:latin typeface="Consolas" panose="020B0609020204030204" pitchFamily="49" charset="0"/>
+              </a:rPr>
+              <a:t>    		</a:t>
+            </a:r>
+            <a:r>
+              <a:rPr lang="en-AU" sz="1600" dirty="0">
+                <a:solidFill>
+                  <a:schemeClr val="accent6"/>
+                </a:solidFill>
+                <a:latin typeface="Consolas" panose="020B0609020204030204" pitchFamily="49" charset="0"/>
+              </a:rPr>
+              <a:t>// initialize minmax to original image value</a:t>
+            </a:r>
+            <a:endParaRPr lang="en-AU" sz="1600" b="0" dirty="0">
+              <a:solidFill>
+                <a:schemeClr val="accent6"/>
+              </a:solidFill>
+              <a:effectLst/>
+              <a:latin typeface="Consolas" panose="020B0609020204030204" pitchFamily="49" charset="0"/>
+            </a:endParaRPr>
+          </a:p>
+          <a:p>
+            <a:r>
+              <a:rPr lang="en-AU" sz="1600" b="0" dirty="0">
+                <a:solidFill>
+                  <a:srgbClr val="CE9178"/>
+                </a:solidFill>
+                <a:effectLst/>
+                <a:latin typeface="Consolas" panose="020B0609020204030204" pitchFamily="49" charset="0"/>
+              </a:rPr>
+              <a:t>        </a:t>
+            </a:r>
+            <a:r>
+              <a:rPr lang="en-AU" sz="1600" b="0" dirty="0" err="1">
+                <a:solidFill>
+                  <a:srgbClr val="CE9178"/>
+                </a:solidFill>
+                <a:effectLst/>
+                <a:latin typeface="Consolas" panose="020B0609020204030204" pitchFamily="49" charset="0"/>
+              </a:rPr>
+              <a:t>localMinL</a:t>
+            </a:r>
+            <a:r>
+              <a:rPr lang="en-AU" sz="1600" b="0" dirty="0">
+                <a:solidFill>
+                  <a:srgbClr val="CE9178"/>
+                </a:solidFill>
+                <a:effectLst/>
+                <a:latin typeface="Consolas" panose="020B0609020204030204" pitchFamily="49" charset="0"/>
+              </a:rPr>
               <a:t> = </a:t>
             </a:r>
             <a:r>
@@ -15033,7 +14889,7 @@
                 <a:effectLst/>
                 <a:latin typeface="Consolas" panose="020B0609020204030204" pitchFamily="49" charset="0"/>
               </a:rPr>
-              <a:t>maxVal</a:t>
+              <a:t>localMinR</a:t>
             </a:r>
             <a:r>
               <a:rPr lang="en-AU" sz="1600" b="0" dirty="0">
@@ -15043,7 +14899,47 @@
                 <a:effectLst/>
                 <a:latin typeface="Consolas" panose="020B0609020204030204" pitchFamily="49" charset="0"/>
               </a:rPr>
-              <a:t> = intensity(lookup);</a:t>
+              <a:t> = </a:t>
+            </a:r>
+            <a:r>
+              <a:rPr lang="en-AU" sz="1600" b="0" dirty="0" err="1">
+                <a:solidFill>
+                  <a:srgbClr val="CE9178"/>
+                </a:solidFill>
+                <a:effectLst/>
+                <a:latin typeface="Consolas" panose="020B0609020204030204" pitchFamily="49" charset="0"/>
+              </a:rPr>
+              <a:t>localMaxL</a:t>
+            </a:r>
+            <a:r>
+              <a:rPr lang="en-AU" sz="1600" b="0" dirty="0">
+                <a:solidFill>
+                  <a:srgbClr val="CE9178"/>
+                </a:solidFill>
+                <a:effectLst/>
+                <a:latin typeface="Consolas" panose="020B0609020204030204" pitchFamily="49" charset="0"/>
+              </a:rPr>
+              <a:t> = </a:t>
+            </a:r>
+            <a:r>
+              <a:rPr lang="en-AU" sz="1600" b="0" dirty="0" err="1">
+                <a:solidFill>
+                  <a:srgbClr val="CE9178"/>
+                </a:solidFill>
+                <a:effectLst/>
+                <a:latin typeface="Consolas" panose="020B0609020204030204" pitchFamily="49" charset="0"/>
+              </a:rPr>
+              <a:t>localMaxR</a:t>
+            </a:r>
+            <a:r>
+              <a:rPr lang="en-AU" sz="1600" b="0" dirty="0">
+                <a:solidFill>
+                  <a:srgbClr val="CE9178"/>
+                </a:solidFill>
+                <a:effectLst/>
+                <a:latin typeface="Consolas" panose="020B0609020204030204" pitchFamily="49" charset="0"/>
+              </a:rPr>
+              <a:t> = intensity(lookup); </a:t>
             </a:r>
             <a:endParaRPr lang="en-AU" sz="1600" b="0" dirty="0">
               <a:solidFill>
@@ -15062,7 +14958,106 @@
                 <a:effectLst/>
                 <a:latin typeface="Consolas" panose="020B0609020204030204" pitchFamily="49" charset="0"/>
               </a:rPr>
-              <a:t>        }else{</a:t>
+              <a:t>    }else{</a:t>
+            </a:r>
+          </a:p>
+          <a:p>
+            <a:r>
+              <a:rPr lang="en-AU" sz="1600" dirty="0">
+                <a:solidFill>
+                  <a:srgbClr val="CE9178"/>
+                </a:solidFill>
+                <a:latin typeface="Consolas" panose="020B0609020204030204" pitchFamily="49" charset="0"/>
+              </a:rPr>
+              <a:t>    		</a:t>
+            </a:r>
+            <a:r>
+              <a:rPr lang="en-AU" sz="1600" dirty="0">
+                <a:solidFill>
+                  <a:schemeClr val="accent6"/>
+                </a:solidFill>
+                <a:latin typeface="Consolas" panose="020B0609020204030204" pitchFamily="49" charset="0"/>
+              </a:rPr>
+              <a:t>// unpack min and max components from texture</a:t>
+            </a:r>
+            <a:endParaRPr lang="en-AU" sz="1600" b="0" dirty="0">
+              <a:solidFill>
+                <a:schemeClr val="accent6"/>
+              </a:solidFill>
+              <a:effectLst/>
+              <a:latin typeface="Consolas" panose="020B0609020204030204" pitchFamily="49" charset="0"/>
+            </a:endParaRPr>
+          </a:p>
+          <a:p>
+            <a:r>
+              <a:rPr lang="en-AU" sz="1600" b="0" dirty="0">
+                <a:solidFill>
+                  <a:srgbClr val="CE9178"/>
+                </a:solidFill>
+                <a:effectLst/>
+                <a:latin typeface="Consolas" panose="020B0609020204030204" pitchFamily="49" charset="0"/>
+              </a:rPr>
+              <a:t>        </a:t>
+            </a:r>
+            <a:r>
+              <a:rPr lang="en-AU" sz="1600" b="0" dirty="0" err="1">
+                <a:solidFill>
+                  <a:srgbClr val="CE9178"/>
+                </a:solidFill>
+                <a:effectLst/>
+                <a:latin typeface="Consolas" panose="020B0609020204030204" pitchFamily="49" charset="0"/>
+              </a:rPr>
+              <a:t>localMinL</a:t>
+            </a:r>
+            <a:r>
+              <a:rPr lang="en-AU" sz="1600" b="0" dirty="0">
+                <a:solidFill>
+                  <a:srgbClr val="CE9178"/>
+                </a:solidFill>
+                <a:effectLst/>
+                <a:latin typeface="Consolas" panose="020B0609020204030204" pitchFamily="49" charset="0"/>
+              </a:rPr>
+              <a:t> = </a:t>
+            </a:r>
+            <a:r>
+              <a:rPr lang="en-AU" sz="1600" b="0" dirty="0" err="1">
+                <a:solidFill>
+                  <a:srgbClr val="CE9178"/>
+                </a:solidFill>
+                <a:effectLst/>
+                <a:latin typeface="Consolas" panose="020B0609020204030204" pitchFamily="49" charset="0"/>
+              </a:rPr>
+              <a:t>localMinR</a:t>
+            </a:r>
+            <a:r>
+              <a:rPr lang="en-AU" sz="1600" b="0" dirty="0">
+                <a:solidFill>
+                  <a:srgbClr val="CE9178"/>
+                </a:solidFill>
+                <a:effectLst/>
+                <a:latin typeface="Consolas" panose="020B0609020204030204" pitchFamily="49" charset="0"/>
+              </a:rPr>
+              <a:t> = vec2ToFloat(</a:t>
+            </a:r>
+            <a:r>
+              <a:rPr lang="en-AU" sz="1600" b="0" dirty="0" err="1">
+                <a:solidFill>
+                  <a:srgbClr val="CE9178"/>
+                </a:solidFill>
+                <a:effectLst/>
+                <a:latin typeface="Consolas" panose="020B0609020204030204" pitchFamily="49" charset="0"/>
+              </a:rPr>
+              <a:t>lookup.rg</a:t>
+            </a:r>
+            <a:r>
+              <a:rPr lang="en-AU" sz="1600" b="0" dirty="0">
+                <a:solidFill>
+                  <a:srgbClr val="CE9178"/>
+                </a:solidFill>
+                <a:effectLst/>
+                <a:latin typeface="Consolas" panose="020B0609020204030204" pitchFamily="49" charset="0"/>
+              </a:rPr>
+              <a:t>);</a:t>
             </a:r>
             <a:endParaRPr lang="en-AU" sz="1600" b="0" dirty="0">
               <a:solidFill>
@@ -15081,7 +15076,7 @@
                 <a:effectLst/>
                 <a:latin typeface="Consolas" panose="020B0609020204030204" pitchFamily="49" charset="0"/>
               </a:rPr>
-              <a:t>            </a:t>
+              <a:t>        </a:t>
             </a:r>
             <a:r>
               <a:rPr lang="en-AU" sz="1600" b="0" dirty="0" err="1">
@@ -15091,7 +15086,7 @@
                 <a:effectLst/>
                 <a:latin typeface="Consolas" panose="020B0609020204030204" pitchFamily="49" charset="0"/>
               </a:rPr>
-              <a:t>minVal</a:t>
+              <a:t>localMaxL</a:t>
             </a:r>
             <a:r>
               <a:rPr lang="en-AU" sz="1600" b="0" dirty="0">
@@ -15101,7 +15096,7 @@
                 <a:effectLst/>
                 <a:latin typeface="Consolas" panose="020B0609020204030204" pitchFamily="49" charset="0"/>
               </a:rPr>
-              <a:t> = vec2ToFloat(</a:t>
+              <a:t> = </a:t>
             </a:r>
             <a:r>
               <a:rPr lang="en-AU" sz="1600" b="0" dirty="0" err="1">
@@ -15111,7 +15106,7 @@
                 <a:effectLst/>
                 <a:latin typeface="Consolas" panose="020B0609020204030204" pitchFamily="49" charset="0"/>
               </a:rPr>
-              <a:t>lookup.rg</a:t>
+              <a:t>localMaxR</a:t>
             </a:r>
             <a:r>
               <a:rPr lang="en-AU" sz="1600" b="0" dirty="0">
@@ -15121,7 +15116,7 @@
                 <a:effectLst/>
                 <a:latin typeface="Consolas" panose="020B0609020204030204" pitchFamily="49" charset="0"/>
               </a:rPr>
-              <a:t>);</a:t>
+              <a:t> = vec2ToFloat(lookup.ba);</a:t>
             </a:r>
             <a:endParaRPr lang="en-AU" sz="1600" b="0" dirty="0">
               <a:solidFill>
@@ -15140,27 +15135,7 @@
                 <a:effectLst/>
                 <a:latin typeface="Consolas" panose="020B0609020204030204" pitchFamily="49" charset="0"/>
               </a:rPr>
-              <a:t>            </a:t>
-            </a:r>
-            <a:r>
-              <a:rPr lang="en-AU" sz="1600" b="0" dirty="0" err="1">
-                <a:solidFill>
-                  <a:srgbClr val="CE9178"/>
-                </a:solidFill>
-                <a:effectLst/>
-                <a:latin typeface="Consolas" panose="020B0609020204030204" pitchFamily="49" charset="0"/>
-              </a:rPr>
-              <a:t>maxVal</a:t>
-            </a:r>
-            <a:r>
-              <a:rPr lang="en-AU" sz="1600" b="0" dirty="0">
-                <a:solidFill>
-                  <a:srgbClr val="CE9178"/>
-                </a:solidFill>
-                <a:effectLst/>
-                <a:latin typeface="Consolas" panose="020B0609020204030204" pitchFamily="49" charset="0"/>
-              </a:rPr>
-              <a:t> = vec2ToFloat(lookup.ba);</a:t>
+              <a:t>    }</a:t>
             </a:r>
             <a:endParaRPr lang="en-AU" sz="1600" b="0" dirty="0">
               <a:solidFill>
@@ -15171,653 +15146,18 @@
             </a:endParaRPr>
           </a:p>
           <a:p>
-            <a:r>
-              <a:rPr lang="en-AU" sz="1600" b="0" dirty="0">
-                <a:solidFill>
-                  <a:srgbClr val="CE9178"/>
-                </a:solidFill>
-                <a:effectLst/>
-                <a:latin typeface="Consolas" panose="020B0609020204030204" pitchFamily="49" charset="0"/>
-              </a:rPr>
-              <a:t>        }</a:t>
-            </a:r>
+            <a:pPr marL="217487" indent="0">
+              <a:spcAft>
+                <a:spcPts val="600"/>
+              </a:spcAft>
+              <a:buSzPct val="45000"/>
+            </a:pPr>
             <a:endParaRPr lang="en-AU" sz="1600" b="0" dirty="0">
               <a:solidFill>
-                <a:srgbClr val="D4D4D4"/>
+                <a:schemeClr val="tx1"/>
               </a:solidFill>
               <a:effectLst/>
-              <a:latin typeface="Consolas" panose="020B0609020204030204" pitchFamily="49" charset="0"/>
-            </a:endParaRPr>
-          </a:p>
-          <a:p>
-            <a:r>
-              <a:rPr lang="en-AU" sz="1600" b="0" dirty="0">
-                <a:solidFill>
-                  <a:srgbClr val="CE9178"/>
-                </a:solidFill>
-                <a:effectLst/>
-                <a:latin typeface="Consolas" panose="020B0609020204030204" pitchFamily="49" charset="0"/>
-              </a:rPr>
-              <a:t>        if(</a:t>
-            </a:r>
-            <a:r>
-              <a:rPr lang="en-AU" sz="1600" b="0" dirty="0" err="1">
-                <a:solidFill>
-                  <a:srgbClr val="CE9178"/>
-                </a:solidFill>
-                <a:effectLst/>
-                <a:latin typeface="Consolas" panose="020B0609020204030204" pitchFamily="49" charset="0"/>
-              </a:rPr>
-              <a:t>minVal</a:t>
-            </a:r>
-            <a:r>
-              <a:rPr lang="en-AU" sz="1600" b="0" dirty="0">
-                <a:solidFill>
-                  <a:srgbClr val="CE9178"/>
-                </a:solidFill>
-                <a:effectLst/>
-                <a:latin typeface="Consolas" panose="020B0609020204030204" pitchFamily="49" charset="0"/>
-              </a:rPr>
-              <a:t> &lt; </a:t>
-            </a:r>
-            <a:r>
-              <a:rPr lang="en-AU" sz="1600" b="0" dirty="0" err="1">
-                <a:solidFill>
-                  <a:srgbClr val="CE9178"/>
-                </a:solidFill>
-                <a:effectLst/>
-                <a:latin typeface="Consolas" panose="020B0609020204030204" pitchFamily="49" charset="0"/>
-              </a:rPr>
-              <a:t>localMinR</a:t>
-            </a:r>
-            <a:r>
-              <a:rPr lang="en-AU" sz="1600" b="0" dirty="0">
-                <a:solidFill>
-                  <a:srgbClr val="CE9178"/>
-                </a:solidFill>
-                <a:effectLst/>
-                <a:latin typeface="Consolas" panose="020B0609020204030204" pitchFamily="49" charset="0"/>
-              </a:rPr>
-              <a:t>){</a:t>
-            </a:r>
-            <a:endParaRPr lang="en-AU" sz="1600" b="0" dirty="0">
-              <a:solidFill>
-                <a:srgbClr val="D4D4D4"/>
-              </a:solidFill>
-              <a:effectLst/>
-              <a:latin typeface="Consolas" panose="020B0609020204030204" pitchFamily="49" charset="0"/>
-            </a:endParaRPr>
-          </a:p>
-          <a:p>
-            <a:r>
-              <a:rPr lang="en-AU" sz="1600" b="0" dirty="0">
-                <a:solidFill>
-                  <a:srgbClr val="CE9178"/>
-                </a:solidFill>
-                <a:effectLst/>
-                <a:latin typeface="Consolas" panose="020B0609020204030204" pitchFamily="49" charset="0"/>
-              </a:rPr>
-              <a:t>            float diff = </a:t>
-            </a:r>
-            <a:r>
-              <a:rPr lang="en-AU" sz="1600" b="0" dirty="0" err="1">
-                <a:solidFill>
-                  <a:srgbClr val="CE9178"/>
-                </a:solidFill>
-                <a:effectLst/>
-                <a:latin typeface="Consolas" panose="020B0609020204030204" pitchFamily="49" charset="0"/>
-              </a:rPr>
-              <a:t>minVal</a:t>
-            </a:r>
-            <a:r>
-              <a:rPr lang="en-AU" sz="1600" b="0" dirty="0">
-                <a:solidFill>
-                  <a:srgbClr val="CE9178"/>
-                </a:solidFill>
-                <a:effectLst/>
-                <a:latin typeface="Consolas" panose="020B0609020204030204" pitchFamily="49" charset="0"/>
-              </a:rPr>
-              <a:t> - </a:t>
-            </a:r>
-            <a:r>
-              <a:rPr lang="en-AU" sz="1600" b="0" dirty="0" err="1">
-                <a:solidFill>
-                  <a:srgbClr val="CE9178"/>
-                </a:solidFill>
-                <a:effectLst/>
-                <a:latin typeface="Consolas" panose="020B0609020204030204" pitchFamily="49" charset="0"/>
-              </a:rPr>
-              <a:t>localMinR</a:t>
-            </a:r>
-            <a:r>
-              <a:rPr lang="en-AU" sz="1600" b="0" dirty="0">
-                <a:solidFill>
-                  <a:srgbClr val="CE9178"/>
-                </a:solidFill>
-                <a:effectLst/>
-                <a:latin typeface="Consolas" panose="020B0609020204030204" pitchFamily="49" charset="0"/>
-              </a:rPr>
-              <a:t>;</a:t>
-            </a:r>
-            <a:endParaRPr lang="en-AU" sz="1600" b="0" dirty="0">
-              <a:solidFill>
-                <a:srgbClr val="D4D4D4"/>
-              </a:solidFill>
-              <a:effectLst/>
-              <a:latin typeface="Consolas" panose="020B0609020204030204" pitchFamily="49" charset="0"/>
-            </a:endParaRPr>
-          </a:p>
-          <a:p>
-            <a:r>
-              <a:rPr lang="en-AU" sz="1600" b="0" dirty="0">
-                <a:solidFill>
-                  <a:srgbClr val="CE9178"/>
-                </a:solidFill>
-                <a:effectLst/>
-                <a:latin typeface="Consolas" panose="020B0609020204030204" pitchFamily="49" charset="0"/>
-              </a:rPr>
-              <a:t>            </a:t>
-            </a:r>
-            <a:r>
-              <a:rPr lang="en-AU" sz="1600" b="0" dirty="0" err="1">
-                <a:solidFill>
-                  <a:srgbClr val="CE9178"/>
-                </a:solidFill>
-                <a:effectLst/>
-                <a:latin typeface="Consolas" panose="020B0609020204030204" pitchFamily="49" charset="0"/>
-              </a:rPr>
-              <a:t>localMinR</a:t>
-            </a:r>
-            <a:r>
-              <a:rPr lang="en-AU" sz="1600" b="0" dirty="0">
-                <a:solidFill>
-                  <a:srgbClr val="CE9178"/>
-                </a:solidFill>
-                <a:effectLst/>
-                <a:latin typeface="Consolas" panose="020B0609020204030204" pitchFamily="49" charset="0"/>
-              </a:rPr>
-              <a:t> += diff * exp(-</a:t>
-            </a:r>
-            <a:r>
-              <a:rPr lang="en-AU" sz="1600" b="0" dirty="0" err="1">
-                <a:solidFill>
-                  <a:srgbClr val="CE9178"/>
-                </a:solidFill>
-                <a:effectLst/>
-                <a:latin typeface="Consolas" panose="020B0609020204030204" pitchFamily="49" charset="0"/>
-              </a:rPr>
-              <a:t>uMinusR</a:t>
-            </a:r>
-            <a:r>
-              <a:rPr lang="en-AU" sz="1600" b="0" dirty="0">
-                <a:solidFill>
-                  <a:srgbClr val="CE9178"/>
-                </a:solidFill>
-                <a:effectLst/>
-                <a:latin typeface="Consolas" panose="020B0609020204030204" pitchFamily="49" charset="0"/>
-              </a:rPr>
-              <a:t> * diff * </a:t>
-            </a:r>
-            <a:r>
-              <a:rPr lang="en-AU" sz="1600" b="0" dirty="0" err="1">
-                <a:solidFill>
-                  <a:srgbClr val="CE9178"/>
-                </a:solidFill>
-                <a:effectLst/>
-                <a:latin typeface="Consolas" panose="020B0609020204030204" pitchFamily="49" charset="0"/>
-              </a:rPr>
-              <a:t>expScale</a:t>
-            </a:r>
-            <a:r>
-              <a:rPr lang="en-AU" sz="1600" b="0" dirty="0">
-                <a:solidFill>
-                  <a:srgbClr val="CE9178"/>
-                </a:solidFill>
-                <a:effectLst/>
-                <a:latin typeface="Consolas" panose="020B0609020204030204" pitchFamily="49" charset="0"/>
-              </a:rPr>
-              <a:t>);</a:t>
-            </a:r>
-            <a:endParaRPr lang="en-AU" sz="1600" b="0" dirty="0">
-              <a:solidFill>
-                <a:srgbClr val="D4D4D4"/>
-              </a:solidFill>
-              <a:effectLst/>
-              <a:latin typeface="Consolas" panose="020B0609020204030204" pitchFamily="49" charset="0"/>
-            </a:endParaRPr>
-          </a:p>
-          <a:p>
-            <a:r>
-              <a:rPr lang="en-AU" sz="1600" b="0" dirty="0">
-                <a:solidFill>
-                  <a:srgbClr val="CE9178"/>
-                </a:solidFill>
-                <a:effectLst/>
-                <a:latin typeface="Consolas" panose="020B0609020204030204" pitchFamily="49" charset="0"/>
-              </a:rPr>
-              <a:t>        }</a:t>
-            </a:r>
-            <a:endParaRPr lang="en-AU" sz="1600" b="0" dirty="0">
-              <a:solidFill>
-                <a:srgbClr val="D4D4D4"/>
-              </a:solidFill>
-              <a:effectLst/>
-              <a:latin typeface="Consolas" panose="020B0609020204030204" pitchFamily="49" charset="0"/>
-            </a:endParaRPr>
-          </a:p>
-          <a:p>
-            <a:r>
-              <a:rPr lang="en-AU" sz="1600" b="0" dirty="0">
-                <a:solidFill>
-                  <a:srgbClr val="CE9178"/>
-                </a:solidFill>
-                <a:effectLst/>
-                <a:latin typeface="Consolas" panose="020B0609020204030204" pitchFamily="49" charset="0"/>
-              </a:rPr>
-              <a:t>        if(</a:t>
-            </a:r>
-            <a:r>
-              <a:rPr lang="en-AU" sz="1600" b="0" dirty="0" err="1">
-                <a:solidFill>
-                  <a:srgbClr val="CE9178"/>
-                </a:solidFill>
-                <a:effectLst/>
-                <a:latin typeface="Consolas" panose="020B0609020204030204" pitchFamily="49" charset="0"/>
-              </a:rPr>
-              <a:t>maxVal</a:t>
-            </a:r>
-            <a:r>
-              <a:rPr lang="en-AU" sz="1600" b="0" dirty="0">
-                <a:solidFill>
-                  <a:srgbClr val="CE9178"/>
-                </a:solidFill>
-                <a:effectLst/>
-                <a:latin typeface="Consolas" panose="020B0609020204030204" pitchFamily="49" charset="0"/>
-              </a:rPr>
-              <a:t> &gt; </a:t>
-            </a:r>
-            <a:r>
-              <a:rPr lang="en-AU" sz="1600" b="0" dirty="0" err="1">
-                <a:solidFill>
-                  <a:srgbClr val="CE9178"/>
-                </a:solidFill>
-                <a:effectLst/>
-                <a:latin typeface="Consolas" panose="020B0609020204030204" pitchFamily="49" charset="0"/>
-              </a:rPr>
-              <a:t>localMaxR</a:t>
-            </a:r>
-            <a:r>
-              <a:rPr lang="en-AU" sz="1600" b="0" dirty="0">
-                <a:solidFill>
-                  <a:srgbClr val="CE9178"/>
-                </a:solidFill>
-                <a:effectLst/>
-                <a:latin typeface="Consolas" panose="020B0609020204030204" pitchFamily="49" charset="0"/>
-              </a:rPr>
-              <a:t>){</a:t>
-            </a:r>
-            <a:endParaRPr lang="en-AU" sz="1600" b="0" dirty="0">
-              <a:solidFill>
-                <a:srgbClr val="D4D4D4"/>
-              </a:solidFill>
-              <a:effectLst/>
-              <a:latin typeface="Consolas" panose="020B0609020204030204" pitchFamily="49" charset="0"/>
-            </a:endParaRPr>
-          </a:p>
-          <a:p>
-            <a:r>
-              <a:rPr lang="en-AU" sz="1600" b="0" dirty="0">
-                <a:solidFill>
-                  <a:srgbClr val="CE9178"/>
-                </a:solidFill>
-                <a:effectLst/>
-                <a:latin typeface="Consolas" panose="020B0609020204030204" pitchFamily="49" charset="0"/>
-              </a:rPr>
-              <a:t>            float diff = </a:t>
-            </a:r>
-            <a:r>
-              <a:rPr lang="en-AU" sz="1600" b="0" dirty="0" err="1">
-                <a:solidFill>
-                  <a:srgbClr val="CE9178"/>
-                </a:solidFill>
-                <a:effectLst/>
-                <a:latin typeface="Consolas" panose="020B0609020204030204" pitchFamily="49" charset="0"/>
-              </a:rPr>
-              <a:t>maxVal</a:t>
-            </a:r>
-            <a:r>
-              <a:rPr lang="en-AU" sz="1600" b="0" dirty="0">
-                <a:solidFill>
-                  <a:srgbClr val="CE9178"/>
-                </a:solidFill>
-                <a:effectLst/>
-                <a:latin typeface="Consolas" panose="020B0609020204030204" pitchFamily="49" charset="0"/>
-              </a:rPr>
-              <a:t> - </a:t>
-            </a:r>
-            <a:r>
-              <a:rPr lang="en-AU" sz="1600" b="0" dirty="0" err="1">
-                <a:solidFill>
-                  <a:srgbClr val="CE9178"/>
-                </a:solidFill>
-                <a:effectLst/>
-                <a:latin typeface="Consolas" panose="020B0609020204030204" pitchFamily="49" charset="0"/>
-              </a:rPr>
-              <a:t>localMaxR</a:t>
-            </a:r>
-            <a:r>
-              <a:rPr lang="en-AU" sz="1600" b="0" dirty="0">
-                <a:solidFill>
-                  <a:srgbClr val="CE9178"/>
-                </a:solidFill>
-                <a:effectLst/>
-                <a:latin typeface="Consolas" panose="020B0609020204030204" pitchFamily="49" charset="0"/>
-              </a:rPr>
-              <a:t>;</a:t>
-            </a:r>
-            <a:endParaRPr lang="en-AU" sz="1600" b="0" dirty="0">
-              <a:solidFill>
-                <a:srgbClr val="D4D4D4"/>
-              </a:solidFill>
-              <a:effectLst/>
-              <a:latin typeface="Consolas" panose="020B0609020204030204" pitchFamily="49" charset="0"/>
-            </a:endParaRPr>
-          </a:p>
-          <a:p>
-            <a:r>
-              <a:rPr lang="en-AU" sz="1600" b="0" dirty="0">
-                <a:solidFill>
-                  <a:srgbClr val="CE9178"/>
-                </a:solidFill>
-                <a:effectLst/>
-                <a:latin typeface="Consolas" panose="020B0609020204030204" pitchFamily="49" charset="0"/>
-              </a:rPr>
-              <a:t>            </a:t>
-            </a:r>
-            <a:r>
-              <a:rPr lang="en-AU" sz="1600" b="0" dirty="0" err="1">
-                <a:solidFill>
-                  <a:srgbClr val="CE9178"/>
-                </a:solidFill>
-                <a:effectLst/>
-                <a:latin typeface="Consolas" panose="020B0609020204030204" pitchFamily="49" charset="0"/>
-              </a:rPr>
-              <a:t>localMaxR</a:t>
-            </a:r>
-            <a:r>
-              <a:rPr lang="en-AU" sz="1600" b="0" dirty="0">
-                <a:solidFill>
-                  <a:srgbClr val="CE9178"/>
-                </a:solidFill>
-                <a:effectLst/>
-                <a:latin typeface="Consolas" panose="020B0609020204030204" pitchFamily="49" charset="0"/>
-              </a:rPr>
-              <a:t> += diff * exp(</a:t>
-            </a:r>
-            <a:r>
-              <a:rPr lang="en-AU" sz="1600" b="0" dirty="0" err="1">
-                <a:solidFill>
-                  <a:srgbClr val="CE9178"/>
-                </a:solidFill>
-                <a:effectLst/>
-                <a:latin typeface="Consolas" panose="020B0609020204030204" pitchFamily="49" charset="0"/>
-              </a:rPr>
-              <a:t>uMinusR</a:t>
-            </a:r>
-            <a:r>
-              <a:rPr lang="en-AU" sz="1600" b="0" dirty="0">
-                <a:solidFill>
-                  <a:srgbClr val="CE9178"/>
-                </a:solidFill>
-                <a:effectLst/>
-                <a:latin typeface="Consolas" panose="020B0609020204030204" pitchFamily="49" charset="0"/>
-              </a:rPr>
-              <a:t> * diff * </a:t>
-            </a:r>
-            <a:r>
-              <a:rPr lang="en-AU" sz="1600" b="0" dirty="0" err="1">
-                <a:solidFill>
-                  <a:srgbClr val="CE9178"/>
-                </a:solidFill>
-                <a:effectLst/>
-                <a:latin typeface="Consolas" panose="020B0609020204030204" pitchFamily="49" charset="0"/>
-              </a:rPr>
-              <a:t>expScale</a:t>
-            </a:r>
-            <a:r>
-              <a:rPr lang="en-AU" sz="1600" b="0" dirty="0">
-                <a:solidFill>
-                  <a:srgbClr val="CE9178"/>
-                </a:solidFill>
-                <a:effectLst/>
-                <a:latin typeface="Consolas" panose="020B0609020204030204" pitchFamily="49" charset="0"/>
-              </a:rPr>
-              <a:t>);</a:t>
-            </a:r>
-            <a:endParaRPr lang="en-AU" sz="1600" b="0" dirty="0">
-              <a:solidFill>
-                <a:srgbClr val="D4D4D4"/>
-              </a:solidFill>
-              <a:effectLst/>
-              <a:latin typeface="Consolas" panose="020B0609020204030204" pitchFamily="49" charset="0"/>
-            </a:endParaRPr>
-          </a:p>
-          <a:p>
-            <a:r>
-              <a:rPr lang="en-AU" sz="1600" b="0" dirty="0">
-                <a:solidFill>
-                  <a:srgbClr val="CE9178"/>
-                </a:solidFill>
-                <a:effectLst/>
-                <a:latin typeface="Consolas" panose="020B0609020204030204" pitchFamily="49" charset="0"/>
-              </a:rPr>
-              <a:t>        }</a:t>
-            </a:r>
-            <a:endParaRPr lang="en-AU" sz="1600" b="0" dirty="0">
-              <a:solidFill>
-                <a:srgbClr val="D4D4D4"/>
-              </a:solidFill>
-              <a:effectLst/>
-              <a:latin typeface="Consolas" panose="020B0609020204030204" pitchFamily="49" charset="0"/>
-            </a:endParaRPr>
-          </a:p>
-          <a:p>
-            <a:r>
-              <a:rPr lang="en-AU" sz="1600" b="0" dirty="0">
-                <a:solidFill>
-                  <a:srgbClr val="CE9178"/>
-                </a:solidFill>
-                <a:effectLst/>
-                <a:latin typeface="Consolas" panose="020B0609020204030204" pitchFamily="49" charset="0"/>
-              </a:rPr>
-              <a:t>    }</a:t>
-            </a:r>
-          </a:p>
-          <a:p>
-            <a:r>
-              <a:rPr lang="en-AU" sz="1600" dirty="0">
-                <a:solidFill>
-                  <a:schemeClr val="accent6"/>
-                </a:solidFill>
-                <a:latin typeface="Consolas" panose="020B0609020204030204" pitchFamily="49" charset="0"/>
-              </a:rPr>
-              <a:t>    // s</a:t>
-            </a:r>
-            <a:r>
-              <a:rPr lang="en-AU" sz="1600" b="0" dirty="0">
-                <a:solidFill>
-                  <a:schemeClr val="accent6"/>
-                </a:solidFill>
-                <a:effectLst/>
-                <a:latin typeface="Consolas" panose="020B0609020204030204" pitchFamily="49" charset="0"/>
-              </a:rPr>
-              <a:t>tore updated minmax in current destination ping-pong FBO</a:t>
-            </a:r>
-            <a:r>
-              <a:rPr lang="en-AU" sz="1600" b="0" dirty="0">
-                <a:solidFill>
-                  <a:srgbClr val="CE9178"/>
-                </a:solidFill>
-                <a:effectLst/>
-                <a:latin typeface="Consolas" panose="020B0609020204030204" pitchFamily="49" charset="0"/>
-              </a:rPr>
-              <a:t> </a:t>
-            </a:r>
-            <a:endParaRPr lang="en-AU" sz="1600" b="0" dirty="0">
-              <a:solidFill>
-                <a:srgbClr val="D4D4D4"/>
-              </a:solidFill>
-              <a:effectLst/>
-              <a:latin typeface="Consolas" panose="020B0609020204030204" pitchFamily="49" charset="0"/>
-            </a:endParaRPr>
-          </a:p>
-          <a:p>
-            <a:r>
-              <a:rPr lang="en-AU" sz="1600" b="0" dirty="0">
-                <a:solidFill>
-                  <a:srgbClr val="CE9178"/>
-                </a:solidFill>
-                <a:effectLst/>
-                <a:latin typeface="Consolas" panose="020B0609020204030204" pitchFamily="49" charset="0"/>
-              </a:rPr>
-              <a:t>    </a:t>
-            </a:r>
-            <a:r>
-              <a:rPr lang="en-AU" sz="1600" b="0" dirty="0" err="1">
-                <a:solidFill>
-                  <a:srgbClr val="CE9178"/>
-                </a:solidFill>
-                <a:effectLst/>
-                <a:latin typeface="Consolas" panose="020B0609020204030204" pitchFamily="49" charset="0"/>
-              </a:rPr>
-              <a:t>fragColor</a:t>
-            </a:r>
-            <a:r>
-              <a:rPr lang="en-AU" sz="1600" b="0" dirty="0">
-                <a:solidFill>
-                  <a:srgbClr val="CE9178"/>
-                </a:solidFill>
-                <a:effectLst/>
-                <a:latin typeface="Consolas" panose="020B0609020204030204" pitchFamily="49" charset="0"/>
-              </a:rPr>
-              <a:t> = vec4(floatToVec2(min(</a:t>
-            </a:r>
-            <a:r>
-              <a:rPr lang="en-AU" sz="1600" b="0" dirty="0" err="1">
-                <a:solidFill>
-                  <a:srgbClr val="CE9178"/>
-                </a:solidFill>
-                <a:effectLst/>
-                <a:latin typeface="Consolas" panose="020B0609020204030204" pitchFamily="49" charset="0"/>
-              </a:rPr>
-              <a:t>localMinL</a:t>
-            </a:r>
-            <a:r>
-              <a:rPr lang="en-AU" sz="1600" b="0" dirty="0">
-                <a:solidFill>
-                  <a:srgbClr val="CE9178"/>
-                </a:solidFill>
-                <a:effectLst/>
-                <a:latin typeface="Consolas" panose="020B0609020204030204" pitchFamily="49" charset="0"/>
-              </a:rPr>
-              <a:t>, </a:t>
-            </a:r>
-            <a:r>
-              <a:rPr lang="en-AU" sz="1600" b="0" dirty="0" err="1">
-                <a:solidFill>
-                  <a:srgbClr val="CE9178"/>
-                </a:solidFill>
-                <a:effectLst/>
-                <a:latin typeface="Consolas" panose="020B0609020204030204" pitchFamily="49" charset="0"/>
-              </a:rPr>
-              <a:t>localMinR</a:t>
-            </a:r>
-            <a:r>
-              <a:rPr lang="en-AU" sz="1600" b="0" dirty="0">
-                <a:solidFill>
-                  <a:srgbClr val="CE9178"/>
-                </a:solidFill>
-                <a:effectLst/>
-                <a:latin typeface="Consolas" panose="020B0609020204030204" pitchFamily="49" charset="0"/>
-              </a:rPr>
-              <a:t>)), </a:t>
-            </a:r>
-          </a:p>
-          <a:p>
-            <a:r>
-              <a:rPr lang="en-AU" sz="1600" dirty="0">
-                <a:solidFill>
-                  <a:srgbClr val="CE9178"/>
-                </a:solidFill>
-                <a:latin typeface="Consolas" panose="020B0609020204030204" pitchFamily="49" charset="0"/>
-              </a:rPr>
-              <a:t>				</a:t>
-            </a:r>
-            <a:r>
-              <a:rPr lang="en-AU" sz="1600" b="0" dirty="0">
-                <a:solidFill>
-                  <a:srgbClr val="CE9178"/>
-                </a:solidFill>
-                <a:effectLst/>
-                <a:latin typeface="Consolas" panose="020B0609020204030204" pitchFamily="49" charset="0"/>
-              </a:rPr>
-              <a:t>floatToVec2(max(</a:t>
-            </a:r>
-            <a:r>
-              <a:rPr lang="en-AU" sz="1600" b="0" dirty="0" err="1">
-                <a:solidFill>
-                  <a:srgbClr val="CE9178"/>
-                </a:solidFill>
-                <a:effectLst/>
-                <a:latin typeface="Consolas" panose="020B0609020204030204" pitchFamily="49" charset="0"/>
-              </a:rPr>
-              <a:t>localMaxL</a:t>
-            </a:r>
-            <a:r>
-              <a:rPr lang="en-AU" sz="1600" b="0" dirty="0">
-                <a:solidFill>
-                  <a:srgbClr val="CE9178"/>
-                </a:solidFill>
-                <a:effectLst/>
-                <a:latin typeface="Consolas" panose="020B0609020204030204" pitchFamily="49" charset="0"/>
-              </a:rPr>
-              <a:t>, </a:t>
-            </a:r>
-            <a:r>
-              <a:rPr lang="en-AU" sz="1600" b="0" dirty="0" err="1">
-                <a:solidFill>
-                  <a:srgbClr val="CE9178"/>
-                </a:solidFill>
-                <a:effectLst/>
-                <a:latin typeface="Consolas" panose="020B0609020204030204" pitchFamily="49" charset="0"/>
-              </a:rPr>
-              <a:t>localMaxR</a:t>
-            </a:r>
-            <a:r>
-              <a:rPr lang="en-AU" sz="1600" b="0" dirty="0">
-                <a:solidFill>
-                  <a:srgbClr val="CE9178"/>
-                </a:solidFill>
-                <a:effectLst/>
-                <a:latin typeface="Consolas" panose="020B0609020204030204" pitchFamily="49" charset="0"/>
-              </a:rPr>
-              <a:t>)));</a:t>
-            </a:r>
-            <a:endParaRPr lang="en-AU" sz="1600" b="0" dirty="0">
-              <a:solidFill>
-                <a:srgbClr val="D4D4D4"/>
-              </a:solidFill>
-              <a:effectLst/>
-              <a:latin typeface="Consolas" panose="020B0609020204030204" pitchFamily="49" charset="0"/>
-            </a:endParaRPr>
-          </a:p>
-          <a:p>
-            <a:endParaRPr lang="en-AU" sz="1600" b="0" dirty="0">
-              <a:solidFill>
-                <a:srgbClr val="D4D4D4"/>
-              </a:solidFill>
-              <a:effectLst/>
-              <a:latin typeface="Consolas" panose="020B0609020204030204" pitchFamily="49" charset="0"/>
+              <a:cs typeface="Arial" panose="020B0604020202020204" pitchFamily="34" charset="0"/>
             </a:endParaRPr>
           </a:p>
         </p:txBody>
@@ -15825,7 +15165,7 @@
     </p:spTree>
     <p:extLst>
       <p:ext uri="{BB962C8B-B14F-4D97-AF65-F5344CB8AC3E}">
-        <p14:creationId xmlns:p14="http://schemas.microsoft.com/office/powerpoint/2010/main" val="2299852756"/>
+        <p14:creationId xmlns:p14="http://schemas.microsoft.com/office/powerpoint/2010/main" val="1840561714"/>
       </p:ext>
     </p:extLst>
   </p:cSld>
@@ -15882,15 +15222,9 @@
       </p:grpSpPr>
       <p:sp>
         <p:nvSpPr>
-          <p:cNvPr id="2" name="Title 1">
-            <a:extLst>
-              <a:ext uri="{FF2B5EF4-FFF2-40B4-BE49-F238E27FC236}">
-                <a16:creationId xmlns:a16="http://schemas.microsoft.com/office/drawing/2014/main" id="{710F0918-C576-40B8-98BB-3E7455C234B5}"/>
-              </a:ext>
-            </a:extLst>
-          </p:cNvPr>
+          <p:cNvPr id="68609" name="Rectangle 1"/>
           <p:cNvSpPr>
-            <a:spLocks noGrp="1"/>
+            <a:spLocks noGrp="1" noChangeArrowheads="1"/>
           </p:cNvSpPr>
           <p:nvPr>
             <p:ph type="title" idx="4294967295"/>
@@ -15898,81 +15232,1448 @@
         </p:nvSpPr>
         <p:spPr>
           <a:xfrm>
-            <a:off x="503999" y="301320"/>
-            <a:ext cx="7671172" cy="1261800"/>
+            <a:off x="503238" y="457200"/>
+            <a:ext cx="7603699" cy="911225"/>
           </a:xfrm>
+          <a:ln/>
         </p:spPr>
         <p:txBody>
-          <a:bodyPr/>
+          <a:bodyPr tIns="31680"/>
           <a:lstStyle/>
           <a:p>
             <a:r>
-              <a:rPr lang="en-AU" sz="3600" b="1" dirty="0"/>
-              <a:t>Questions</a:t>
-            </a:r>
+              <a:rPr lang="en-AU" sz="2800" b="1" dirty="0" err="1">
+                <a:solidFill>
+                  <a:schemeClr val="tx1"/>
+                </a:solidFill>
+                <a:effectLst/>
+                <a:latin typeface="Consolas" panose="020B0609020204030204" pitchFamily="49" charset="0"/>
+              </a:rPr>
+              <a:t>shaderMinMaxLR</a:t>
+            </a:r>
+            <a:endParaRPr lang="en-AU" sz="2800" b="1" dirty="0">
+              <a:solidFill>
+                <a:schemeClr val="tx1"/>
+              </a:solidFill>
+              <a:effectLst/>
+              <a:latin typeface="Consolas" panose="020B0609020204030204" pitchFamily="49" charset="0"/>
+            </a:endParaRPr>
           </a:p>
         </p:txBody>
       </p:sp>
       <p:sp>
         <p:nvSpPr>
-          <p:cNvPr id="3" name="Text Placeholder 2">
-            <a:extLst>
-              <a:ext uri="{FF2B5EF4-FFF2-40B4-BE49-F238E27FC236}">
-                <a16:creationId xmlns:a16="http://schemas.microsoft.com/office/drawing/2014/main" id="{0C72DAA1-3DC4-448D-822D-16A871E03167}"/>
-              </a:ext>
-            </a:extLst>
-          </p:cNvPr>
-          <p:cNvSpPr>
-            <a:spLocks noGrp="1"/>
+          <p:cNvPr id="68610" name="Text Box 2"/>
+          <p:cNvSpPr txBox="1">
+            <a:spLocks noChangeArrowheads="1"/>
           </p:cNvSpPr>
-          <p:nvPr>
-            <p:ph type="body" idx="4294967295"/>
-          </p:nvPr>
+          <p:nvPr/>
         </p:nvSpPr>
-        <p:spPr>
+        <p:spPr bwMode="auto">
           <a:xfrm>
-            <a:off x="503280" y="1768320"/>
-            <a:ext cx="7595691" cy="4987800"/>
+            <a:off x="1" y="1368426"/>
+            <a:ext cx="9921240" cy="6072504"/>
           </a:xfrm>
+          <a:prstGeom prst="rect">
+            <a:avLst/>
+          </a:prstGeom>
+          <a:noFill/>
+          <a:ln>
+            <a:noFill/>
+          </a:ln>
+          <a:effectLst/>
+          <a:extLst>
+            <a:ext uri="{909E8E84-426E-40DD-AFC4-6F175D3DCCD1}">
+              <a14:hiddenFill xmlns:a14="http://schemas.microsoft.com/office/drawing/2010/main">
+                <a:solidFill>
+                  <a:srgbClr val="FFFFFF"/>
+                </a:solidFill>
+              </a14:hiddenFill>
+            </a:ext>
+            <a:ext uri="{91240B29-F687-4F45-9708-019B960494DF}">
+              <a14:hiddenLine xmlns:a14="http://schemas.microsoft.com/office/drawing/2010/main" w="12600" cap="flat">
+                <a:solidFill>
+                  <a:srgbClr val="00956F"/>
+                </a:solidFill>
+                <a:miter lim="800000"/>
+                <a:headEnd/>
+                <a:tailEnd/>
+              </a14:hiddenLine>
+            </a:ext>
+            <a:ext uri="{AF507438-7753-43E0-B8FC-AC1667EBCBE1}">
+              <a14:hiddenEffects xmlns:a14="http://schemas.microsoft.com/office/drawing/2010/main">
+                <a:effectLst>
+                  <a:outerShdw dist="35921" dir="2700000" algn="ctr" rotWithShape="0">
+                    <a:srgbClr val="808080"/>
+                  </a:outerShdw>
+                </a:effectLst>
+              </a14:hiddenEffects>
+            </a:ext>
+          </a:extLst>
         </p:spPr>
         <p:txBody>
-          <a:bodyPr/>
-          <a:lstStyle/>
-          <a:p>
-            <a:pPr marL="0" indent="0" algn="ctr"/>
-            <a:endParaRPr lang="en-AU" sz="2800" dirty="0"/>
-          </a:p>
-          <a:p>
-            <a:pPr marL="0" indent="0" algn="ctr"/>
-            <a:r>
-              <a:rPr lang="en-AU" sz="2800" dirty="0"/>
-              <a:t>Send questions to:</a:t>
-            </a:r>
-          </a:p>
-          <a:p>
-            <a:pPr marL="0" indent="0" algn="ctr"/>
-            <a:r>
-              <a:rPr lang="en-AU" sz="2800" dirty="0"/>
-              <a:t>3d@kbvis.com</a:t>
-            </a:r>
+          <a:bodyPr lIns="0" tIns="24840" rIns="0" bIns="0"/>
+          <a:lstStyle>
+            <a:lvl1pPr marL="863600" indent="-646113">
+              <a:tabLst>
+                <a:tab pos="1154113" algn="l"/>
+                <a:tab pos="1878013" algn="l"/>
+                <a:tab pos="2601913" algn="l"/>
+                <a:tab pos="3327400" algn="l"/>
+                <a:tab pos="4051300" algn="l"/>
+                <a:tab pos="4775200" algn="l"/>
+                <a:tab pos="5497513" algn="l"/>
+                <a:tab pos="6221413" algn="l"/>
+                <a:tab pos="6945313" algn="l"/>
+                <a:tab pos="7670800" algn="l"/>
+                <a:tab pos="8394700" algn="l"/>
+                <a:tab pos="9118600" algn="l"/>
+                <a:tab pos="9410700" algn="l"/>
+              </a:tabLst>
+              <a:defRPr>
+                <a:solidFill>
+                  <a:srgbClr val="000000"/>
+                </a:solidFill>
+                <a:latin typeface="Arial" panose="020B0604020202020204" pitchFamily="34" charset="0"/>
+                <a:ea typeface="Microsoft YaHei" panose="020B0503020204020204" pitchFamily="34" charset="-122"/>
+              </a:defRPr>
+            </a:lvl1pPr>
+            <a:lvl2pPr>
+              <a:tabLst>
+                <a:tab pos="1154113" algn="l"/>
+                <a:tab pos="1878013" algn="l"/>
+                <a:tab pos="2601913" algn="l"/>
+                <a:tab pos="3327400" algn="l"/>
+                <a:tab pos="4051300" algn="l"/>
+                <a:tab pos="4775200" algn="l"/>
+                <a:tab pos="5497513" algn="l"/>
+                <a:tab pos="6221413" algn="l"/>
+                <a:tab pos="6945313" algn="l"/>
+                <a:tab pos="7670800" algn="l"/>
+                <a:tab pos="8394700" algn="l"/>
+                <a:tab pos="9118600" algn="l"/>
+                <a:tab pos="9410700" algn="l"/>
+              </a:tabLst>
+              <a:defRPr>
+                <a:solidFill>
+                  <a:srgbClr val="000000"/>
+                </a:solidFill>
+                <a:latin typeface="Arial" panose="020B0604020202020204" pitchFamily="34" charset="0"/>
+                <a:ea typeface="Microsoft YaHei" panose="020B0503020204020204" pitchFamily="34" charset="-122"/>
+              </a:defRPr>
+            </a:lvl2pPr>
+            <a:lvl3pPr>
+              <a:tabLst>
+                <a:tab pos="1154113" algn="l"/>
+                <a:tab pos="1878013" algn="l"/>
+                <a:tab pos="2601913" algn="l"/>
+                <a:tab pos="3327400" algn="l"/>
+                <a:tab pos="4051300" algn="l"/>
+                <a:tab pos="4775200" algn="l"/>
+                <a:tab pos="5497513" algn="l"/>
+                <a:tab pos="6221413" algn="l"/>
+                <a:tab pos="6945313" algn="l"/>
+                <a:tab pos="7670800" algn="l"/>
+                <a:tab pos="8394700" algn="l"/>
+                <a:tab pos="9118600" algn="l"/>
+                <a:tab pos="9410700" algn="l"/>
+              </a:tabLst>
+              <a:defRPr>
+                <a:solidFill>
+                  <a:srgbClr val="000000"/>
+                </a:solidFill>
+                <a:latin typeface="Arial" panose="020B0604020202020204" pitchFamily="34" charset="0"/>
+                <a:ea typeface="Microsoft YaHei" panose="020B0503020204020204" pitchFamily="34" charset="-122"/>
+              </a:defRPr>
+            </a:lvl3pPr>
+            <a:lvl4pPr>
+              <a:tabLst>
+                <a:tab pos="1154113" algn="l"/>
+                <a:tab pos="1878013" algn="l"/>
+                <a:tab pos="2601913" algn="l"/>
+                <a:tab pos="3327400" algn="l"/>
+                <a:tab pos="4051300" algn="l"/>
+                <a:tab pos="4775200" algn="l"/>
+                <a:tab pos="5497513" algn="l"/>
+                <a:tab pos="6221413" algn="l"/>
+                <a:tab pos="6945313" algn="l"/>
+                <a:tab pos="7670800" algn="l"/>
+                <a:tab pos="8394700" algn="l"/>
+                <a:tab pos="9118600" algn="l"/>
+                <a:tab pos="9410700" algn="l"/>
+              </a:tabLst>
+              <a:defRPr>
+                <a:solidFill>
+                  <a:srgbClr val="000000"/>
+                </a:solidFill>
+                <a:latin typeface="Arial" panose="020B0604020202020204" pitchFamily="34" charset="0"/>
+                <a:ea typeface="Microsoft YaHei" panose="020B0503020204020204" pitchFamily="34" charset="-122"/>
+              </a:defRPr>
+            </a:lvl4pPr>
+            <a:lvl5pPr>
+              <a:tabLst>
+                <a:tab pos="1154113" algn="l"/>
+                <a:tab pos="1878013" algn="l"/>
+                <a:tab pos="2601913" algn="l"/>
+                <a:tab pos="3327400" algn="l"/>
+                <a:tab pos="4051300" algn="l"/>
+                <a:tab pos="4775200" algn="l"/>
+                <a:tab pos="5497513" algn="l"/>
+                <a:tab pos="6221413" algn="l"/>
+                <a:tab pos="6945313" algn="l"/>
+                <a:tab pos="7670800" algn="l"/>
+                <a:tab pos="8394700" algn="l"/>
+                <a:tab pos="9118600" algn="l"/>
+                <a:tab pos="9410700" algn="l"/>
+              </a:tabLst>
+              <a:defRPr>
+                <a:solidFill>
+                  <a:srgbClr val="000000"/>
+                </a:solidFill>
+                <a:latin typeface="Arial" panose="020B0604020202020204" pitchFamily="34" charset="0"/>
+                <a:ea typeface="Microsoft YaHei" panose="020B0503020204020204" pitchFamily="34" charset="-122"/>
+              </a:defRPr>
+            </a:lvl5pPr>
+            <a:lvl6pPr marL="2514600" indent="-228600" defTabSz="449263" fontAlgn="base" hangingPunct="0">
+              <a:lnSpc>
+                <a:spcPct val="93000"/>
+              </a:lnSpc>
+              <a:spcBef>
+                <a:spcPct val="0"/>
+              </a:spcBef>
+              <a:spcAft>
+                <a:spcPct val="0"/>
+              </a:spcAft>
+              <a:buClr>
+                <a:srgbClr val="000000"/>
+              </a:buClr>
+              <a:buSzPct val="100000"/>
+              <a:buFont typeface="Times New Roman" panose="02020603050405020304" pitchFamily="18" charset="0"/>
+              <a:tabLst>
+                <a:tab pos="1154113" algn="l"/>
+                <a:tab pos="1878013" algn="l"/>
+                <a:tab pos="2601913" algn="l"/>
+                <a:tab pos="3327400" algn="l"/>
+                <a:tab pos="4051300" algn="l"/>
+                <a:tab pos="4775200" algn="l"/>
+                <a:tab pos="5497513" algn="l"/>
+                <a:tab pos="6221413" algn="l"/>
+                <a:tab pos="6945313" algn="l"/>
+                <a:tab pos="7670800" algn="l"/>
+                <a:tab pos="8394700" algn="l"/>
+                <a:tab pos="9118600" algn="l"/>
+                <a:tab pos="9410700" algn="l"/>
+              </a:tabLst>
+              <a:defRPr>
+                <a:solidFill>
+                  <a:srgbClr val="000000"/>
+                </a:solidFill>
+                <a:latin typeface="Arial" panose="020B0604020202020204" pitchFamily="34" charset="0"/>
+                <a:ea typeface="Microsoft YaHei" panose="020B0503020204020204" pitchFamily="34" charset="-122"/>
+              </a:defRPr>
+            </a:lvl6pPr>
+            <a:lvl7pPr marL="2971800" indent="-228600" defTabSz="449263" fontAlgn="base" hangingPunct="0">
+              <a:lnSpc>
+                <a:spcPct val="93000"/>
+              </a:lnSpc>
+              <a:spcBef>
+                <a:spcPct val="0"/>
+              </a:spcBef>
+              <a:spcAft>
+                <a:spcPct val="0"/>
+              </a:spcAft>
+              <a:buClr>
+                <a:srgbClr val="000000"/>
+              </a:buClr>
+              <a:buSzPct val="100000"/>
+              <a:buFont typeface="Times New Roman" panose="02020603050405020304" pitchFamily="18" charset="0"/>
+              <a:tabLst>
+                <a:tab pos="1154113" algn="l"/>
+                <a:tab pos="1878013" algn="l"/>
+                <a:tab pos="2601913" algn="l"/>
+                <a:tab pos="3327400" algn="l"/>
+                <a:tab pos="4051300" algn="l"/>
+                <a:tab pos="4775200" algn="l"/>
+                <a:tab pos="5497513" algn="l"/>
+                <a:tab pos="6221413" algn="l"/>
+                <a:tab pos="6945313" algn="l"/>
+                <a:tab pos="7670800" algn="l"/>
+                <a:tab pos="8394700" algn="l"/>
+                <a:tab pos="9118600" algn="l"/>
+                <a:tab pos="9410700" algn="l"/>
+              </a:tabLst>
+              <a:defRPr>
+                <a:solidFill>
+                  <a:srgbClr val="000000"/>
+                </a:solidFill>
+                <a:latin typeface="Arial" panose="020B0604020202020204" pitchFamily="34" charset="0"/>
+                <a:ea typeface="Microsoft YaHei" panose="020B0503020204020204" pitchFamily="34" charset="-122"/>
+              </a:defRPr>
+            </a:lvl7pPr>
+            <a:lvl8pPr marL="3429000" indent="-228600" defTabSz="449263" fontAlgn="base" hangingPunct="0">
+              <a:lnSpc>
+                <a:spcPct val="93000"/>
+              </a:lnSpc>
+              <a:spcBef>
+                <a:spcPct val="0"/>
+              </a:spcBef>
+              <a:spcAft>
+                <a:spcPct val="0"/>
+              </a:spcAft>
+              <a:buClr>
+                <a:srgbClr val="000000"/>
+              </a:buClr>
+              <a:buSzPct val="100000"/>
+              <a:buFont typeface="Times New Roman" panose="02020603050405020304" pitchFamily="18" charset="0"/>
+              <a:tabLst>
+                <a:tab pos="1154113" algn="l"/>
+                <a:tab pos="1878013" algn="l"/>
+                <a:tab pos="2601913" algn="l"/>
+                <a:tab pos="3327400" algn="l"/>
+                <a:tab pos="4051300" algn="l"/>
+                <a:tab pos="4775200" algn="l"/>
+                <a:tab pos="5497513" algn="l"/>
+                <a:tab pos="6221413" algn="l"/>
+                <a:tab pos="6945313" algn="l"/>
+                <a:tab pos="7670800" algn="l"/>
+                <a:tab pos="8394700" algn="l"/>
+                <a:tab pos="9118600" algn="l"/>
+                <a:tab pos="9410700" algn="l"/>
+              </a:tabLst>
+              <a:defRPr>
+                <a:solidFill>
+                  <a:srgbClr val="000000"/>
+                </a:solidFill>
+                <a:latin typeface="Arial" panose="020B0604020202020204" pitchFamily="34" charset="0"/>
+                <a:ea typeface="Microsoft YaHei" panose="020B0503020204020204" pitchFamily="34" charset="-122"/>
+              </a:defRPr>
+            </a:lvl8pPr>
+            <a:lvl9pPr marL="3886200" indent="-228600" defTabSz="449263" fontAlgn="base" hangingPunct="0">
+              <a:lnSpc>
+                <a:spcPct val="93000"/>
+              </a:lnSpc>
+              <a:spcBef>
+                <a:spcPct val="0"/>
+              </a:spcBef>
+              <a:spcAft>
+                <a:spcPct val="0"/>
+              </a:spcAft>
+              <a:buClr>
+                <a:srgbClr val="000000"/>
+              </a:buClr>
+              <a:buSzPct val="100000"/>
+              <a:buFont typeface="Times New Roman" panose="02020603050405020304" pitchFamily="18" charset="0"/>
+              <a:tabLst>
+                <a:tab pos="1154113" algn="l"/>
+                <a:tab pos="1878013" algn="l"/>
+                <a:tab pos="2601913" algn="l"/>
+                <a:tab pos="3327400" algn="l"/>
+                <a:tab pos="4051300" algn="l"/>
+                <a:tab pos="4775200" algn="l"/>
+                <a:tab pos="5497513" algn="l"/>
+                <a:tab pos="6221413" algn="l"/>
+                <a:tab pos="6945313" algn="l"/>
+                <a:tab pos="7670800" algn="l"/>
+                <a:tab pos="8394700" algn="l"/>
+                <a:tab pos="9118600" algn="l"/>
+                <a:tab pos="9410700" algn="l"/>
+              </a:tabLst>
+              <a:defRPr>
+                <a:solidFill>
+                  <a:srgbClr val="000000"/>
+                </a:solidFill>
+                <a:latin typeface="Arial" panose="020B0604020202020204" pitchFamily="34" charset="0"/>
+                <a:ea typeface="Microsoft YaHei" panose="020B0503020204020204" pitchFamily="34" charset="-122"/>
+              </a:defRPr>
+            </a:lvl9pPr>
+          </a:lstStyle>
+          <a:p>
+            <a:r>
+              <a:rPr lang="en-AU" sz="1600" b="0" dirty="0">
+                <a:solidFill>
+                  <a:srgbClr val="CE9178"/>
+                </a:solidFill>
+                <a:effectLst/>
+                <a:latin typeface="Consolas" panose="020B0609020204030204" pitchFamily="49" charset="0"/>
+              </a:rPr>
+              <a:t>    float </a:t>
+            </a:r>
+            <a:r>
+              <a:rPr lang="en-AU" sz="1600" b="0" dirty="0" err="1">
+                <a:solidFill>
+                  <a:srgbClr val="CE9178"/>
+                </a:solidFill>
+                <a:effectLst/>
+                <a:latin typeface="Consolas" panose="020B0609020204030204" pitchFamily="49" charset="0"/>
+              </a:rPr>
+              <a:t>minVal</a:t>
+            </a:r>
+            <a:r>
+              <a:rPr lang="en-AU" sz="1600" b="0" dirty="0">
+                <a:solidFill>
+                  <a:srgbClr val="CE9178"/>
+                </a:solidFill>
+                <a:effectLst/>
+                <a:latin typeface="Consolas" panose="020B0609020204030204" pitchFamily="49" charset="0"/>
+              </a:rPr>
+              <a:t>, </a:t>
+            </a:r>
+            <a:r>
+              <a:rPr lang="en-AU" sz="1600" b="0" dirty="0" err="1">
+                <a:solidFill>
+                  <a:srgbClr val="CE9178"/>
+                </a:solidFill>
+                <a:effectLst/>
+                <a:latin typeface="Consolas" panose="020B0609020204030204" pitchFamily="49" charset="0"/>
+              </a:rPr>
+              <a:t>maxVal</a:t>
+            </a:r>
+            <a:r>
+              <a:rPr lang="en-AU" sz="1600" b="0" dirty="0">
+                <a:solidFill>
+                  <a:srgbClr val="CE9178"/>
+                </a:solidFill>
+                <a:effectLst/>
+                <a:latin typeface="Consolas" panose="020B0609020204030204" pitchFamily="49" charset="0"/>
+              </a:rPr>
+              <a:t>;</a:t>
+            </a:r>
+          </a:p>
+          <a:p>
+            <a:r>
+              <a:rPr lang="en-AU" sz="1600" b="0" dirty="0">
+                <a:solidFill>
+                  <a:schemeClr val="accent6"/>
+                </a:solidFill>
+                <a:effectLst/>
+                <a:latin typeface="Consolas" panose="020B0609020204030204" pitchFamily="49" charset="0"/>
+              </a:rPr>
+              <a:t>    // exponential falloff factor based on distance from current pixel</a:t>
+            </a:r>
+          </a:p>
+          <a:p>
+            <a:r>
+              <a:rPr lang="en-AU" sz="1600" b="0" dirty="0">
+                <a:solidFill>
+                  <a:srgbClr val="CE9178"/>
+                </a:solidFill>
+                <a:effectLst/>
+                <a:latin typeface="Consolas" panose="020B0609020204030204" pitchFamily="49" charset="0"/>
+              </a:rPr>
+              <a:t>    float </a:t>
+            </a:r>
+            <a:r>
+              <a:rPr lang="en-AU" sz="1600" b="0" dirty="0" err="1">
+                <a:solidFill>
+                  <a:srgbClr val="CE9178"/>
+                </a:solidFill>
+                <a:effectLst/>
+                <a:latin typeface="Consolas" panose="020B0609020204030204" pitchFamily="49" charset="0"/>
+              </a:rPr>
+              <a:t>expScale</a:t>
+            </a:r>
+            <a:r>
+              <a:rPr lang="en-AU" sz="1600" b="0" dirty="0">
+                <a:solidFill>
+                  <a:srgbClr val="CE9178"/>
+                </a:solidFill>
+                <a:effectLst/>
+                <a:latin typeface="Consolas" panose="020B0609020204030204" pitchFamily="49" charset="0"/>
+              </a:rPr>
+              <a:t> = float(</a:t>
+            </a:r>
+            <a:r>
+              <a:rPr lang="en-AU" sz="1600" b="0" dirty="0" err="1">
+                <a:solidFill>
+                  <a:srgbClr val="CE9178"/>
+                </a:solidFill>
+                <a:effectLst/>
+                <a:latin typeface="Consolas" panose="020B0609020204030204" pitchFamily="49" charset="0"/>
+              </a:rPr>
+              <a:t>uWindowSize</a:t>
+            </a:r>
+            <a:r>
+              <a:rPr lang="en-AU" sz="1600" b="0" dirty="0">
+                <a:solidFill>
+                  <a:srgbClr val="CE9178"/>
+                </a:solidFill>
+                <a:effectLst/>
+                <a:latin typeface="Consolas" panose="020B0609020204030204" pitchFamily="49" charset="0"/>
+              </a:rPr>
+              <a:t>*</a:t>
+            </a:r>
+            <a:r>
+              <a:rPr lang="en-AU" sz="1600" b="0" dirty="0" err="1">
+                <a:solidFill>
+                  <a:srgbClr val="CE9178"/>
+                </a:solidFill>
+                <a:effectLst/>
+                <a:latin typeface="Consolas" panose="020B0609020204030204" pitchFamily="49" charset="0"/>
+              </a:rPr>
+              <a:t>uWindowSize</a:t>
+            </a:r>
+            <a:r>
+              <a:rPr lang="en-AU" sz="1600" b="0" dirty="0">
+                <a:solidFill>
+                  <a:srgbClr val="CE9178"/>
+                </a:solidFill>
+                <a:effectLst/>
+                <a:latin typeface="Consolas" panose="020B0609020204030204" pitchFamily="49" charset="0"/>
+              </a:rPr>
+              <a:t>);</a:t>
+            </a:r>
+          </a:p>
+          <a:p>
+            <a:r>
+              <a:rPr lang="en-AU" sz="1600" b="0" dirty="0">
+                <a:solidFill>
+                  <a:schemeClr val="accent6"/>
+                </a:solidFill>
+                <a:effectLst/>
+                <a:latin typeface="Consolas" panose="020B0609020204030204" pitchFamily="49" charset="0"/>
+              </a:rPr>
+              <a:t>    // get left sample from current source ping-pong FBO</a:t>
+            </a:r>
+          </a:p>
+          <a:p>
+            <a:r>
+              <a:rPr lang="en-AU" sz="1600" b="0" dirty="0">
+                <a:solidFill>
+                  <a:srgbClr val="CE9178"/>
+                </a:solidFill>
+                <a:effectLst/>
+                <a:latin typeface="Consolas" panose="020B0609020204030204" pitchFamily="49" charset="0"/>
+              </a:rPr>
+              <a:t>    if(</a:t>
+            </a:r>
+            <a:r>
+              <a:rPr lang="en-AU" sz="1600" b="0" dirty="0" err="1">
+                <a:solidFill>
+                  <a:srgbClr val="CE9178"/>
+                </a:solidFill>
+                <a:effectLst/>
+                <a:latin typeface="Consolas" panose="020B0609020204030204" pitchFamily="49" charset="0"/>
+              </a:rPr>
+              <a:t>vPixelCoord.x</a:t>
+            </a:r>
+            <a:r>
+              <a:rPr lang="en-AU" sz="1600" b="0" dirty="0">
+                <a:solidFill>
+                  <a:srgbClr val="CE9178"/>
+                </a:solidFill>
+                <a:effectLst/>
+                <a:latin typeface="Consolas" panose="020B0609020204030204" pitchFamily="49" charset="0"/>
+              </a:rPr>
+              <a:t> &gt;= </a:t>
+            </a:r>
+            <a:r>
+              <a:rPr lang="en-AU" sz="1600" b="0" dirty="0" err="1">
+                <a:solidFill>
+                  <a:srgbClr val="CE9178"/>
+                </a:solidFill>
+                <a:effectLst/>
+                <a:latin typeface="Consolas" panose="020B0609020204030204" pitchFamily="49" charset="0"/>
+              </a:rPr>
+              <a:t>uWindowSize</a:t>
+            </a:r>
+            <a:r>
+              <a:rPr lang="en-AU" sz="1600" b="0" dirty="0">
+                <a:solidFill>
+                  <a:srgbClr val="CE9178"/>
+                </a:solidFill>
+                <a:effectLst/>
+                <a:latin typeface="Consolas" panose="020B0609020204030204" pitchFamily="49" charset="0"/>
+              </a:rPr>
+              <a:t>){</a:t>
+            </a:r>
+            <a:endParaRPr lang="en-AU" sz="1600" b="0" dirty="0">
+              <a:solidFill>
+                <a:srgbClr val="D4D4D4"/>
+              </a:solidFill>
+              <a:effectLst/>
+              <a:latin typeface="Consolas" panose="020B0609020204030204" pitchFamily="49" charset="0"/>
+            </a:endParaRPr>
+          </a:p>
+          <a:p>
+            <a:r>
+              <a:rPr lang="en-AU" sz="1600" b="0" dirty="0">
+                <a:solidFill>
+                  <a:srgbClr val="CE9178"/>
+                </a:solidFill>
+                <a:effectLst/>
+                <a:latin typeface="Consolas" panose="020B0609020204030204" pitchFamily="49" charset="0"/>
+              </a:rPr>
+              <a:t>        lookup = </a:t>
+            </a:r>
+            <a:r>
+              <a:rPr lang="en-AU" sz="1600" b="0" dirty="0" err="1">
+                <a:solidFill>
+                  <a:srgbClr val="CE9178"/>
+                </a:solidFill>
+                <a:effectLst/>
+                <a:latin typeface="Consolas" panose="020B0609020204030204" pitchFamily="49" charset="0"/>
+              </a:rPr>
+              <a:t>texelFetch</a:t>
+            </a:r>
+            <a:r>
+              <a:rPr lang="en-AU" sz="1600" b="0" dirty="0">
+                <a:solidFill>
+                  <a:srgbClr val="CE9178"/>
+                </a:solidFill>
+                <a:effectLst/>
+                <a:latin typeface="Consolas" panose="020B0609020204030204" pitchFamily="49" charset="0"/>
+              </a:rPr>
+              <a:t>(</a:t>
+            </a:r>
+            <a:r>
+              <a:rPr lang="en-AU" sz="1600" b="0" dirty="0" err="1">
+                <a:solidFill>
+                  <a:srgbClr val="CE9178"/>
+                </a:solidFill>
+                <a:effectLst/>
+                <a:latin typeface="Consolas" panose="020B0609020204030204" pitchFamily="49" charset="0"/>
+              </a:rPr>
+              <a:t>uImageSampler</a:t>
+            </a:r>
+            <a:r>
+              <a:rPr lang="en-AU" sz="1600" b="0" dirty="0">
+                <a:solidFill>
+                  <a:srgbClr val="CE9178"/>
+                </a:solidFill>
+                <a:effectLst/>
+                <a:latin typeface="Consolas" panose="020B0609020204030204" pitchFamily="49" charset="0"/>
+              </a:rPr>
+              <a:t>, ivec2(</a:t>
+            </a:r>
+            <a:r>
+              <a:rPr lang="en-AU" sz="1600" b="0" dirty="0" err="1">
+                <a:solidFill>
+                  <a:srgbClr val="CE9178"/>
+                </a:solidFill>
+                <a:effectLst/>
+                <a:latin typeface="Consolas" panose="020B0609020204030204" pitchFamily="49" charset="0"/>
+              </a:rPr>
+              <a:t>vPixelCoord.x</a:t>
+            </a:r>
+            <a:r>
+              <a:rPr lang="en-AU" sz="1600" b="0" dirty="0">
+                <a:solidFill>
+                  <a:srgbClr val="CE9178"/>
+                </a:solidFill>
+                <a:effectLst/>
+                <a:latin typeface="Consolas" panose="020B0609020204030204" pitchFamily="49" charset="0"/>
+              </a:rPr>
+              <a:t> - </a:t>
+            </a:r>
+            <a:r>
+              <a:rPr lang="en-AU" sz="1600" b="0" dirty="0" err="1">
+                <a:solidFill>
+                  <a:srgbClr val="CE9178"/>
+                </a:solidFill>
+                <a:effectLst/>
+                <a:latin typeface="Consolas" panose="020B0609020204030204" pitchFamily="49" charset="0"/>
+              </a:rPr>
+              <a:t>uWindowSize</a:t>
+            </a:r>
+            <a:r>
+              <a:rPr lang="en-AU" sz="1600" b="0" dirty="0">
+                <a:solidFill>
+                  <a:srgbClr val="CE9178"/>
+                </a:solidFill>
+                <a:effectLst/>
+                <a:latin typeface="Consolas" panose="020B0609020204030204" pitchFamily="49" charset="0"/>
+              </a:rPr>
+              <a:t>, </a:t>
+            </a:r>
+            <a:r>
+              <a:rPr lang="en-AU" sz="1600" b="0" dirty="0" err="1">
+                <a:solidFill>
+                  <a:srgbClr val="CE9178"/>
+                </a:solidFill>
+                <a:effectLst/>
+                <a:latin typeface="Consolas" panose="020B0609020204030204" pitchFamily="49" charset="0"/>
+              </a:rPr>
+              <a:t>flippedRow</a:t>
+            </a:r>
+            <a:r>
+              <a:rPr lang="en-AU" sz="1600" b="0" dirty="0">
+                <a:solidFill>
+                  <a:srgbClr val="CE9178"/>
+                </a:solidFill>
+                <a:effectLst/>
+                <a:latin typeface="Consolas" panose="020B0609020204030204" pitchFamily="49" charset="0"/>
+              </a:rPr>
+              <a:t>), 0);</a:t>
+            </a:r>
+          </a:p>
+          <a:p>
+            <a:r>
+              <a:rPr lang="en-AU" sz="1600" dirty="0">
+                <a:solidFill>
+                  <a:srgbClr val="CE9178"/>
+                </a:solidFill>
+                <a:latin typeface="Consolas" panose="020B0609020204030204" pitchFamily="49" charset="0"/>
+              </a:rPr>
+              <a:t>		</a:t>
+            </a:r>
+            <a:r>
+              <a:rPr lang="en-AU" sz="1600" dirty="0">
+                <a:solidFill>
+                  <a:schemeClr val="accent6"/>
+                </a:solidFill>
+                <a:latin typeface="Consolas" panose="020B0609020204030204" pitchFamily="49" charset="0"/>
+              </a:rPr>
+              <a:t>// update minmax at pixel with contribution from row sample, </a:t>
+            </a:r>
+          </a:p>
+          <a:p>
+            <a:r>
+              <a:rPr lang="en-AU" sz="1600" dirty="0">
+                <a:solidFill>
+                  <a:schemeClr val="accent6"/>
+                </a:solidFill>
+                <a:latin typeface="Consolas" panose="020B0609020204030204" pitchFamily="49" charset="0"/>
+              </a:rPr>
+              <a:t>		// scaled with exponential distance falloff</a:t>
+            </a:r>
+            <a:endParaRPr lang="en-AU" sz="1600" b="0" dirty="0">
+              <a:solidFill>
+                <a:schemeClr val="accent6"/>
+              </a:solidFill>
+              <a:effectLst/>
+              <a:latin typeface="Consolas" panose="020B0609020204030204" pitchFamily="49" charset="0"/>
+            </a:endParaRPr>
+          </a:p>
+          <a:p>
+            <a:r>
+              <a:rPr lang="en-AU" sz="1600" b="0" dirty="0">
+                <a:solidFill>
+                  <a:srgbClr val="CE9178"/>
+                </a:solidFill>
+                <a:effectLst/>
+                <a:latin typeface="Consolas" panose="020B0609020204030204" pitchFamily="49" charset="0"/>
+              </a:rPr>
+              <a:t>        if(</a:t>
+            </a:r>
+            <a:r>
+              <a:rPr lang="en-AU" sz="1600" b="0" dirty="0" err="1">
+                <a:solidFill>
+                  <a:srgbClr val="CE9178"/>
+                </a:solidFill>
+                <a:effectLst/>
+                <a:latin typeface="Consolas" panose="020B0609020204030204" pitchFamily="49" charset="0"/>
+              </a:rPr>
+              <a:t>uFlipped</a:t>
+            </a:r>
+            <a:r>
+              <a:rPr lang="en-AU" sz="1600" b="0" dirty="0">
+                <a:solidFill>
+                  <a:srgbClr val="CE9178"/>
+                </a:solidFill>
+                <a:effectLst/>
+                <a:latin typeface="Consolas" panose="020B0609020204030204" pitchFamily="49" charset="0"/>
+              </a:rPr>
+              <a:t> &gt; 0){</a:t>
+            </a:r>
+            <a:endParaRPr lang="en-AU" sz="1600" b="0" dirty="0">
+              <a:solidFill>
+                <a:srgbClr val="D4D4D4"/>
+              </a:solidFill>
+              <a:effectLst/>
+              <a:latin typeface="Consolas" panose="020B0609020204030204" pitchFamily="49" charset="0"/>
+            </a:endParaRPr>
+          </a:p>
+          <a:p>
+            <a:r>
+              <a:rPr lang="en-AU" sz="1600" b="0" dirty="0">
+                <a:solidFill>
+                  <a:srgbClr val="CE9178"/>
+                </a:solidFill>
+                <a:effectLst/>
+                <a:latin typeface="Consolas" panose="020B0609020204030204" pitchFamily="49" charset="0"/>
+              </a:rPr>
+              <a:t>            </a:t>
+            </a:r>
+            <a:r>
+              <a:rPr lang="en-AU" sz="1600" b="0" dirty="0" err="1">
+                <a:solidFill>
+                  <a:srgbClr val="CE9178"/>
+                </a:solidFill>
+                <a:effectLst/>
+                <a:latin typeface="Consolas" panose="020B0609020204030204" pitchFamily="49" charset="0"/>
+              </a:rPr>
+              <a:t>minVal</a:t>
+            </a:r>
+            <a:r>
+              <a:rPr lang="en-AU" sz="1600" b="0" dirty="0">
+                <a:solidFill>
+                  <a:srgbClr val="CE9178"/>
+                </a:solidFill>
+                <a:effectLst/>
+                <a:latin typeface="Consolas" panose="020B0609020204030204" pitchFamily="49" charset="0"/>
+              </a:rPr>
+              <a:t> = </a:t>
+            </a:r>
+            <a:r>
+              <a:rPr lang="en-AU" sz="1600" b="0" dirty="0" err="1">
+                <a:solidFill>
+                  <a:srgbClr val="CE9178"/>
+                </a:solidFill>
+                <a:effectLst/>
+                <a:latin typeface="Consolas" panose="020B0609020204030204" pitchFamily="49" charset="0"/>
+              </a:rPr>
+              <a:t>maxVal</a:t>
+            </a:r>
+            <a:r>
+              <a:rPr lang="en-AU" sz="1600" b="0" dirty="0">
+                <a:solidFill>
+                  <a:srgbClr val="CE9178"/>
+                </a:solidFill>
+                <a:effectLst/>
+                <a:latin typeface="Consolas" panose="020B0609020204030204" pitchFamily="49" charset="0"/>
+              </a:rPr>
+              <a:t> = intensity(lookup); </a:t>
+            </a:r>
+            <a:endParaRPr lang="en-AU" sz="1600" b="0" dirty="0">
+              <a:solidFill>
+                <a:srgbClr val="D4D4D4"/>
+              </a:solidFill>
+              <a:effectLst/>
+              <a:latin typeface="Consolas" panose="020B0609020204030204" pitchFamily="49" charset="0"/>
+            </a:endParaRPr>
+          </a:p>
+          <a:p>
+            <a:r>
+              <a:rPr lang="en-AU" sz="1600" b="0" dirty="0">
+                <a:solidFill>
+                  <a:srgbClr val="CE9178"/>
+                </a:solidFill>
+                <a:effectLst/>
+                <a:latin typeface="Consolas" panose="020B0609020204030204" pitchFamily="49" charset="0"/>
+              </a:rPr>
+              <a:t>        }else{</a:t>
+            </a:r>
+            <a:endParaRPr lang="en-AU" sz="1600" b="0" dirty="0">
+              <a:solidFill>
+                <a:srgbClr val="D4D4D4"/>
+              </a:solidFill>
+              <a:effectLst/>
+              <a:latin typeface="Consolas" panose="020B0609020204030204" pitchFamily="49" charset="0"/>
+            </a:endParaRPr>
+          </a:p>
+          <a:p>
+            <a:r>
+              <a:rPr lang="en-AU" sz="1600" b="0" dirty="0">
+                <a:solidFill>
+                  <a:srgbClr val="CE9178"/>
+                </a:solidFill>
+                <a:effectLst/>
+                <a:latin typeface="Consolas" panose="020B0609020204030204" pitchFamily="49" charset="0"/>
+              </a:rPr>
+              <a:t>            </a:t>
+            </a:r>
+            <a:r>
+              <a:rPr lang="en-AU" sz="1600" b="0" dirty="0" err="1">
+                <a:solidFill>
+                  <a:srgbClr val="CE9178"/>
+                </a:solidFill>
+                <a:effectLst/>
+                <a:latin typeface="Consolas" panose="020B0609020204030204" pitchFamily="49" charset="0"/>
+              </a:rPr>
+              <a:t>minVal</a:t>
+            </a:r>
+            <a:r>
+              <a:rPr lang="en-AU" sz="1600" b="0" dirty="0">
+                <a:solidFill>
+                  <a:srgbClr val="CE9178"/>
+                </a:solidFill>
+                <a:effectLst/>
+                <a:latin typeface="Consolas" panose="020B0609020204030204" pitchFamily="49" charset="0"/>
+              </a:rPr>
+              <a:t> = vec2ToFloat(</a:t>
+            </a:r>
+            <a:r>
+              <a:rPr lang="en-AU" sz="1600" b="0" dirty="0" err="1">
+                <a:solidFill>
+                  <a:srgbClr val="CE9178"/>
+                </a:solidFill>
+                <a:effectLst/>
+                <a:latin typeface="Consolas" panose="020B0609020204030204" pitchFamily="49" charset="0"/>
+              </a:rPr>
+              <a:t>lookup.rg</a:t>
+            </a:r>
+            <a:r>
+              <a:rPr lang="en-AU" sz="1600" b="0" dirty="0">
+                <a:solidFill>
+                  <a:srgbClr val="CE9178"/>
+                </a:solidFill>
+                <a:effectLst/>
+                <a:latin typeface="Consolas" panose="020B0609020204030204" pitchFamily="49" charset="0"/>
+              </a:rPr>
+              <a:t>);</a:t>
+            </a:r>
+            <a:endParaRPr lang="en-AU" sz="1600" b="0" dirty="0">
+              <a:solidFill>
+                <a:srgbClr val="D4D4D4"/>
+              </a:solidFill>
+              <a:effectLst/>
+              <a:latin typeface="Consolas" panose="020B0609020204030204" pitchFamily="49" charset="0"/>
+            </a:endParaRPr>
+          </a:p>
+          <a:p>
+            <a:r>
+              <a:rPr lang="en-AU" sz="1600" b="0" dirty="0">
+                <a:solidFill>
+                  <a:srgbClr val="CE9178"/>
+                </a:solidFill>
+                <a:effectLst/>
+                <a:latin typeface="Consolas" panose="020B0609020204030204" pitchFamily="49" charset="0"/>
+              </a:rPr>
+              <a:t>            </a:t>
+            </a:r>
+            <a:r>
+              <a:rPr lang="en-AU" sz="1600" b="0" dirty="0" err="1">
+                <a:solidFill>
+                  <a:srgbClr val="CE9178"/>
+                </a:solidFill>
+                <a:effectLst/>
+                <a:latin typeface="Consolas" panose="020B0609020204030204" pitchFamily="49" charset="0"/>
+              </a:rPr>
+              <a:t>maxVal</a:t>
+            </a:r>
+            <a:r>
+              <a:rPr lang="en-AU" sz="1600" b="0" dirty="0">
+                <a:solidFill>
+                  <a:srgbClr val="CE9178"/>
+                </a:solidFill>
+                <a:effectLst/>
+                <a:latin typeface="Consolas" panose="020B0609020204030204" pitchFamily="49" charset="0"/>
+              </a:rPr>
+              <a:t> = vec2ToFloat(lookup.ba);</a:t>
+            </a:r>
+            <a:endParaRPr lang="en-AU" sz="1600" b="0" dirty="0">
+              <a:solidFill>
+                <a:srgbClr val="D4D4D4"/>
+              </a:solidFill>
+              <a:effectLst/>
+              <a:latin typeface="Consolas" panose="020B0609020204030204" pitchFamily="49" charset="0"/>
+            </a:endParaRPr>
+          </a:p>
+          <a:p>
+            <a:r>
+              <a:rPr lang="en-AU" sz="1600" b="0" dirty="0">
+                <a:solidFill>
+                  <a:srgbClr val="CE9178"/>
+                </a:solidFill>
+                <a:effectLst/>
+                <a:latin typeface="Consolas" panose="020B0609020204030204" pitchFamily="49" charset="0"/>
+              </a:rPr>
+              <a:t>        }</a:t>
+            </a:r>
+            <a:endParaRPr lang="en-AU" sz="1600" b="0" dirty="0">
+              <a:solidFill>
+                <a:srgbClr val="D4D4D4"/>
+              </a:solidFill>
+              <a:effectLst/>
+              <a:latin typeface="Consolas" panose="020B0609020204030204" pitchFamily="49" charset="0"/>
+            </a:endParaRPr>
+          </a:p>
+          <a:p>
+            <a:r>
+              <a:rPr lang="en-AU" sz="1600" b="0" dirty="0">
+                <a:solidFill>
+                  <a:srgbClr val="CE9178"/>
+                </a:solidFill>
+                <a:effectLst/>
+                <a:latin typeface="Consolas" panose="020B0609020204030204" pitchFamily="49" charset="0"/>
+              </a:rPr>
+              <a:t>        if(</a:t>
+            </a:r>
+            <a:r>
+              <a:rPr lang="en-AU" sz="1600" b="0" dirty="0" err="1">
+                <a:solidFill>
+                  <a:srgbClr val="CE9178"/>
+                </a:solidFill>
+                <a:effectLst/>
+                <a:latin typeface="Consolas" panose="020B0609020204030204" pitchFamily="49" charset="0"/>
+              </a:rPr>
+              <a:t>minVal</a:t>
+            </a:r>
+            <a:r>
+              <a:rPr lang="en-AU" sz="1600" b="0" dirty="0">
+                <a:solidFill>
+                  <a:srgbClr val="CE9178"/>
+                </a:solidFill>
+                <a:effectLst/>
+                <a:latin typeface="Consolas" panose="020B0609020204030204" pitchFamily="49" charset="0"/>
+              </a:rPr>
+              <a:t> &lt; </a:t>
+            </a:r>
+            <a:r>
+              <a:rPr lang="en-AU" sz="1600" b="0" dirty="0" err="1">
+                <a:solidFill>
+                  <a:srgbClr val="CE9178"/>
+                </a:solidFill>
+                <a:effectLst/>
+                <a:latin typeface="Consolas" panose="020B0609020204030204" pitchFamily="49" charset="0"/>
+              </a:rPr>
+              <a:t>localMinL</a:t>
+            </a:r>
+            <a:r>
+              <a:rPr lang="en-AU" sz="1600" b="0" dirty="0">
+                <a:solidFill>
+                  <a:srgbClr val="CE9178"/>
+                </a:solidFill>
+                <a:effectLst/>
+                <a:latin typeface="Consolas" panose="020B0609020204030204" pitchFamily="49" charset="0"/>
+              </a:rPr>
+              <a:t>){</a:t>
+            </a:r>
+            <a:endParaRPr lang="en-AU" sz="1600" b="0" dirty="0">
+              <a:solidFill>
+                <a:srgbClr val="D4D4D4"/>
+              </a:solidFill>
+              <a:effectLst/>
+              <a:latin typeface="Consolas" panose="020B0609020204030204" pitchFamily="49" charset="0"/>
+            </a:endParaRPr>
+          </a:p>
+          <a:p>
+            <a:r>
+              <a:rPr lang="en-AU" sz="1600" b="0" dirty="0">
+                <a:solidFill>
+                  <a:srgbClr val="CE9178"/>
+                </a:solidFill>
+                <a:effectLst/>
+                <a:latin typeface="Consolas" panose="020B0609020204030204" pitchFamily="49" charset="0"/>
+              </a:rPr>
+              <a:t>            float diff = </a:t>
+            </a:r>
+            <a:r>
+              <a:rPr lang="en-AU" sz="1600" b="0" dirty="0" err="1">
+                <a:solidFill>
+                  <a:srgbClr val="CE9178"/>
+                </a:solidFill>
+                <a:effectLst/>
+                <a:latin typeface="Consolas" panose="020B0609020204030204" pitchFamily="49" charset="0"/>
+              </a:rPr>
+              <a:t>minVal</a:t>
+            </a:r>
+            <a:r>
+              <a:rPr lang="en-AU" sz="1600" b="0" dirty="0">
+                <a:solidFill>
+                  <a:srgbClr val="CE9178"/>
+                </a:solidFill>
+                <a:effectLst/>
+                <a:latin typeface="Consolas" panose="020B0609020204030204" pitchFamily="49" charset="0"/>
+              </a:rPr>
+              <a:t> - </a:t>
+            </a:r>
+            <a:r>
+              <a:rPr lang="en-AU" sz="1600" b="0" dirty="0" err="1">
+                <a:solidFill>
+                  <a:srgbClr val="CE9178"/>
+                </a:solidFill>
+                <a:effectLst/>
+                <a:latin typeface="Consolas" panose="020B0609020204030204" pitchFamily="49" charset="0"/>
+              </a:rPr>
+              <a:t>localMinL</a:t>
+            </a:r>
+            <a:r>
+              <a:rPr lang="en-AU" sz="1600" b="0" dirty="0">
+                <a:solidFill>
+                  <a:srgbClr val="CE9178"/>
+                </a:solidFill>
+                <a:effectLst/>
+                <a:latin typeface="Consolas" panose="020B0609020204030204" pitchFamily="49" charset="0"/>
+              </a:rPr>
+              <a:t>;</a:t>
+            </a:r>
+            <a:endParaRPr lang="en-AU" sz="1600" b="0" dirty="0">
+              <a:solidFill>
+                <a:srgbClr val="D4D4D4"/>
+              </a:solidFill>
+              <a:effectLst/>
+              <a:latin typeface="Consolas" panose="020B0609020204030204" pitchFamily="49" charset="0"/>
+            </a:endParaRPr>
+          </a:p>
+          <a:p>
+            <a:r>
+              <a:rPr lang="en-AU" sz="1600" b="0" dirty="0">
+                <a:solidFill>
+                  <a:srgbClr val="CE9178"/>
+                </a:solidFill>
+                <a:effectLst/>
+                <a:latin typeface="Consolas" panose="020B0609020204030204" pitchFamily="49" charset="0"/>
+              </a:rPr>
+              <a:t>            </a:t>
+            </a:r>
+            <a:r>
+              <a:rPr lang="en-AU" sz="1600" b="0" dirty="0" err="1">
+                <a:solidFill>
+                  <a:srgbClr val="CE9178"/>
+                </a:solidFill>
+                <a:effectLst/>
+                <a:latin typeface="Consolas" panose="020B0609020204030204" pitchFamily="49" charset="0"/>
+              </a:rPr>
+              <a:t>localMinL</a:t>
+            </a:r>
+            <a:r>
+              <a:rPr lang="en-AU" sz="1600" b="0" dirty="0">
+                <a:solidFill>
+                  <a:srgbClr val="CE9178"/>
+                </a:solidFill>
+                <a:effectLst/>
+                <a:latin typeface="Consolas" panose="020B0609020204030204" pitchFamily="49" charset="0"/>
+              </a:rPr>
+              <a:t> += diff * exp(-</a:t>
+            </a:r>
+            <a:r>
+              <a:rPr lang="en-AU" sz="1600" b="0" dirty="0" err="1">
+                <a:solidFill>
+                  <a:srgbClr val="CE9178"/>
+                </a:solidFill>
+                <a:effectLst/>
+                <a:latin typeface="Consolas" panose="020B0609020204030204" pitchFamily="49" charset="0"/>
+              </a:rPr>
+              <a:t>uMinusR</a:t>
+            </a:r>
+            <a:r>
+              <a:rPr lang="en-AU" sz="1600" b="0" dirty="0">
+                <a:solidFill>
+                  <a:srgbClr val="CE9178"/>
+                </a:solidFill>
+                <a:effectLst/>
+                <a:latin typeface="Consolas" panose="020B0609020204030204" pitchFamily="49" charset="0"/>
+              </a:rPr>
+              <a:t> * diff * </a:t>
+            </a:r>
+            <a:r>
+              <a:rPr lang="en-AU" sz="1600" b="0" dirty="0" err="1">
+                <a:solidFill>
+                  <a:srgbClr val="CE9178"/>
+                </a:solidFill>
+                <a:effectLst/>
+                <a:latin typeface="Consolas" panose="020B0609020204030204" pitchFamily="49" charset="0"/>
+              </a:rPr>
+              <a:t>expScale</a:t>
+            </a:r>
+            <a:r>
+              <a:rPr lang="en-AU" sz="1600" b="0" dirty="0">
+                <a:solidFill>
+                  <a:srgbClr val="CE9178"/>
+                </a:solidFill>
+                <a:effectLst/>
+                <a:latin typeface="Consolas" panose="020B0609020204030204" pitchFamily="49" charset="0"/>
+              </a:rPr>
+              <a:t>);</a:t>
+            </a:r>
+            <a:endParaRPr lang="en-AU" sz="1600" b="0" dirty="0">
+              <a:solidFill>
+                <a:srgbClr val="D4D4D4"/>
+              </a:solidFill>
+              <a:effectLst/>
+              <a:latin typeface="Consolas" panose="020B0609020204030204" pitchFamily="49" charset="0"/>
+            </a:endParaRPr>
+          </a:p>
+          <a:p>
+            <a:r>
+              <a:rPr lang="en-AU" sz="1600" b="0" dirty="0">
+                <a:solidFill>
+                  <a:srgbClr val="CE9178"/>
+                </a:solidFill>
+                <a:effectLst/>
+                <a:latin typeface="Consolas" panose="020B0609020204030204" pitchFamily="49" charset="0"/>
+              </a:rPr>
+              <a:t>        }</a:t>
+            </a:r>
+            <a:endParaRPr lang="en-AU" sz="1600" b="0" dirty="0">
+              <a:solidFill>
+                <a:srgbClr val="D4D4D4"/>
+              </a:solidFill>
+              <a:effectLst/>
+              <a:latin typeface="Consolas" panose="020B0609020204030204" pitchFamily="49" charset="0"/>
+            </a:endParaRPr>
+          </a:p>
+          <a:p>
+            <a:r>
+              <a:rPr lang="en-AU" sz="1600" b="0" dirty="0">
+                <a:solidFill>
+                  <a:srgbClr val="CE9178"/>
+                </a:solidFill>
+                <a:effectLst/>
+                <a:latin typeface="Consolas" panose="020B0609020204030204" pitchFamily="49" charset="0"/>
+              </a:rPr>
+              <a:t>        if(</a:t>
+            </a:r>
+            <a:r>
+              <a:rPr lang="en-AU" sz="1600" b="0" dirty="0" err="1">
+                <a:solidFill>
+                  <a:srgbClr val="CE9178"/>
+                </a:solidFill>
+                <a:effectLst/>
+                <a:latin typeface="Consolas" panose="020B0609020204030204" pitchFamily="49" charset="0"/>
+              </a:rPr>
+              <a:t>maxVal</a:t>
+            </a:r>
+            <a:r>
+              <a:rPr lang="en-AU" sz="1600" b="0" dirty="0">
+                <a:solidFill>
+                  <a:srgbClr val="CE9178"/>
+                </a:solidFill>
+                <a:effectLst/>
+                <a:latin typeface="Consolas" panose="020B0609020204030204" pitchFamily="49" charset="0"/>
+              </a:rPr>
+              <a:t> &gt; </a:t>
+            </a:r>
+            <a:r>
+              <a:rPr lang="en-AU" sz="1600" b="0" dirty="0" err="1">
+                <a:solidFill>
+                  <a:srgbClr val="CE9178"/>
+                </a:solidFill>
+                <a:effectLst/>
+                <a:latin typeface="Consolas" panose="020B0609020204030204" pitchFamily="49" charset="0"/>
+              </a:rPr>
+              <a:t>localMaxL</a:t>
+            </a:r>
+            <a:r>
+              <a:rPr lang="en-AU" sz="1600" b="0" dirty="0">
+                <a:solidFill>
+                  <a:srgbClr val="CE9178"/>
+                </a:solidFill>
+                <a:effectLst/>
+                <a:latin typeface="Consolas" panose="020B0609020204030204" pitchFamily="49" charset="0"/>
+              </a:rPr>
+              <a:t>){</a:t>
+            </a:r>
+            <a:endParaRPr lang="en-AU" sz="1600" b="0" dirty="0">
+              <a:solidFill>
+                <a:srgbClr val="D4D4D4"/>
+              </a:solidFill>
+              <a:effectLst/>
+              <a:latin typeface="Consolas" panose="020B0609020204030204" pitchFamily="49" charset="0"/>
+            </a:endParaRPr>
+          </a:p>
+          <a:p>
+            <a:r>
+              <a:rPr lang="en-AU" sz="1600" b="0" dirty="0">
+                <a:solidFill>
+                  <a:srgbClr val="CE9178"/>
+                </a:solidFill>
+                <a:effectLst/>
+                <a:latin typeface="Consolas" panose="020B0609020204030204" pitchFamily="49" charset="0"/>
+              </a:rPr>
+              <a:t>            float diff = </a:t>
+            </a:r>
+            <a:r>
+              <a:rPr lang="en-AU" sz="1600" b="0" dirty="0" err="1">
+                <a:solidFill>
+                  <a:srgbClr val="CE9178"/>
+                </a:solidFill>
+                <a:effectLst/>
+                <a:latin typeface="Consolas" panose="020B0609020204030204" pitchFamily="49" charset="0"/>
+              </a:rPr>
+              <a:t>maxVal</a:t>
+            </a:r>
+            <a:r>
+              <a:rPr lang="en-AU" sz="1600" b="0" dirty="0">
+                <a:solidFill>
+                  <a:srgbClr val="CE9178"/>
+                </a:solidFill>
+                <a:effectLst/>
+                <a:latin typeface="Consolas" panose="020B0609020204030204" pitchFamily="49" charset="0"/>
+              </a:rPr>
+              <a:t> - </a:t>
+            </a:r>
+            <a:r>
+              <a:rPr lang="en-AU" sz="1600" b="0" dirty="0" err="1">
+                <a:solidFill>
+                  <a:srgbClr val="CE9178"/>
+                </a:solidFill>
+                <a:effectLst/>
+                <a:latin typeface="Consolas" panose="020B0609020204030204" pitchFamily="49" charset="0"/>
+              </a:rPr>
+              <a:t>localMaxL</a:t>
+            </a:r>
+            <a:r>
+              <a:rPr lang="en-AU" sz="1600" b="0" dirty="0">
+                <a:solidFill>
+                  <a:srgbClr val="CE9178"/>
+                </a:solidFill>
+                <a:effectLst/>
+                <a:latin typeface="Consolas" panose="020B0609020204030204" pitchFamily="49" charset="0"/>
+              </a:rPr>
+              <a:t>;</a:t>
+            </a:r>
+            <a:endParaRPr lang="en-AU" sz="1600" b="0" dirty="0">
+              <a:solidFill>
+                <a:srgbClr val="D4D4D4"/>
+              </a:solidFill>
+              <a:effectLst/>
+              <a:latin typeface="Consolas" panose="020B0609020204030204" pitchFamily="49" charset="0"/>
+            </a:endParaRPr>
+          </a:p>
+          <a:p>
+            <a:r>
+              <a:rPr lang="en-AU" sz="1600" b="0" dirty="0">
+                <a:solidFill>
+                  <a:srgbClr val="CE9178"/>
+                </a:solidFill>
+                <a:effectLst/>
+                <a:latin typeface="Consolas" panose="020B0609020204030204" pitchFamily="49" charset="0"/>
+              </a:rPr>
+              <a:t>            </a:t>
+            </a:r>
+            <a:r>
+              <a:rPr lang="en-AU" sz="1600" b="0" dirty="0" err="1">
+                <a:solidFill>
+                  <a:srgbClr val="CE9178"/>
+                </a:solidFill>
+                <a:effectLst/>
+                <a:latin typeface="Consolas" panose="020B0609020204030204" pitchFamily="49" charset="0"/>
+              </a:rPr>
+              <a:t>localMaxL</a:t>
+            </a:r>
+            <a:r>
+              <a:rPr lang="en-AU" sz="1600" b="0" dirty="0">
+                <a:solidFill>
+                  <a:srgbClr val="CE9178"/>
+                </a:solidFill>
+                <a:effectLst/>
+                <a:latin typeface="Consolas" panose="020B0609020204030204" pitchFamily="49" charset="0"/>
+              </a:rPr>
+              <a:t> += diff * exp(</a:t>
+            </a:r>
+            <a:r>
+              <a:rPr lang="en-AU" sz="1600" b="0" dirty="0" err="1">
+                <a:solidFill>
+                  <a:srgbClr val="CE9178"/>
+                </a:solidFill>
+                <a:effectLst/>
+                <a:latin typeface="Consolas" panose="020B0609020204030204" pitchFamily="49" charset="0"/>
+              </a:rPr>
+              <a:t>uMinusR</a:t>
+            </a:r>
+            <a:r>
+              <a:rPr lang="en-AU" sz="1600" b="0" dirty="0">
+                <a:solidFill>
+                  <a:srgbClr val="CE9178"/>
+                </a:solidFill>
+                <a:effectLst/>
+                <a:latin typeface="Consolas" panose="020B0609020204030204" pitchFamily="49" charset="0"/>
+              </a:rPr>
+              <a:t> * diff * </a:t>
+            </a:r>
+            <a:r>
+              <a:rPr lang="en-AU" sz="1600" b="0" dirty="0" err="1">
+                <a:solidFill>
+                  <a:srgbClr val="CE9178"/>
+                </a:solidFill>
+                <a:effectLst/>
+                <a:latin typeface="Consolas" panose="020B0609020204030204" pitchFamily="49" charset="0"/>
+              </a:rPr>
+              <a:t>expScale</a:t>
+            </a:r>
+            <a:r>
+              <a:rPr lang="en-AU" sz="1600" b="0" dirty="0">
+                <a:solidFill>
+                  <a:srgbClr val="CE9178"/>
+                </a:solidFill>
+                <a:effectLst/>
+                <a:latin typeface="Consolas" panose="020B0609020204030204" pitchFamily="49" charset="0"/>
+              </a:rPr>
+              <a:t>);</a:t>
+            </a:r>
+            <a:endParaRPr lang="en-AU" sz="1600" b="0" dirty="0">
+              <a:solidFill>
+                <a:srgbClr val="D4D4D4"/>
+              </a:solidFill>
+              <a:effectLst/>
+              <a:latin typeface="Consolas" panose="020B0609020204030204" pitchFamily="49" charset="0"/>
+            </a:endParaRPr>
+          </a:p>
+          <a:p>
+            <a:r>
+              <a:rPr lang="en-AU" sz="1600" b="0" dirty="0">
+                <a:solidFill>
+                  <a:srgbClr val="CE9178"/>
+                </a:solidFill>
+                <a:effectLst/>
+                <a:latin typeface="Consolas" panose="020B0609020204030204" pitchFamily="49" charset="0"/>
+              </a:rPr>
+              <a:t>        }</a:t>
+            </a:r>
+            <a:endParaRPr lang="en-AU" sz="1600" b="0" dirty="0">
+              <a:solidFill>
+                <a:srgbClr val="D4D4D4"/>
+              </a:solidFill>
+              <a:effectLst/>
+              <a:latin typeface="Consolas" panose="020B0609020204030204" pitchFamily="49" charset="0"/>
+            </a:endParaRPr>
+          </a:p>
+          <a:p>
+            <a:r>
+              <a:rPr lang="en-AU" sz="1600" b="0" dirty="0">
+                <a:solidFill>
+                  <a:srgbClr val="CE9178"/>
+                </a:solidFill>
+                <a:effectLst/>
+                <a:latin typeface="Consolas" panose="020B0609020204030204" pitchFamily="49" charset="0"/>
+              </a:rPr>
+              <a:t>    }</a:t>
+            </a:r>
+            <a:endParaRPr lang="en-AU" sz="1600" b="0" dirty="0">
+              <a:solidFill>
+                <a:srgbClr val="D4D4D4"/>
+              </a:solidFill>
+              <a:effectLst/>
+              <a:latin typeface="Consolas" panose="020B0609020204030204" pitchFamily="49" charset="0"/>
+            </a:endParaRPr>
           </a:p>
         </p:txBody>
       </p:sp>
     </p:spTree>
     <p:extLst>
       <p:ext uri="{BB962C8B-B14F-4D97-AF65-F5344CB8AC3E}">
-        <p14:creationId xmlns:p14="http://schemas.microsoft.com/office/powerpoint/2010/main" val="204021899"/>
+        <p14:creationId xmlns:p14="http://schemas.microsoft.com/office/powerpoint/2010/main" val="210707199"/>
       </p:ext>
     </p:extLst>
   </p:cSld>
   <p:clrMapOvr>
     <a:masterClrMapping/>
   </p:clrMapOvr>
+  <p:transition spd="med"/>
+  <p:timing>
+    <p:tnLst>
+      <p:par>
+        <p:cTn id="1" dur="indefinite" restart="never" nodeType="tmRoot">
+          <p:childTnLst>
+            <p:seq concurrent="1" nextAc="seek">
+              <p:cTn id="2" dur="0" nodeType="mainSeq"/>
+              <p:prevCondLst>
+                <p:cond evt="onPrev" delay="0">
+                  <p:tgtEl>
+                    <p:sldTgt/>
+                  </p:tgtEl>
+                </p:cond>
+              </p:prevCondLst>
+              <p:nextCondLst>
+                <p:cond evt="onNext" delay="0">
+                  <p:tgtEl>
+                    <p:sldTgt/>
+                  </p:tgtEl>
+                </p:cond>
+              </p:nextCondLst>
+            </p:seq>
+          </p:childTnLst>
+        </p:cTn>
+      </p:par>
+    </p:tnLst>
+  </p:timing>
 </p:sld>
 </file>
 
 <file path=ppt/slides/slide9.xml><?xml version="1.0" encoding="utf-8"?>
-<p:sld xmlns:a="http://schemas.openxmlformats.org/drawingml/2006/main" xmlns:r="http://schemas.openxmlformats.org/officeDocument/2006/relationships" xmlns:p="http://schemas.openxmlformats.org/presentationml/2006/main" showMasterSp="0">
+<p:sld xmlns:a="http://schemas.openxmlformats.org/drawingml/2006/main" xmlns:r="http://schemas.openxmlformats.org/officeDocument/2006/relationships" xmlns:p="http://schemas.openxmlformats.org/presentationml/2006/main">
   <p:cSld>
     <p:spTree>
       <p:nvGrpSpPr>
@@ -15990,244 +16691,1473 @@
       </p:grpSpPr>
       <p:sp>
         <p:nvSpPr>
-          <p:cNvPr id="2" name="Rectangle 1"/>
-          <p:cNvSpPr txBox="1">
-            <a:spLocks noGrp="1"/>
+          <p:cNvPr id="68609" name="Rectangle 1"/>
+          <p:cNvSpPr>
+            <a:spLocks noGrp="1" noChangeArrowheads="1"/>
           </p:cNvSpPr>
           <p:nvPr>
-            <p:ph type="title"/>
+            <p:ph type="title" idx="4294967295"/>
           </p:nvPr>
         </p:nvSpPr>
         <p:spPr>
           <a:xfrm>
-            <a:off x="503280" y="301680"/>
-            <a:ext cx="6901130" cy="1159130"/>
+            <a:off x="503238" y="457200"/>
+            <a:ext cx="7603699" cy="911225"/>
           </a:xfrm>
+          <a:ln/>
         </p:spPr>
         <p:txBody>
           <a:bodyPr tIns="31680"/>
           <a:lstStyle/>
           <a:p>
-            <a:pPr lvl="0">
-              <a:tabLst>
-                <a:tab pos="723959" algn="l"/>
-                <a:tab pos="1447919" algn="l"/>
-                <a:tab pos="2171520" algn="l"/>
-                <a:tab pos="2895479" algn="l"/>
-                <a:tab pos="3619440" algn="l"/>
-                <a:tab pos="4343400" algn="l"/>
-                <a:tab pos="5067360" algn="l"/>
-                <a:tab pos="5791320" algn="l"/>
-                <a:tab pos="6514920" algn="l"/>
-                <a:tab pos="7238880" algn="l"/>
-                <a:tab pos="7962840" algn="l"/>
-                <a:tab pos="8686800" algn="l"/>
-              </a:tabLst>
-            </a:pPr>
-            <a:r>
-              <a:rPr lang="en-US" sz="3600" b="1" dirty="0"/>
-              <a:t>Resources</a:t>
-            </a:r>
+            <a:r>
+              <a:rPr lang="en-AU" sz="2800" b="1" dirty="0" err="1">
+                <a:solidFill>
+                  <a:schemeClr val="tx1"/>
+                </a:solidFill>
+                <a:effectLst/>
+                <a:latin typeface="Consolas" panose="020B0609020204030204" pitchFamily="49" charset="0"/>
+              </a:rPr>
+              <a:t>shaderMinMaxLR</a:t>
+            </a:r>
+            <a:endParaRPr lang="en-AU" sz="2800" b="1" dirty="0">
+              <a:solidFill>
+                <a:schemeClr val="tx1"/>
+              </a:solidFill>
+              <a:effectLst/>
+              <a:latin typeface="Consolas" panose="020B0609020204030204" pitchFamily="49" charset="0"/>
+            </a:endParaRPr>
           </a:p>
         </p:txBody>
       </p:sp>
       <p:sp>
         <p:nvSpPr>
-          <p:cNvPr id="3" name="Rectangle 2"/>
+          <p:cNvPr id="68610" name="Text Box 2"/>
           <p:cNvSpPr txBox="1">
-            <a:spLocks noGrp="1"/>
+            <a:spLocks noChangeArrowheads="1"/>
           </p:cNvSpPr>
-          <p:nvPr>
-            <p:ph idx="1"/>
-          </p:nvPr>
+          <p:nvPr/>
         </p:nvSpPr>
-        <p:spPr>
+        <p:spPr bwMode="auto">
           <a:xfrm>
-            <a:off x="503280" y="2096428"/>
-            <a:ext cx="9453520" cy="5118411"/>
+            <a:off x="1" y="1368426"/>
+            <a:ext cx="9921240" cy="6072504"/>
           </a:xfrm>
+          <a:prstGeom prst="rect">
+            <a:avLst/>
+          </a:prstGeom>
+          <a:noFill/>
+          <a:ln>
+            <a:noFill/>
+          </a:ln>
+          <a:effectLst/>
+          <a:extLst>
+            <a:ext uri="{909E8E84-426E-40DD-AFC4-6F175D3DCCD1}">
+              <a14:hiddenFill xmlns:a14="http://schemas.microsoft.com/office/drawing/2010/main">
+                <a:solidFill>
+                  <a:srgbClr val="FFFFFF"/>
+                </a:solidFill>
+              </a14:hiddenFill>
+            </a:ext>
+            <a:ext uri="{91240B29-F687-4F45-9708-019B960494DF}">
+              <a14:hiddenLine xmlns:a14="http://schemas.microsoft.com/office/drawing/2010/main" w="12600" cap="flat">
+                <a:solidFill>
+                  <a:srgbClr val="00956F"/>
+                </a:solidFill>
+                <a:miter lim="800000"/>
+                <a:headEnd/>
+                <a:tailEnd/>
+              </a14:hiddenLine>
+            </a:ext>
+            <a:ext uri="{AF507438-7753-43E0-B8FC-AC1667EBCBE1}">
+              <a14:hiddenEffects xmlns:a14="http://schemas.microsoft.com/office/drawing/2010/main">
+                <a:effectLst>
+                  <a:outerShdw dist="35921" dir="2700000" algn="ctr" rotWithShape="0">
+                    <a:srgbClr val="808080"/>
+                  </a:outerShdw>
+                </a:effectLst>
+              </a14:hiddenEffects>
+            </a:ext>
+          </a:extLst>
         </p:spPr>
         <p:txBody>
-          <a:bodyPr tIns="19440"/>
-          <a:lstStyle/>
-          <a:p>
-            <a:pPr marL="431640" lvl="0" indent="-324000">
+          <a:bodyPr lIns="0" tIns="24840" rIns="0" bIns="0"/>
+          <a:lstStyle>
+            <a:lvl1pPr marL="863600" indent="-646113">
+              <a:tabLst>
+                <a:tab pos="1154113" algn="l"/>
+                <a:tab pos="1878013" algn="l"/>
+                <a:tab pos="2601913" algn="l"/>
+                <a:tab pos="3327400" algn="l"/>
+                <a:tab pos="4051300" algn="l"/>
+                <a:tab pos="4775200" algn="l"/>
+                <a:tab pos="5497513" algn="l"/>
+                <a:tab pos="6221413" algn="l"/>
+                <a:tab pos="6945313" algn="l"/>
+                <a:tab pos="7670800" algn="l"/>
+                <a:tab pos="8394700" algn="l"/>
+                <a:tab pos="9118600" algn="l"/>
+                <a:tab pos="9410700" algn="l"/>
+              </a:tabLst>
+              <a:defRPr>
+                <a:solidFill>
+                  <a:srgbClr val="000000"/>
+                </a:solidFill>
+                <a:latin typeface="Arial" panose="020B0604020202020204" pitchFamily="34" charset="0"/>
+                <a:ea typeface="Microsoft YaHei" panose="020B0503020204020204" pitchFamily="34" charset="-122"/>
+              </a:defRPr>
+            </a:lvl1pPr>
+            <a:lvl2pPr>
+              <a:tabLst>
+                <a:tab pos="1154113" algn="l"/>
+                <a:tab pos="1878013" algn="l"/>
+                <a:tab pos="2601913" algn="l"/>
+                <a:tab pos="3327400" algn="l"/>
+                <a:tab pos="4051300" algn="l"/>
+                <a:tab pos="4775200" algn="l"/>
+                <a:tab pos="5497513" algn="l"/>
+                <a:tab pos="6221413" algn="l"/>
+                <a:tab pos="6945313" algn="l"/>
+                <a:tab pos="7670800" algn="l"/>
+                <a:tab pos="8394700" algn="l"/>
+                <a:tab pos="9118600" algn="l"/>
+                <a:tab pos="9410700" algn="l"/>
+              </a:tabLst>
+              <a:defRPr>
+                <a:solidFill>
+                  <a:srgbClr val="000000"/>
+                </a:solidFill>
+                <a:latin typeface="Arial" panose="020B0604020202020204" pitchFamily="34" charset="0"/>
+                <a:ea typeface="Microsoft YaHei" panose="020B0503020204020204" pitchFamily="34" charset="-122"/>
+              </a:defRPr>
+            </a:lvl2pPr>
+            <a:lvl3pPr>
+              <a:tabLst>
+                <a:tab pos="1154113" algn="l"/>
+                <a:tab pos="1878013" algn="l"/>
+                <a:tab pos="2601913" algn="l"/>
+                <a:tab pos="3327400" algn="l"/>
+                <a:tab pos="4051300" algn="l"/>
+                <a:tab pos="4775200" algn="l"/>
+                <a:tab pos="5497513" algn="l"/>
+                <a:tab pos="6221413" algn="l"/>
+                <a:tab pos="6945313" algn="l"/>
+                <a:tab pos="7670800" algn="l"/>
+                <a:tab pos="8394700" algn="l"/>
+                <a:tab pos="9118600" algn="l"/>
+                <a:tab pos="9410700" algn="l"/>
+              </a:tabLst>
+              <a:defRPr>
+                <a:solidFill>
+                  <a:srgbClr val="000000"/>
+                </a:solidFill>
+                <a:latin typeface="Arial" panose="020B0604020202020204" pitchFamily="34" charset="0"/>
+                <a:ea typeface="Microsoft YaHei" panose="020B0503020204020204" pitchFamily="34" charset="-122"/>
+              </a:defRPr>
+            </a:lvl3pPr>
+            <a:lvl4pPr>
+              <a:tabLst>
+                <a:tab pos="1154113" algn="l"/>
+                <a:tab pos="1878013" algn="l"/>
+                <a:tab pos="2601913" algn="l"/>
+                <a:tab pos="3327400" algn="l"/>
+                <a:tab pos="4051300" algn="l"/>
+                <a:tab pos="4775200" algn="l"/>
+                <a:tab pos="5497513" algn="l"/>
+                <a:tab pos="6221413" algn="l"/>
+                <a:tab pos="6945313" algn="l"/>
+                <a:tab pos="7670800" algn="l"/>
+                <a:tab pos="8394700" algn="l"/>
+                <a:tab pos="9118600" algn="l"/>
+                <a:tab pos="9410700" algn="l"/>
+              </a:tabLst>
+              <a:defRPr>
+                <a:solidFill>
+                  <a:srgbClr val="000000"/>
+                </a:solidFill>
+                <a:latin typeface="Arial" panose="020B0604020202020204" pitchFamily="34" charset="0"/>
+                <a:ea typeface="Microsoft YaHei" panose="020B0503020204020204" pitchFamily="34" charset="-122"/>
+              </a:defRPr>
+            </a:lvl4pPr>
+            <a:lvl5pPr>
+              <a:tabLst>
+                <a:tab pos="1154113" algn="l"/>
+                <a:tab pos="1878013" algn="l"/>
+                <a:tab pos="2601913" algn="l"/>
+                <a:tab pos="3327400" algn="l"/>
+                <a:tab pos="4051300" algn="l"/>
+                <a:tab pos="4775200" algn="l"/>
+                <a:tab pos="5497513" algn="l"/>
+                <a:tab pos="6221413" algn="l"/>
+                <a:tab pos="6945313" algn="l"/>
+                <a:tab pos="7670800" algn="l"/>
+                <a:tab pos="8394700" algn="l"/>
+                <a:tab pos="9118600" algn="l"/>
+                <a:tab pos="9410700" algn="l"/>
+              </a:tabLst>
+              <a:defRPr>
+                <a:solidFill>
+                  <a:srgbClr val="000000"/>
+                </a:solidFill>
+                <a:latin typeface="Arial" panose="020B0604020202020204" pitchFamily="34" charset="0"/>
+                <a:ea typeface="Microsoft YaHei" panose="020B0503020204020204" pitchFamily="34" charset="-122"/>
+              </a:defRPr>
+            </a:lvl5pPr>
+            <a:lvl6pPr marL="2514600" indent="-228600" defTabSz="449263" fontAlgn="base" hangingPunct="0">
+              <a:lnSpc>
+                <a:spcPct val="93000"/>
+              </a:lnSpc>
+              <a:spcBef>
+                <a:spcPct val="0"/>
+              </a:spcBef>
               <a:spcAft>
-                <a:spcPts val="1426"/>
+                <a:spcPct val="0"/>
               </a:spcAft>
               <a:buClr>
                 <a:srgbClr val="000000"/>
               </a:buClr>
-              <a:buSzPct val="45000"/>
-              <a:buFont typeface="Wingdings" pitchFamily="2"/>
-              <a:buChar char=""/>
+              <a:buSzPct val="100000"/>
+              <a:buFont typeface="Times New Roman" panose="02020603050405020304" pitchFamily="18" charset="0"/>
               <a:tabLst>
-                <a:tab pos="723600" algn="l"/>
-                <a:tab pos="1447559" algn="l"/>
-                <a:tab pos="2171520" algn="l"/>
-                <a:tab pos="2895480" algn="l"/>
-                <a:tab pos="3619440" algn="l"/>
-                <a:tab pos="4343400" algn="l"/>
-                <a:tab pos="5067000" algn="l"/>
-                <a:tab pos="5790960" algn="l"/>
-                <a:tab pos="6514920" algn="l"/>
-                <a:tab pos="7238880" algn="l"/>
-                <a:tab pos="7962839" algn="l"/>
-                <a:tab pos="8686800" algn="l"/>
+                <a:tab pos="1154113" algn="l"/>
+                <a:tab pos="1878013" algn="l"/>
+                <a:tab pos="2601913" algn="l"/>
+                <a:tab pos="3327400" algn="l"/>
+                <a:tab pos="4051300" algn="l"/>
+                <a:tab pos="4775200" algn="l"/>
+                <a:tab pos="5497513" algn="l"/>
+                <a:tab pos="6221413" algn="l"/>
+                <a:tab pos="6945313" algn="l"/>
+                <a:tab pos="7670800" algn="l"/>
+                <a:tab pos="8394700" algn="l"/>
+                <a:tab pos="9118600" algn="l"/>
+                <a:tab pos="9410700" algn="l"/>
               </a:tabLst>
-            </a:pPr>
-            <a:r>
-              <a:rPr lang="en-US" sz="1800" dirty="0">
-                <a:hlinkClick r:id="rId3"/>
-              </a:rPr>
-              <a:t>Computer Graphics: Principles and Practice</a:t>
-            </a:r>
-            <a:r>
-              <a:rPr lang="en-US" sz="1800" dirty="0"/>
-              <a:t>, Foley, van Dam, Hughes</a:t>
-            </a:r>
-          </a:p>
-          <a:p>
-            <a:pPr marL="431640" lvl="0" indent="-324000">
+              <a:defRPr>
+                <a:solidFill>
+                  <a:srgbClr val="000000"/>
+                </a:solidFill>
+                <a:latin typeface="Arial" panose="020B0604020202020204" pitchFamily="34" charset="0"/>
+                <a:ea typeface="Microsoft YaHei" panose="020B0503020204020204" pitchFamily="34" charset="-122"/>
+              </a:defRPr>
+            </a:lvl6pPr>
+            <a:lvl7pPr marL="2971800" indent="-228600" defTabSz="449263" fontAlgn="base" hangingPunct="0">
+              <a:lnSpc>
+                <a:spcPct val="93000"/>
+              </a:lnSpc>
+              <a:spcBef>
+                <a:spcPct val="0"/>
+              </a:spcBef>
               <a:spcAft>
-                <a:spcPts val="1426"/>
+                <a:spcPct val="0"/>
               </a:spcAft>
               <a:buClr>
                 <a:srgbClr val="000000"/>
               </a:buClr>
-              <a:buSzPct val="45000"/>
-              <a:buFont typeface="Wingdings" pitchFamily="2"/>
-              <a:buChar char=""/>
+              <a:buSzPct val="100000"/>
+              <a:buFont typeface="Times New Roman" panose="02020603050405020304" pitchFamily="18" charset="0"/>
               <a:tabLst>
-                <a:tab pos="723600" algn="l"/>
-                <a:tab pos="1447559" algn="l"/>
-                <a:tab pos="2171520" algn="l"/>
-                <a:tab pos="2895480" algn="l"/>
-                <a:tab pos="3619440" algn="l"/>
-                <a:tab pos="4343400" algn="l"/>
-                <a:tab pos="5067000" algn="l"/>
-                <a:tab pos="5790960" algn="l"/>
-                <a:tab pos="6514920" algn="l"/>
-                <a:tab pos="7238880" algn="l"/>
-                <a:tab pos="7962839" algn="l"/>
-                <a:tab pos="8686800" algn="l"/>
+                <a:tab pos="1154113" algn="l"/>
+                <a:tab pos="1878013" algn="l"/>
+                <a:tab pos="2601913" algn="l"/>
+                <a:tab pos="3327400" algn="l"/>
+                <a:tab pos="4051300" algn="l"/>
+                <a:tab pos="4775200" algn="l"/>
+                <a:tab pos="5497513" algn="l"/>
+                <a:tab pos="6221413" algn="l"/>
+                <a:tab pos="6945313" algn="l"/>
+                <a:tab pos="7670800" algn="l"/>
+                <a:tab pos="8394700" algn="l"/>
+                <a:tab pos="9118600" algn="l"/>
+                <a:tab pos="9410700" algn="l"/>
               </a:tabLst>
-            </a:pPr>
-            <a:r>
-              <a:rPr lang="en-US" sz="1800" dirty="0">
-                <a:hlinkClick r:id="rId4"/>
-              </a:rPr>
-              <a:t>CS 410: Introduction to Computer Graphics</a:t>
-            </a:r>
-            <a:r>
-              <a:rPr lang="en-US" sz="1800" dirty="0"/>
-              <a:t>, Colorado State University</a:t>
-            </a:r>
-          </a:p>
-          <a:p>
-            <a:pPr marL="446088" indent="-342900">
+              <a:defRPr>
+                <a:solidFill>
+                  <a:srgbClr val="000000"/>
+                </a:solidFill>
+                <a:latin typeface="Arial" panose="020B0604020202020204" pitchFamily="34" charset="0"/>
+                <a:ea typeface="Microsoft YaHei" panose="020B0503020204020204" pitchFamily="34" charset="-122"/>
+              </a:defRPr>
+            </a:lvl7pPr>
+            <a:lvl8pPr marL="3429000" indent="-228600" defTabSz="449263" fontAlgn="base" hangingPunct="0">
+              <a:lnSpc>
+                <a:spcPct val="93000"/>
+              </a:lnSpc>
+              <a:spcBef>
+                <a:spcPct val="0"/>
+              </a:spcBef>
               <a:spcAft>
-                <a:spcPts val="1425"/>
+                <a:spcPct val="0"/>
               </a:spcAft>
-              <a:buSzPct val="45000"/>
-              <a:buFont typeface="Wingdings" panose="05000000000000000000" pitchFamily="2" charset="2"/>
-              <a:buChar char=""/>
-            </a:pPr>
-            <a:r>
-              <a:rPr lang="en-US" altLang="en-US" sz="1800" dirty="0">
-                <a:cs typeface="Courier New" panose="02070309020205020404" pitchFamily="49" charset="0"/>
-                <a:hlinkClick r:id="rId5"/>
-              </a:rPr>
-              <a:t>WebGL: Up and Running</a:t>
-            </a:r>
-            <a:r>
-              <a:rPr lang="en-US" altLang="en-US" sz="1800" dirty="0">
-                <a:cs typeface="Courier New" panose="02070309020205020404" pitchFamily="49" charset="0"/>
-              </a:rPr>
-              <a:t>, Tony Parisi, O’Reilly Press</a:t>
-            </a:r>
-          </a:p>
-          <a:p>
-            <a:pPr marL="446088" indent="-342900">
+              <a:buClr>
+                <a:srgbClr val="000000"/>
+              </a:buClr>
+              <a:buSzPct val="100000"/>
+              <a:buFont typeface="Times New Roman" panose="02020603050405020304" pitchFamily="18" charset="0"/>
+              <a:tabLst>
+                <a:tab pos="1154113" algn="l"/>
+                <a:tab pos="1878013" algn="l"/>
+                <a:tab pos="2601913" algn="l"/>
+                <a:tab pos="3327400" algn="l"/>
+                <a:tab pos="4051300" algn="l"/>
+                <a:tab pos="4775200" algn="l"/>
+                <a:tab pos="5497513" algn="l"/>
+                <a:tab pos="6221413" algn="l"/>
+                <a:tab pos="6945313" algn="l"/>
+                <a:tab pos="7670800" algn="l"/>
+                <a:tab pos="8394700" algn="l"/>
+                <a:tab pos="9118600" algn="l"/>
+                <a:tab pos="9410700" algn="l"/>
+              </a:tabLst>
+              <a:defRPr>
+                <a:solidFill>
+                  <a:srgbClr val="000000"/>
+                </a:solidFill>
+                <a:latin typeface="Arial" panose="020B0604020202020204" pitchFamily="34" charset="0"/>
+                <a:ea typeface="Microsoft YaHei" panose="020B0503020204020204" pitchFamily="34" charset="-122"/>
+              </a:defRPr>
+            </a:lvl8pPr>
+            <a:lvl9pPr marL="3886200" indent="-228600" defTabSz="449263" fontAlgn="base" hangingPunct="0">
+              <a:lnSpc>
+                <a:spcPct val="93000"/>
+              </a:lnSpc>
+              <a:spcBef>
+                <a:spcPct val="0"/>
+              </a:spcBef>
               <a:spcAft>
-                <a:spcPts val="1425"/>
+                <a:spcPct val="0"/>
               </a:spcAft>
-              <a:buSzPct val="45000"/>
-              <a:buFont typeface="Wingdings" panose="05000000000000000000" pitchFamily="2" charset="2"/>
-              <a:buChar char=""/>
-            </a:pPr>
-            <a:r>
-              <a:rPr lang="en-US" altLang="en-US" sz="1800" dirty="0">
-                <a:cs typeface="Courier New" panose="02070309020205020404" pitchFamily="49" charset="0"/>
-                <a:hlinkClick r:id="rId6"/>
-              </a:rPr>
-              <a:t>WebGL Beginner’s Guide</a:t>
-            </a:r>
-            <a:r>
-              <a:rPr lang="en-US" altLang="en-US" sz="1800" dirty="0">
-                <a:cs typeface="Courier New" panose="02070309020205020404" pitchFamily="49" charset="0"/>
-              </a:rPr>
-              <a:t>, Diego Cantor and Brandon Jones</a:t>
-            </a:r>
-          </a:p>
-          <a:p>
-            <a:pPr marL="446088" indent="-342900">
-              <a:spcAft>
-                <a:spcPts val="1425"/>
-              </a:spcAft>
-              <a:buSzPct val="45000"/>
-              <a:buFont typeface="Wingdings" panose="05000000000000000000" pitchFamily="2" charset="2"/>
-              <a:buChar char=""/>
-            </a:pPr>
-            <a:r>
-              <a:rPr lang="en-US" altLang="en-US" sz="1800" dirty="0">
-                <a:cs typeface="Courier New" panose="02070309020205020404" pitchFamily="49" charset="0"/>
-                <a:hlinkClick r:id="rId7"/>
-              </a:rPr>
-              <a:t>Papaya DICOM Viewer</a:t>
-            </a:r>
-            <a:endParaRPr lang="en-US" altLang="en-US" sz="1800" dirty="0">
-              <a:cs typeface="Courier New" panose="02070309020205020404" pitchFamily="49" charset="0"/>
+              <a:buClr>
+                <a:srgbClr val="000000"/>
+              </a:buClr>
+              <a:buSzPct val="100000"/>
+              <a:buFont typeface="Times New Roman" panose="02020603050405020304" pitchFamily="18" charset="0"/>
+              <a:tabLst>
+                <a:tab pos="1154113" algn="l"/>
+                <a:tab pos="1878013" algn="l"/>
+                <a:tab pos="2601913" algn="l"/>
+                <a:tab pos="3327400" algn="l"/>
+                <a:tab pos="4051300" algn="l"/>
+                <a:tab pos="4775200" algn="l"/>
+                <a:tab pos="5497513" algn="l"/>
+                <a:tab pos="6221413" algn="l"/>
+                <a:tab pos="6945313" algn="l"/>
+                <a:tab pos="7670800" algn="l"/>
+                <a:tab pos="8394700" algn="l"/>
+                <a:tab pos="9118600" algn="l"/>
+                <a:tab pos="9410700" algn="l"/>
+              </a:tabLst>
+              <a:defRPr>
+                <a:solidFill>
+                  <a:srgbClr val="000000"/>
+                </a:solidFill>
+                <a:latin typeface="Arial" panose="020B0604020202020204" pitchFamily="34" charset="0"/>
+                <a:ea typeface="Microsoft YaHei" panose="020B0503020204020204" pitchFamily="34" charset="-122"/>
+              </a:defRPr>
+            </a:lvl9pPr>
+          </a:lstStyle>
+          <a:p>
+            <a:r>
+              <a:rPr lang="en-AU" sz="1600" b="0" dirty="0">
+                <a:solidFill>
+                  <a:schemeClr val="accent6"/>
+                </a:solidFill>
+                <a:effectLst/>
+                <a:latin typeface="Consolas" panose="020B0609020204030204" pitchFamily="49" charset="0"/>
+              </a:rPr>
+              <a:t>    // get right sample from current source ping-pong FBO</a:t>
+            </a:r>
+            <a:endParaRPr lang="en-AU" sz="1600" b="0" dirty="0">
+              <a:solidFill>
+                <a:srgbClr val="CE9178"/>
+              </a:solidFill>
+              <a:effectLst/>
+              <a:latin typeface="Consolas" panose="020B0609020204030204" pitchFamily="49" charset="0"/>
             </a:endParaRPr>
           </a:p>
           <a:p>
-            <a:pPr marL="446088" indent="-342900">
-              <a:spcAft>
-                <a:spcPts val="1425"/>
-              </a:spcAft>
-              <a:buSzPct val="45000"/>
-              <a:buFont typeface="Wingdings" panose="05000000000000000000" pitchFamily="2" charset="2"/>
-              <a:buChar char=""/>
-            </a:pPr>
-            <a:r>
-              <a:rPr lang="en-US" altLang="en-US" sz="1800" dirty="0">
-                <a:cs typeface="Courier New" panose="02070309020205020404" pitchFamily="49" charset="0"/>
-                <a:hlinkClick r:id="rId8"/>
-              </a:rPr>
-              <a:t>Papaya source code on GitHub</a:t>
-            </a:r>
-            <a:endParaRPr lang="en-US" altLang="en-US" sz="1800" dirty="0">
-              <a:cs typeface="Courier New" panose="02070309020205020404" pitchFamily="49" charset="0"/>
+            <a:r>
+              <a:rPr lang="en-AU" sz="1600" b="0" dirty="0">
+                <a:solidFill>
+                  <a:srgbClr val="CE9178"/>
+                </a:solidFill>
+                <a:effectLst/>
+                <a:latin typeface="Consolas" panose="020B0609020204030204" pitchFamily="49" charset="0"/>
+              </a:rPr>
+              <a:t>    if(</a:t>
+            </a:r>
+            <a:r>
+              <a:rPr lang="en-AU" sz="1600" b="0" dirty="0" err="1">
+                <a:solidFill>
+                  <a:srgbClr val="CE9178"/>
+                </a:solidFill>
+                <a:effectLst/>
+                <a:latin typeface="Consolas" panose="020B0609020204030204" pitchFamily="49" charset="0"/>
+              </a:rPr>
+              <a:t>vPixelCoord.x</a:t>
+            </a:r>
+            <a:r>
+              <a:rPr lang="en-AU" sz="1600" b="0" dirty="0">
+                <a:solidFill>
+                  <a:srgbClr val="CE9178"/>
+                </a:solidFill>
+                <a:effectLst/>
+                <a:latin typeface="Consolas" panose="020B0609020204030204" pitchFamily="49" charset="0"/>
+              </a:rPr>
+              <a:t> &lt; </a:t>
+            </a:r>
+            <a:r>
+              <a:rPr lang="en-AU" sz="1600" b="0" dirty="0" err="1">
+                <a:solidFill>
+                  <a:srgbClr val="CE9178"/>
+                </a:solidFill>
+                <a:effectLst/>
+                <a:latin typeface="Consolas" panose="020B0609020204030204" pitchFamily="49" charset="0"/>
+              </a:rPr>
+              <a:t>uColumns</a:t>
+            </a:r>
+            <a:r>
+              <a:rPr lang="en-AU" sz="1600" b="0" dirty="0">
+                <a:solidFill>
+                  <a:srgbClr val="CE9178"/>
+                </a:solidFill>
+                <a:effectLst/>
+                <a:latin typeface="Consolas" panose="020B0609020204030204" pitchFamily="49" charset="0"/>
+              </a:rPr>
+              <a:t> - </a:t>
+            </a:r>
+            <a:r>
+              <a:rPr lang="en-AU" sz="1600" b="0" dirty="0" err="1">
+                <a:solidFill>
+                  <a:srgbClr val="CE9178"/>
+                </a:solidFill>
+                <a:effectLst/>
+                <a:latin typeface="Consolas" panose="020B0609020204030204" pitchFamily="49" charset="0"/>
+              </a:rPr>
+              <a:t>uWindowSize</a:t>
+            </a:r>
+            <a:r>
+              <a:rPr lang="en-AU" sz="1600" b="0" dirty="0">
+                <a:solidFill>
+                  <a:srgbClr val="CE9178"/>
+                </a:solidFill>
+                <a:effectLst/>
+                <a:latin typeface="Consolas" panose="020B0609020204030204" pitchFamily="49" charset="0"/>
+              </a:rPr>
+              <a:t>){</a:t>
+            </a:r>
+            <a:endParaRPr lang="en-AU" sz="1600" b="0" dirty="0">
+              <a:solidFill>
+                <a:srgbClr val="D4D4D4"/>
+              </a:solidFill>
+              <a:effectLst/>
+              <a:latin typeface="Consolas" panose="020B0609020204030204" pitchFamily="49" charset="0"/>
             </a:endParaRPr>
           </a:p>
           <a:p>
-            <a:pPr marL="446088" indent="-342900">
-              <a:spcAft>
-                <a:spcPts val="1425"/>
-              </a:spcAft>
-              <a:buSzPct val="45000"/>
-              <a:buFont typeface="Wingdings" panose="05000000000000000000" pitchFamily="2" charset="2"/>
-              <a:buChar char=""/>
-            </a:pPr>
-            <a:r>
-              <a:rPr lang="en-US" altLang="en-US" sz="1800" dirty="0">
-                <a:cs typeface="Courier New" panose="02070309020205020404" pitchFamily="49" charset="0"/>
-                <a:hlinkClick r:id="rId9"/>
-              </a:rPr>
-              <a:t>http://dicomiseasy.blogspot.com</a:t>
-            </a:r>
-            <a:endParaRPr lang="en-US" altLang="en-US" sz="1800" dirty="0">
-              <a:cs typeface="Courier New" panose="02070309020205020404" pitchFamily="49" charset="0"/>
+            <a:r>
+              <a:rPr lang="en-AU" sz="1600" b="0" dirty="0">
+                <a:solidFill>
+                  <a:srgbClr val="CE9178"/>
+                </a:solidFill>
+                <a:effectLst/>
+                <a:latin typeface="Consolas" panose="020B0609020204030204" pitchFamily="49" charset="0"/>
+              </a:rPr>
+              <a:t>        lookup = </a:t>
+            </a:r>
+            <a:r>
+              <a:rPr lang="en-AU" sz="1600" b="0" dirty="0" err="1">
+                <a:solidFill>
+                  <a:srgbClr val="CE9178"/>
+                </a:solidFill>
+                <a:effectLst/>
+                <a:latin typeface="Consolas" panose="020B0609020204030204" pitchFamily="49" charset="0"/>
+              </a:rPr>
+              <a:t>texelFetch</a:t>
+            </a:r>
+            <a:r>
+              <a:rPr lang="en-AU" sz="1600" b="0" dirty="0">
+                <a:solidFill>
+                  <a:srgbClr val="CE9178"/>
+                </a:solidFill>
+                <a:effectLst/>
+                <a:latin typeface="Consolas" panose="020B0609020204030204" pitchFamily="49" charset="0"/>
+              </a:rPr>
+              <a:t>(</a:t>
+            </a:r>
+            <a:r>
+              <a:rPr lang="en-AU" sz="1600" b="0" dirty="0" err="1">
+                <a:solidFill>
+                  <a:srgbClr val="CE9178"/>
+                </a:solidFill>
+                <a:effectLst/>
+                <a:latin typeface="Consolas" panose="020B0609020204030204" pitchFamily="49" charset="0"/>
+              </a:rPr>
+              <a:t>uImageSampler</a:t>
+            </a:r>
+            <a:r>
+              <a:rPr lang="en-AU" sz="1600" b="0" dirty="0">
+                <a:solidFill>
+                  <a:srgbClr val="CE9178"/>
+                </a:solidFill>
+                <a:effectLst/>
+                <a:latin typeface="Consolas" panose="020B0609020204030204" pitchFamily="49" charset="0"/>
+              </a:rPr>
+              <a:t>, ivec2(</a:t>
+            </a:r>
+            <a:r>
+              <a:rPr lang="en-AU" sz="1600" b="0" dirty="0" err="1">
+                <a:solidFill>
+                  <a:srgbClr val="CE9178"/>
+                </a:solidFill>
+                <a:effectLst/>
+                <a:latin typeface="Consolas" panose="020B0609020204030204" pitchFamily="49" charset="0"/>
+              </a:rPr>
+              <a:t>vPixelCoord.x</a:t>
+            </a:r>
+            <a:r>
+              <a:rPr lang="en-AU" sz="1600" b="0" dirty="0">
+                <a:solidFill>
+                  <a:srgbClr val="CE9178"/>
+                </a:solidFill>
+                <a:effectLst/>
+                <a:latin typeface="Consolas" panose="020B0609020204030204" pitchFamily="49" charset="0"/>
+              </a:rPr>
+              <a:t> + </a:t>
+            </a:r>
+            <a:r>
+              <a:rPr lang="en-AU" sz="1600" b="0" dirty="0" err="1">
+                <a:solidFill>
+                  <a:srgbClr val="CE9178"/>
+                </a:solidFill>
+                <a:effectLst/>
+                <a:latin typeface="Consolas" panose="020B0609020204030204" pitchFamily="49" charset="0"/>
+              </a:rPr>
+              <a:t>uWindowSize</a:t>
+            </a:r>
+            <a:r>
+              <a:rPr lang="en-AU" sz="1600" b="0" dirty="0">
+                <a:solidFill>
+                  <a:srgbClr val="CE9178"/>
+                </a:solidFill>
+                <a:effectLst/>
+                <a:latin typeface="Consolas" panose="020B0609020204030204" pitchFamily="49" charset="0"/>
+              </a:rPr>
+              <a:t>, </a:t>
+            </a:r>
+            <a:r>
+              <a:rPr lang="en-AU" sz="1600" b="0" dirty="0" err="1">
+                <a:solidFill>
+                  <a:srgbClr val="CE9178"/>
+                </a:solidFill>
+                <a:effectLst/>
+                <a:latin typeface="Consolas" panose="020B0609020204030204" pitchFamily="49" charset="0"/>
+              </a:rPr>
+              <a:t>flippedRow</a:t>
+            </a:r>
+            <a:r>
+              <a:rPr lang="en-AU" sz="1600" b="0" dirty="0">
+                <a:solidFill>
+                  <a:srgbClr val="CE9178"/>
+                </a:solidFill>
+                <a:effectLst/>
+                <a:latin typeface="Consolas" panose="020B0609020204030204" pitchFamily="49" charset="0"/>
+              </a:rPr>
+              <a:t>), 0);</a:t>
+            </a:r>
+          </a:p>
+          <a:p>
+            <a:r>
+              <a:rPr lang="en-AU" sz="1600" dirty="0">
+                <a:solidFill>
+                  <a:schemeClr val="accent6"/>
+                </a:solidFill>
+                <a:latin typeface="Consolas" panose="020B0609020204030204" pitchFamily="49" charset="0"/>
+              </a:rPr>
+              <a:t>		// update minmax at pixel with contribution from row sample, </a:t>
+            </a:r>
+          </a:p>
+          <a:p>
+            <a:r>
+              <a:rPr lang="en-AU" sz="1600" dirty="0">
+                <a:solidFill>
+                  <a:schemeClr val="accent6"/>
+                </a:solidFill>
+                <a:latin typeface="Consolas" panose="020B0609020204030204" pitchFamily="49" charset="0"/>
+              </a:rPr>
+              <a:t>		// scaled with exponential distance falloff</a:t>
+            </a:r>
+            <a:endParaRPr lang="en-AU" sz="1600" b="0" dirty="0">
+              <a:solidFill>
+                <a:srgbClr val="D4D4D4"/>
+              </a:solidFill>
+              <a:effectLst/>
+              <a:latin typeface="Consolas" panose="020B0609020204030204" pitchFamily="49" charset="0"/>
+            </a:endParaRPr>
+          </a:p>
+          <a:p>
+            <a:r>
+              <a:rPr lang="en-AU" sz="1600" b="0" dirty="0">
+                <a:solidFill>
+                  <a:srgbClr val="CE9178"/>
+                </a:solidFill>
+                <a:effectLst/>
+                <a:latin typeface="Consolas" panose="020B0609020204030204" pitchFamily="49" charset="0"/>
+              </a:rPr>
+              <a:t>        if(</a:t>
+            </a:r>
+            <a:r>
+              <a:rPr lang="en-AU" sz="1600" b="0" dirty="0" err="1">
+                <a:solidFill>
+                  <a:srgbClr val="CE9178"/>
+                </a:solidFill>
+                <a:effectLst/>
+                <a:latin typeface="Consolas" panose="020B0609020204030204" pitchFamily="49" charset="0"/>
+              </a:rPr>
+              <a:t>uFlipped</a:t>
+            </a:r>
+            <a:r>
+              <a:rPr lang="en-AU" sz="1600" b="0" dirty="0">
+                <a:solidFill>
+                  <a:srgbClr val="CE9178"/>
+                </a:solidFill>
+                <a:effectLst/>
+                <a:latin typeface="Consolas" panose="020B0609020204030204" pitchFamily="49" charset="0"/>
+              </a:rPr>
+              <a:t> &gt; 0){</a:t>
+            </a:r>
+            <a:endParaRPr lang="en-AU" sz="1600" b="0" dirty="0">
+              <a:solidFill>
+                <a:srgbClr val="D4D4D4"/>
+              </a:solidFill>
+              <a:effectLst/>
+              <a:latin typeface="Consolas" panose="020B0609020204030204" pitchFamily="49" charset="0"/>
+            </a:endParaRPr>
+          </a:p>
+          <a:p>
+            <a:r>
+              <a:rPr lang="en-AU" sz="1600" b="0" dirty="0">
+                <a:solidFill>
+                  <a:srgbClr val="CE9178"/>
+                </a:solidFill>
+                <a:effectLst/>
+                <a:latin typeface="Consolas" panose="020B0609020204030204" pitchFamily="49" charset="0"/>
+              </a:rPr>
+              <a:t>            </a:t>
+            </a:r>
+            <a:r>
+              <a:rPr lang="en-AU" sz="1600" b="0" dirty="0" err="1">
+                <a:solidFill>
+                  <a:srgbClr val="CE9178"/>
+                </a:solidFill>
+                <a:effectLst/>
+                <a:latin typeface="Consolas" panose="020B0609020204030204" pitchFamily="49" charset="0"/>
+              </a:rPr>
+              <a:t>minVal</a:t>
+            </a:r>
+            <a:r>
+              <a:rPr lang="en-AU" sz="1600" b="0" dirty="0">
+                <a:solidFill>
+                  <a:srgbClr val="CE9178"/>
+                </a:solidFill>
+                <a:effectLst/>
+                <a:latin typeface="Consolas" panose="020B0609020204030204" pitchFamily="49" charset="0"/>
+              </a:rPr>
+              <a:t> = </a:t>
+            </a:r>
+            <a:r>
+              <a:rPr lang="en-AU" sz="1600" b="0" dirty="0" err="1">
+                <a:solidFill>
+                  <a:srgbClr val="CE9178"/>
+                </a:solidFill>
+                <a:effectLst/>
+                <a:latin typeface="Consolas" panose="020B0609020204030204" pitchFamily="49" charset="0"/>
+              </a:rPr>
+              <a:t>maxVal</a:t>
+            </a:r>
+            <a:r>
+              <a:rPr lang="en-AU" sz="1600" b="0" dirty="0">
+                <a:solidFill>
+                  <a:srgbClr val="CE9178"/>
+                </a:solidFill>
+                <a:effectLst/>
+                <a:latin typeface="Consolas" panose="020B0609020204030204" pitchFamily="49" charset="0"/>
+              </a:rPr>
+              <a:t> = intensity(lookup);</a:t>
+            </a:r>
+            <a:endParaRPr lang="en-AU" sz="1600" b="0" dirty="0">
+              <a:solidFill>
+                <a:srgbClr val="D4D4D4"/>
+              </a:solidFill>
+              <a:effectLst/>
+              <a:latin typeface="Consolas" panose="020B0609020204030204" pitchFamily="49" charset="0"/>
+            </a:endParaRPr>
+          </a:p>
+          <a:p>
+            <a:r>
+              <a:rPr lang="en-AU" sz="1600" b="0" dirty="0">
+                <a:solidFill>
+                  <a:srgbClr val="CE9178"/>
+                </a:solidFill>
+                <a:effectLst/>
+                <a:latin typeface="Consolas" panose="020B0609020204030204" pitchFamily="49" charset="0"/>
+              </a:rPr>
+              <a:t>        }else{</a:t>
+            </a:r>
+            <a:endParaRPr lang="en-AU" sz="1600" b="0" dirty="0">
+              <a:solidFill>
+                <a:srgbClr val="D4D4D4"/>
+              </a:solidFill>
+              <a:effectLst/>
+              <a:latin typeface="Consolas" panose="020B0609020204030204" pitchFamily="49" charset="0"/>
+            </a:endParaRPr>
+          </a:p>
+          <a:p>
+            <a:r>
+              <a:rPr lang="en-AU" sz="1600" b="0" dirty="0">
+                <a:solidFill>
+                  <a:srgbClr val="CE9178"/>
+                </a:solidFill>
+                <a:effectLst/>
+                <a:latin typeface="Consolas" panose="020B0609020204030204" pitchFamily="49" charset="0"/>
+              </a:rPr>
+              <a:t>            </a:t>
+            </a:r>
+            <a:r>
+              <a:rPr lang="en-AU" sz="1600" b="0" dirty="0" err="1">
+                <a:solidFill>
+                  <a:srgbClr val="CE9178"/>
+                </a:solidFill>
+                <a:effectLst/>
+                <a:latin typeface="Consolas" panose="020B0609020204030204" pitchFamily="49" charset="0"/>
+              </a:rPr>
+              <a:t>minVal</a:t>
+            </a:r>
+            <a:r>
+              <a:rPr lang="en-AU" sz="1600" b="0" dirty="0">
+                <a:solidFill>
+                  <a:srgbClr val="CE9178"/>
+                </a:solidFill>
+                <a:effectLst/>
+                <a:latin typeface="Consolas" panose="020B0609020204030204" pitchFamily="49" charset="0"/>
+              </a:rPr>
+              <a:t> = vec2ToFloat(</a:t>
+            </a:r>
+            <a:r>
+              <a:rPr lang="en-AU" sz="1600" b="0" dirty="0" err="1">
+                <a:solidFill>
+                  <a:srgbClr val="CE9178"/>
+                </a:solidFill>
+                <a:effectLst/>
+                <a:latin typeface="Consolas" panose="020B0609020204030204" pitchFamily="49" charset="0"/>
+              </a:rPr>
+              <a:t>lookup.rg</a:t>
+            </a:r>
+            <a:r>
+              <a:rPr lang="en-AU" sz="1600" b="0" dirty="0">
+                <a:solidFill>
+                  <a:srgbClr val="CE9178"/>
+                </a:solidFill>
+                <a:effectLst/>
+                <a:latin typeface="Consolas" panose="020B0609020204030204" pitchFamily="49" charset="0"/>
+              </a:rPr>
+              <a:t>);</a:t>
+            </a:r>
+            <a:endParaRPr lang="en-AU" sz="1600" b="0" dirty="0">
+              <a:solidFill>
+                <a:srgbClr val="D4D4D4"/>
+              </a:solidFill>
+              <a:effectLst/>
+              <a:latin typeface="Consolas" panose="020B0609020204030204" pitchFamily="49" charset="0"/>
+            </a:endParaRPr>
+          </a:p>
+          <a:p>
+            <a:r>
+              <a:rPr lang="en-AU" sz="1600" b="0" dirty="0">
+                <a:solidFill>
+                  <a:srgbClr val="CE9178"/>
+                </a:solidFill>
+                <a:effectLst/>
+                <a:latin typeface="Consolas" panose="020B0609020204030204" pitchFamily="49" charset="0"/>
+              </a:rPr>
+              <a:t>            </a:t>
+            </a:r>
+            <a:r>
+              <a:rPr lang="en-AU" sz="1600" b="0" dirty="0" err="1">
+                <a:solidFill>
+                  <a:srgbClr val="CE9178"/>
+                </a:solidFill>
+                <a:effectLst/>
+                <a:latin typeface="Consolas" panose="020B0609020204030204" pitchFamily="49" charset="0"/>
+              </a:rPr>
+              <a:t>maxVal</a:t>
+            </a:r>
+            <a:r>
+              <a:rPr lang="en-AU" sz="1600" b="0" dirty="0">
+                <a:solidFill>
+                  <a:srgbClr val="CE9178"/>
+                </a:solidFill>
+                <a:effectLst/>
+                <a:latin typeface="Consolas" panose="020B0609020204030204" pitchFamily="49" charset="0"/>
+              </a:rPr>
+              <a:t> = vec2ToFloat(lookup.ba);</a:t>
+            </a:r>
+            <a:endParaRPr lang="en-AU" sz="1600" b="0" dirty="0">
+              <a:solidFill>
+                <a:srgbClr val="D4D4D4"/>
+              </a:solidFill>
+              <a:effectLst/>
+              <a:latin typeface="Consolas" panose="020B0609020204030204" pitchFamily="49" charset="0"/>
+            </a:endParaRPr>
+          </a:p>
+          <a:p>
+            <a:r>
+              <a:rPr lang="en-AU" sz="1600" b="0" dirty="0">
+                <a:solidFill>
+                  <a:srgbClr val="CE9178"/>
+                </a:solidFill>
+                <a:effectLst/>
+                <a:latin typeface="Consolas" panose="020B0609020204030204" pitchFamily="49" charset="0"/>
+              </a:rPr>
+              <a:t>        }</a:t>
+            </a:r>
+            <a:endParaRPr lang="en-AU" sz="1600" b="0" dirty="0">
+              <a:solidFill>
+                <a:srgbClr val="D4D4D4"/>
+              </a:solidFill>
+              <a:effectLst/>
+              <a:latin typeface="Consolas" panose="020B0609020204030204" pitchFamily="49" charset="0"/>
+            </a:endParaRPr>
+          </a:p>
+          <a:p>
+            <a:r>
+              <a:rPr lang="en-AU" sz="1600" b="0" dirty="0">
+                <a:solidFill>
+                  <a:srgbClr val="CE9178"/>
+                </a:solidFill>
+                <a:effectLst/>
+                <a:latin typeface="Consolas" panose="020B0609020204030204" pitchFamily="49" charset="0"/>
+              </a:rPr>
+              <a:t>        if(</a:t>
+            </a:r>
+            <a:r>
+              <a:rPr lang="en-AU" sz="1600" b="0" dirty="0" err="1">
+                <a:solidFill>
+                  <a:srgbClr val="CE9178"/>
+                </a:solidFill>
+                <a:effectLst/>
+                <a:latin typeface="Consolas" panose="020B0609020204030204" pitchFamily="49" charset="0"/>
+              </a:rPr>
+              <a:t>minVal</a:t>
+            </a:r>
+            <a:r>
+              <a:rPr lang="en-AU" sz="1600" b="0" dirty="0">
+                <a:solidFill>
+                  <a:srgbClr val="CE9178"/>
+                </a:solidFill>
+                <a:effectLst/>
+                <a:latin typeface="Consolas" panose="020B0609020204030204" pitchFamily="49" charset="0"/>
+              </a:rPr>
+              <a:t> &lt; </a:t>
+            </a:r>
+            <a:r>
+              <a:rPr lang="en-AU" sz="1600" b="0" dirty="0" err="1">
+                <a:solidFill>
+                  <a:srgbClr val="CE9178"/>
+                </a:solidFill>
+                <a:effectLst/>
+                <a:latin typeface="Consolas" panose="020B0609020204030204" pitchFamily="49" charset="0"/>
+              </a:rPr>
+              <a:t>localMinR</a:t>
+            </a:r>
+            <a:r>
+              <a:rPr lang="en-AU" sz="1600" b="0" dirty="0">
+                <a:solidFill>
+                  <a:srgbClr val="CE9178"/>
+                </a:solidFill>
+                <a:effectLst/>
+                <a:latin typeface="Consolas" panose="020B0609020204030204" pitchFamily="49" charset="0"/>
+              </a:rPr>
+              <a:t>){</a:t>
+            </a:r>
+            <a:endParaRPr lang="en-AU" sz="1600" b="0" dirty="0">
+              <a:solidFill>
+                <a:srgbClr val="D4D4D4"/>
+              </a:solidFill>
+              <a:effectLst/>
+              <a:latin typeface="Consolas" panose="020B0609020204030204" pitchFamily="49" charset="0"/>
+            </a:endParaRPr>
+          </a:p>
+          <a:p>
+            <a:r>
+              <a:rPr lang="en-AU" sz="1600" b="0" dirty="0">
+                <a:solidFill>
+                  <a:srgbClr val="CE9178"/>
+                </a:solidFill>
+                <a:effectLst/>
+                <a:latin typeface="Consolas" panose="020B0609020204030204" pitchFamily="49" charset="0"/>
+              </a:rPr>
+              <a:t>            float diff = </a:t>
+            </a:r>
+            <a:r>
+              <a:rPr lang="en-AU" sz="1600" b="0" dirty="0" err="1">
+                <a:solidFill>
+                  <a:srgbClr val="CE9178"/>
+                </a:solidFill>
+                <a:effectLst/>
+                <a:latin typeface="Consolas" panose="020B0609020204030204" pitchFamily="49" charset="0"/>
+              </a:rPr>
+              <a:t>minVal</a:t>
+            </a:r>
+            <a:r>
+              <a:rPr lang="en-AU" sz="1600" b="0" dirty="0">
+                <a:solidFill>
+                  <a:srgbClr val="CE9178"/>
+                </a:solidFill>
+                <a:effectLst/>
+                <a:latin typeface="Consolas" panose="020B0609020204030204" pitchFamily="49" charset="0"/>
+              </a:rPr>
+              <a:t> - </a:t>
+            </a:r>
+            <a:r>
+              <a:rPr lang="en-AU" sz="1600" b="0" dirty="0" err="1">
+                <a:solidFill>
+                  <a:srgbClr val="CE9178"/>
+                </a:solidFill>
+                <a:effectLst/>
+                <a:latin typeface="Consolas" panose="020B0609020204030204" pitchFamily="49" charset="0"/>
+              </a:rPr>
+              <a:t>localMinR</a:t>
+            </a:r>
+            <a:r>
+              <a:rPr lang="en-AU" sz="1600" b="0" dirty="0">
+                <a:solidFill>
+                  <a:srgbClr val="CE9178"/>
+                </a:solidFill>
+                <a:effectLst/>
+                <a:latin typeface="Consolas" panose="020B0609020204030204" pitchFamily="49" charset="0"/>
+              </a:rPr>
+              <a:t>;</a:t>
+            </a:r>
+            <a:endParaRPr lang="en-AU" sz="1600" b="0" dirty="0">
+              <a:solidFill>
+                <a:srgbClr val="D4D4D4"/>
+              </a:solidFill>
+              <a:effectLst/>
+              <a:latin typeface="Consolas" panose="020B0609020204030204" pitchFamily="49" charset="0"/>
+            </a:endParaRPr>
+          </a:p>
+          <a:p>
+            <a:r>
+              <a:rPr lang="en-AU" sz="1600" b="0" dirty="0">
+                <a:solidFill>
+                  <a:srgbClr val="CE9178"/>
+                </a:solidFill>
+                <a:effectLst/>
+                <a:latin typeface="Consolas" panose="020B0609020204030204" pitchFamily="49" charset="0"/>
+              </a:rPr>
+              <a:t>            </a:t>
+            </a:r>
+            <a:r>
+              <a:rPr lang="en-AU" sz="1600" b="0" dirty="0" err="1">
+                <a:solidFill>
+                  <a:srgbClr val="CE9178"/>
+                </a:solidFill>
+                <a:effectLst/>
+                <a:latin typeface="Consolas" panose="020B0609020204030204" pitchFamily="49" charset="0"/>
+              </a:rPr>
+              <a:t>localMinR</a:t>
+            </a:r>
+            <a:r>
+              <a:rPr lang="en-AU" sz="1600" b="0" dirty="0">
+                <a:solidFill>
+                  <a:srgbClr val="CE9178"/>
+                </a:solidFill>
+                <a:effectLst/>
+                <a:latin typeface="Consolas" panose="020B0609020204030204" pitchFamily="49" charset="0"/>
+              </a:rPr>
+              <a:t> += diff * exp(-</a:t>
+            </a:r>
+            <a:r>
+              <a:rPr lang="en-AU" sz="1600" b="0" dirty="0" err="1">
+                <a:solidFill>
+                  <a:srgbClr val="CE9178"/>
+                </a:solidFill>
+                <a:effectLst/>
+                <a:latin typeface="Consolas" panose="020B0609020204030204" pitchFamily="49" charset="0"/>
+              </a:rPr>
+              <a:t>uMinusR</a:t>
+            </a:r>
+            <a:r>
+              <a:rPr lang="en-AU" sz="1600" b="0" dirty="0">
+                <a:solidFill>
+                  <a:srgbClr val="CE9178"/>
+                </a:solidFill>
+                <a:effectLst/>
+                <a:latin typeface="Consolas" panose="020B0609020204030204" pitchFamily="49" charset="0"/>
+              </a:rPr>
+              <a:t> * diff * </a:t>
+            </a:r>
+            <a:r>
+              <a:rPr lang="en-AU" sz="1600" b="0" dirty="0" err="1">
+                <a:solidFill>
+                  <a:srgbClr val="CE9178"/>
+                </a:solidFill>
+                <a:effectLst/>
+                <a:latin typeface="Consolas" panose="020B0609020204030204" pitchFamily="49" charset="0"/>
+              </a:rPr>
+              <a:t>expScale</a:t>
+            </a:r>
+            <a:r>
+              <a:rPr lang="en-AU" sz="1600" b="0" dirty="0">
+                <a:solidFill>
+                  <a:srgbClr val="CE9178"/>
+                </a:solidFill>
+                <a:effectLst/>
+                <a:latin typeface="Consolas" panose="020B0609020204030204" pitchFamily="49" charset="0"/>
+              </a:rPr>
+              <a:t>);</a:t>
+            </a:r>
+            <a:endParaRPr lang="en-AU" sz="1600" b="0" dirty="0">
+              <a:solidFill>
+                <a:srgbClr val="D4D4D4"/>
+              </a:solidFill>
+              <a:effectLst/>
+              <a:latin typeface="Consolas" panose="020B0609020204030204" pitchFamily="49" charset="0"/>
+            </a:endParaRPr>
+          </a:p>
+          <a:p>
+            <a:r>
+              <a:rPr lang="en-AU" sz="1600" b="0" dirty="0">
+                <a:solidFill>
+                  <a:srgbClr val="CE9178"/>
+                </a:solidFill>
+                <a:effectLst/>
+                <a:latin typeface="Consolas" panose="020B0609020204030204" pitchFamily="49" charset="0"/>
+              </a:rPr>
+              <a:t>        }</a:t>
+            </a:r>
+            <a:endParaRPr lang="en-AU" sz="1600" b="0" dirty="0">
+              <a:solidFill>
+                <a:srgbClr val="D4D4D4"/>
+              </a:solidFill>
+              <a:effectLst/>
+              <a:latin typeface="Consolas" panose="020B0609020204030204" pitchFamily="49" charset="0"/>
+            </a:endParaRPr>
+          </a:p>
+          <a:p>
+            <a:r>
+              <a:rPr lang="en-AU" sz="1600" b="0" dirty="0">
+                <a:solidFill>
+                  <a:srgbClr val="CE9178"/>
+                </a:solidFill>
+                <a:effectLst/>
+                <a:latin typeface="Consolas" panose="020B0609020204030204" pitchFamily="49" charset="0"/>
+              </a:rPr>
+              <a:t>        if(</a:t>
+            </a:r>
+            <a:r>
+              <a:rPr lang="en-AU" sz="1600" b="0" dirty="0" err="1">
+                <a:solidFill>
+                  <a:srgbClr val="CE9178"/>
+                </a:solidFill>
+                <a:effectLst/>
+                <a:latin typeface="Consolas" panose="020B0609020204030204" pitchFamily="49" charset="0"/>
+              </a:rPr>
+              <a:t>maxVal</a:t>
+            </a:r>
+            <a:r>
+              <a:rPr lang="en-AU" sz="1600" b="0" dirty="0">
+                <a:solidFill>
+                  <a:srgbClr val="CE9178"/>
+                </a:solidFill>
+                <a:effectLst/>
+                <a:latin typeface="Consolas" panose="020B0609020204030204" pitchFamily="49" charset="0"/>
+              </a:rPr>
+              <a:t> &gt; </a:t>
+            </a:r>
+            <a:r>
+              <a:rPr lang="en-AU" sz="1600" b="0" dirty="0" err="1">
+                <a:solidFill>
+                  <a:srgbClr val="CE9178"/>
+                </a:solidFill>
+                <a:effectLst/>
+                <a:latin typeface="Consolas" panose="020B0609020204030204" pitchFamily="49" charset="0"/>
+              </a:rPr>
+              <a:t>localMaxR</a:t>
+            </a:r>
+            <a:r>
+              <a:rPr lang="en-AU" sz="1600" b="0" dirty="0">
+                <a:solidFill>
+                  <a:srgbClr val="CE9178"/>
+                </a:solidFill>
+                <a:effectLst/>
+                <a:latin typeface="Consolas" panose="020B0609020204030204" pitchFamily="49" charset="0"/>
+              </a:rPr>
+              <a:t>){</a:t>
+            </a:r>
+            <a:endParaRPr lang="en-AU" sz="1600" b="0" dirty="0">
+              <a:solidFill>
+                <a:srgbClr val="D4D4D4"/>
+              </a:solidFill>
+              <a:effectLst/>
+              <a:latin typeface="Consolas" panose="020B0609020204030204" pitchFamily="49" charset="0"/>
+            </a:endParaRPr>
+          </a:p>
+          <a:p>
+            <a:r>
+              <a:rPr lang="en-AU" sz="1600" b="0" dirty="0">
+                <a:solidFill>
+                  <a:srgbClr val="CE9178"/>
+                </a:solidFill>
+                <a:effectLst/>
+                <a:latin typeface="Consolas" panose="020B0609020204030204" pitchFamily="49" charset="0"/>
+              </a:rPr>
+              <a:t>            float diff = </a:t>
+            </a:r>
+            <a:r>
+              <a:rPr lang="en-AU" sz="1600" b="0" dirty="0" err="1">
+                <a:solidFill>
+                  <a:srgbClr val="CE9178"/>
+                </a:solidFill>
+                <a:effectLst/>
+                <a:latin typeface="Consolas" panose="020B0609020204030204" pitchFamily="49" charset="0"/>
+              </a:rPr>
+              <a:t>maxVal</a:t>
+            </a:r>
+            <a:r>
+              <a:rPr lang="en-AU" sz="1600" b="0" dirty="0">
+                <a:solidFill>
+                  <a:srgbClr val="CE9178"/>
+                </a:solidFill>
+                <a:effectLst/>
+                <a:latin typeface="Consolas" panose="020B0609020204030204" pitchFamily="49" charset="0"/>
+              </a:rPr>
+              <a:t> - </a:t>
+            </a:r>
+            <a:r>
+              <a:rPr lang="en-AU" sz="1600" b="0" dirty="0" err="1">
+                <a:solidFill>
+                  <a:srgbClr val="CE9178"/>
+                </a:solidFill>
+                <a:effectLst/>
+                <a:latin typeface="Consolas" panose="020B0609020204030204" pitchFamily="49" charset="0"/>
+              </a:rPr>
+              <a:t>localMaxR</a:t>
+            </a:r>
+            <a:r>
+              <a:rPr lang="en-AU" sz="1600" b="0" dirty="0">
+                <a:solidFill>
+                  <a:srgbClr val="CE9178"/>
+                </a:solidFill>
+                <a:effectLst/>
+                <a:latin typeface="Consolas" panose="020B0609020204030204" pitchFamily="49" charset="0"/>
+              </a:rPr>
+              <a:t>;</a:t>
+            </a:r>
+            <a:endParaRPr lang="en-AU" sz="1600" b="0" dirty="0">
+              <a:solidFill>
+                <a:srgbClr val="D4D4D4"/>
+              </a:solidFill>
+              <a:effectLst/>
+              <a:latin typeface="Consolas" panose="020B0609020204030204" pitchFamily="49" charset="0"/>
+            </a:endParaRPr>
+          </a:p>
+          <a:p>
+            <a:r>
+              <a:rPr lang="en-AU" sz="1600" b="0" dirty="0">
+                <a:solidFill>
+                  <a:srgbClr val="CE9178"/>
+                </a:solidFill>
+                <a:effectLst/>
+                <a:latin typeface="Consolas" panose="020B0609020204030204" pitchFamily="49" charset="0"/>
+              </a:rPr>
+              <a:t>            </a:t>
+            </a:r>
+            <a:r>
+              <a:rPr lang="en-AU" sz="1600" b="0" dirty="0" err="1">
+                <a:solidFill>
+                  <a:srgbClr val="CE9178"/>
+                </a:solidFill>
+                <a:effectLst/>
+                <a:latin typeface="Consolas" panose="020B0609020204030204" pitchFamily="49" charset="0"/>
+              </a:rPr>
+              <a:t>localMaxR</a:t>
+            </a:r>
+            <a:r>
+              <a:rPr lang="en-AU" sz="1600" b="0" dirty="0">
+                <a:solidFill>
+                  <a:srgbClr val="CE9178"/>
+                </a:solidFill>
+                <a:effectLst/>
+                <a:latin typeface="Consolas" panose="020B0609020204030204" pitchFamily="49" charset="0"/>
+              </a:rPr>
+              <a:t> += diff * exp(</a:t>
+            </a:r>
+            <a:r>
+              <a:rPr lang="en-AU" sz="1600" b="0" dirty="0" err="1">
+                <a:solidFill>
+                  <a:srgbClr val="CE9178"/>
+                </a:solidFill>
+                <a:effectLst/>
+                <a:latin typeface="Consolas" panose="020B0609020204030204" pitchFamily="49" charset="0"/>
+              </a:rPr>
+              <a:t>uMinusR</a:t>
+            </a:r>
+            <a:r>
+              <a:rPr lang="en-AU" sz="1600" b="0" dirty="0">
+                <a:solidFill>
+                  <a:srgbClr val="CE9178"/>
+                </a:solidFill>
+                <a:effectLst/>
+                <a:latin typeface="Consolas" panose="020B0609020204030204" pitchFamily="49" charset="0"/>
+              </a:rPr>
+              <a:t> * diff * </a:t>
+            </a:r>
+            <a:r>
+              <a:rPr lang="en-AU" sz="1600" b="0" dirty="0" err="1">
+                <a:solidFill>
+                  <a:srgbClr val="CE9178"/>
+                </a:solidFill>
+                <a:effectLst/>
+                <a:latin typeface="Consolas" panose="020B0609020204030204" pitchFamily="49" charset="0"/>
+              </a:rPr>
+              <a:t>expScale</a:t>
+            </a:r>
+            <a:r>
+              <a:rPr lang="en-AU" sz="1600" b="0" dirty="0">
+                <a:solidFill>
+                  <a:srgbClr val="CE9178"/>
+                </a:solidFill>
+                <a:effectLst/>
+                <a:latin typeface="Consolas" panose="020B0609020204030204" pitchFamily="49" charset="0"/>
+              </a:rPr>
+              <a:t>);</a:t>
+            </a:r>
+            <a:endParaRPr lang="en-AU" sz="1600" b="0" dirty="0">
+              <a:solidFill>
+                <a:srgbClr val="D4D4D4"/>
+              </a:solidFill>
+              <a:effectLst/>
+              <a:latin typeface="Consolas" panose="020B0609020204030204" pitchFamily="49" charset="0"/>
+            </a:endParaRPr>
+          </a:p>
+          <a:p>
+            <a:r>
+              <a:rPr lang="en-AU" sz="1600" b="0" dirty="0">
+                <a:solidFill>
+                  <a:srgbClr val="CE9178"/>
+                </a:solidFill>
+                <a:effectLst/>
+                <a:latin typeface="Consolas" panose="020B0609020204030204" pitchFamily="49" charset="0"/>
+              </a:rPr>
+              <a:t>        }</a:t>
+            </a:r>
+            <a:endParaRPr lang="en-AU" sz="1600" b="0" dirty="0">
+              <a:solidFill>
+                <a:srgbClr val="D4D4D4"/>
+              </a:solidFill>
+              <a:effectLst/>
+              <a:latin typeface="Consolas" panose="020B0609020204030204" pitchFamily="49" charset="0"/>
+            </a:endParaRPr>
+          </a:p>
+          <a:p>
+            <a:r>
+              <a:rPr lang="en-AU" sz="1600" b="0" dirty="0">
+                <a:solidFill>
+                  <a:srgbClr val="CE9178"/>
+                </a:solidFill>
+                <a:effectLst/>
+                <a:latin typeface="Consolas" panose="020B0609020204030204" pitchFamily="49" charset="0"/>
+              </a:rPr>
+              <a:t>    }</a:t>
+            </a:r>
+          </a:p>
+          <a:p>
+            <a:r>
+              <a:rPr lang="en-AU" sz="1600" dirty="0">
+                <a:solidFill>
+                  <a:schemeClr val="accent6"/>
+                </a:solidFill>
+                <a:latin typeface="Consolas" panose="020B0609020204030204" pitchFamily="49" charset="0"/>
+              </a:rPr>
+              <a:t>    // s</a:t>
+            </a:r>
+            <a:r>
+              <a:rPr lang="en-AU" sz="1600" b="0" dirty="0">
+                <a:solidFill>
+                  <a:schemeClr val="accent6"/>
+                </a:solidFill>
+                <a:effectLst/>
+                <a:latin typeface="Consolas" panose="020B0609020204030204" pitchFamily="49" charset="0"/>
+              </a:rPr>
+              <a:t>tore updated minmax in current destination ping-pong FBO</a:t>
+            </a:r>
+            <a:r>
+              <a:rPr lang="en-AU" sz="1600" b="0" dirty="0">
+                <a:solidFill>
+                  <a:srgbClr val="CE9178"/>
+                </a:solidFill>
+                <a:effectLst/>
+                <a:latin typeface="Consolas" panose="020B0609020204030204" pitchFamily="49" charset="0"/>
+              </a:rPr>
+              <a:t> </a:t>
+            </a:r>
+            <a:endParaRPr lang="en-AU" sz="1600" b="0" dirty="0">
+              <a:solidFill>
+                <a:srgbClr val="D4D4D4"/>
+              </a:solidFill>
+              <a:effectLst/>
+              <a:latin typeface="Consolas" panose="020B0609020204030204" pitchFamily="49" charset="0"/>
+            </a:endParaRPr>
+          </a:p>
+          <a:p>
+            <a:r>
+              <a:rPr lang="en-AU" sz="1600" b="0" dirty="0">
+                <a:solidFill>
+                  <a:srgbClr val="CE9178"/>
+                </a:solidFill>
+                <a:effectLst/>
+                <a:latin typeface="Consolas" panose="020B0609020204030204" pitchFamily="49" charset="0"/>
+              </a:rPr>
+              <a:t>    </a:t>
+            </a:r>
+            <a:r>
+              <a:rPr lang="en-AU" sz="1600" b="0" dirty="0" err="1">
+                <a:solidFill>
+                  <a:srgbClr val="CE9178"/>
+                </a:solidFill>
+                <a:effectLst/>
+                <a:latin typeface="Consolas" panose="020B0609020204030204" pitchFamily="49" charset="0"/>
+              </a:rPr>
+              <a:t>fragColor</a:t>
+            </a:r>
+            <a:r>
+              <a:rPr lang="en-AU" sz="1600" b="0" dirty="0">
+                <a:solidFill>
+                  <a:srgbClr val="CE9178"/>
+                </a:solidFill>
+                <a:effectLst/>
+                <a:latin typeface="Consolas" panose="020B0609020204030204" pitchFamily="49" charset="0"/>
+              </a:rPr>
+              <a:t> = vec4(floatToVec2(min(</a:t>
+            </a:r>
+            <a:r>
+              <a:rPr lang="en-AU" sz="1600" b="0" dirty="0" err="1">
+                <a:solidFill>
+                  <a:srgbClr val="CE9178"/>
+                </a:solidFill>
+                <a:effectLst/>
+                <a:latin typeface="Consolas" panose="020B0609020204030204" pitchFamily="49" charset="0"/>
+              </a:rPr>
+              <a:t>localMinL</a:t>
+            </a:r>
+            <a:r>
+              <a:rPr lang="en-AU" sz="1600" b="0" dirty="0">
+                <a:solidFill>
+                  <a:srgbClr val="CE9178"/>
+                </a:solidFill>
+                <a:effectLst/>
+                <a:latin typeface="Consolas" panose="020B0609020204030204" pitchFamily="49" charset="0"/>
+              </a:rPr>
+              <a:t>, </a:t>
+            </a:r>
+            <a:r>
+              <a:rPr lang="en-AU" sz="1600" b="0" dirty="0" err="1">
+                <a:solidFill>
+                  <a:srgbClr val="CE9178"/>
+                </a:solidFill>
+                <a:effectLst/>
+                <a:latin typeface="Consolas" panose="020B0609020204030204" pitchFamily="49" charset="0"/>
+              </a:rPr>
+              <a:t>localMinR</a:t>
+            </a:r>
+            <a:r>
+              <a:rPr lang="en-AU" sz="1600" b="0" dirty="0">
+                <a:solidFill>
+                  <a:srgbClr val="CE9178"/>
+                </a:solidFill>
+                <a:effectLst/>
+                <a:latin typeface="Consolas" panose="020B0609020204030204" pitchFamily="49" charset="0"/>
+              </a:rPr>
+              <a:t>)), </a:t>
+            </a:r>
+          </a:p>
+          <a:p>
+            <a:r>
+              <a:rPr lang="en-AU" sz="1600" dirty="0">
+                <a:solidFill>
+                  <a:srgbClr val="CE9178"/>
+                </a:solidFill>
+                <a:latin typeface="Consolas" panose="020B0609020204030204" pitchFamily="49" charset="0"/>
+              </a:rPr>
+              <a:t>				</a:t>
+            </a:r>
+            <a:r>
+              <a:rPr lang="en-AU" sz="1600" b="0" dirty="0">
+                <a:solidFill>
+                  <a:srgbClr val="CE9178"/>
+                </a:solidFill>
+                <a:effectLst/>
+                <a:latin typeface="Consolas" panose="020B0609020204030204" pitchFamily="49" charset="0"/>
+              </a:rPr>
+              <a:t>floatToVec2(max(</a:t>
+            </a:r>
+            <a:r>
+              <a:rPr lang="en-AU" sz="1600" b="0" dirty="0" err="1">
+                <a:solidFill>
+                  <a:srgbClr val="CE9178"/>
+                </a:solidFill>
+                <a:effectLst/>
+                <a:latin typeface="Consolas" panose="020B0609020204030204" pitchFamily="49" charset="0"/>
+              </a:rPr>
+              <a:t>localMaxL</a:t>
+            </a:r>
+            <a:r>
+              <a:rPr lang="en-AU" sz="1600" b="0" dirty="0">
+                <a:solidFill>
+                  <a:srgbClr val="CE9178"/>
+                </a:solidFill>
+                <a:effectLst/>
+                <a:latin typeface="Consolas" panose="020B0609020204030204" pitchFamily="49" charset="0"/>
+              </a:rPr>
+              <a:t>, </a:t>
+            </a:r>
+            <a:r>
+              <a:rPr lang="en-AU" sz="1600" b="0" dirty="0" err="1">
+                <a:solidFill>
+                  <a:srgbClr val="CE9178"/>
+                </a:solidFill>
+                <a:effectLst/>
+                <a:latin typeface="Consolas" panose="020B0609020204030204" pitchFamily="49" charset="0"/>
+              </a:rPr>
+              <a:t>localMaxR</a:t>
+            </a:r>
+            <a:r>
+              <a:rPr lang="en-AU" sz="1600" b="0" dirty="0">
+                <a:solidFill>
+                  <a:srgbClr val="CE9178"/>
+                </a:solidFill>
+                <a:effectLst/>
+                <a:latin typeface="Consolas" panose="020B0609020204030204" pitchFamily="49" charset="0"/>
+              </a:rPr>
+              <a:t>)));</a:t>
+            </a:r>
+            <a:endParaRPr lang="en-AU" sz="1600" b="0" dirty="0">
+              <a:solidFill>
+                <a:srgbClr val="D4D4D4"/>
+              </a:solidFill>
+              <a:effectLst/>
+              <a:latin typeface="Consolas" panose="020B0609020204030204" pitchFamily="49" charset="0"/>
+            </a:endParaRPr>
+          </a:p>
+          <a:p>
+            <a:endParaRPr lang="en-AU" sz="1600" b="0" dirty="0">
+              <a:solidFill>
+                <a:srgbClr val="D4D4D4"/>
+              </a:solidFill>
+              <a:effectLst/>
+              <a:latin typeface="Consolas" panose="020B0609020204030204" pitchFamily="49" charset="0"/>
             </a:endParaRPr>
           </a:p>
         </p:txBody>
@@ -16235,13 +18165,41 @@
     </p:spTree>
     <p:extLst>
       <p:ext uri="{BB962C8B-B14F-4D97-AF65-F5344CB8AC3E}">
-        <p14:creationId xmlns:p14="http://schemas.microsoft.com/office/powerpoint/2010/main" val="2431333534"/>
+        <p14:creationId xmlns:p14="http://schemas.microsoft.com/office/powerpoint/2010/main" val="2299852756"/>
       </p:ext>
     </p:extLst>
   </p:cSld>
   <p:clrMapOvr>
     <a:masterClrMapping/>
   </p:clrMapOvr>
+  <p:transition spd="med"/>
+  <p:timing>
+    <p:tnLst>
+      <p:par>
+        <p:cTn id="1" dur="indefinite" restart="never" nodeType="tmRoot">
+          <p:childTnLst>
+            <p:seq concurrent="1" nextAc="seek">
+              <p:cTn id="2" dur="0" nodeType="mainSeq"/>
+              <p:prevCondLst>
+                <p:cond evt="onPrev" delay="0">
+                  <p:tgtEl>
+                    <p:sldTgt/>
+                  </p:tgtEl>
+                </p:cond>
+              </p:prevCondLst>
+              <p:nextCondLst>
+                <p:cond evt="onNext" delay="0">
+                  <p:tgtEl>
+                    <p:sldTgt/>
+                  </p:tgtEl>
+                </p:cond>
+              </p:nextCondLst>
+            </p:seq>
+          </p:childTnLst>
+        </p:cTn>
+      </p:par>
+    </p:tnLst>
+  </p:timing>
 </p:sld>
 </file>
 
